--- a/Capstone_presentation_v1.1.pptx
+++ b/Capstone_presentation_v1.1.pptx
@@ -5,7 +5,7 @@
     <p:sldMasterId id="2147483674" r:id="rId1"/>
   </p:sldMasterIdLst>
   <p:notesMasterIdLst>
-    <p:notesMasterId r:id="rId32"/>
+    <p:notesMasterId r:id="rId34"/>
   </p:notesMasterIdLst>
   <p:sldIdLst>
     <p:sldId id="256" r:id="rId2"/>
@@ -20,38 +20,40 @@
     <p:sldId id="312" r:id="rId11"/>
     <p:sldId id="313" r:id="rId12"/>
     <p:sldId id="304" r:id="rId13"/>
-    <p:sldId id="326" r:id="rId14"/>
-    <p:sldId id="314" r:id="rId15"/>
-    <p:sldId id="305" r:id="rId16"/>
-    <p:sldId id="315" r:id="rId17"/>
-    <p:sldId id="316" r:id="rId18"/>
+    <p:sldId id="327" r:id="rId14"/>
+    <p:sldId id="326" r:id="rId15"/>
+    <p:sldId id="314" r:id="rId16"/>
+    <p:sldId id="305" r:id="rId17"/>
+    <p:sldId id="315" r:id="rId18"/>
     <p:sldId id="318" r:id="rId19"/>
     <p:sldId id="319" r:id="rId20"/>
-    <p:sldId id="320" r:id="rId21"/>
-    <p:sldId id="321" r:id="rId22"/>
-    <p:sldId id="322" r:id="rId23"/>
-    <p:sldId id="323" r:id="rId24"/>
-    <p:sldId id="307" r:id="rId25"/>
-    <p:sldId id="308" r:id="rId26"/>
-    <p:sldId id="309" r:id="rId27"/>
-    <p:sldId id="310" r:id="rId28"/>
-    <p:sldId id="324" r:id="rId29"/>
-    <p:sldId id="325" r:id="rId30"/>
-    <p:sldId id="280" r:id="rId31"/>
+    <p:sldId id="316" r:id="rId21"/>
+    <p:sldId id="320" r:id="rId22"/>
+    <p:sldId id="321" r:id="rId23"/>
+    <p:sldId id="322" r:id="rId24"/>
+    <p:sldId id="323" r:id="rId25"/>
+    <p:sldId id="328" r:id="rId26"/>
+    <p:sldId id="307" r:id="rId27"/>
+    <p:sldId id="308" r:id="rId28"/>
+    <p:sldId id="309" r:id="rId29"/>
+    <p:sldId id="310" r:id="rId30"/>
+    <p:sldId id="324" r:id="rId31"/>
+    <p:sldId id="325" r:id="rId32"/>
+    <p:sldId id="280" r:id="rId33"/>
   </p:sldIdLst>
   <p:sldSz cx="9144000" cy="5143500" type="screen16x9"/>
   <p:notesSz cx="6858000" cy="9144000"/>
   <p:embeddedFontLst>
     <p:embeddedFont>
       <p:font typeface="Lato" panose="020F0502020204030203" pitchFamily="34" charset="77"/>
-      <p:regular r:id="rId33"/>
-      <p:bold r:id="rId34"/>
-      <p:italic r:id="rId35"/>
-      <p:boldItalic r:id="rId36"/>
+      <p:regular r:id="rId35"/>
+      <p:bold r:id="rId36"/>
+      <p:italic r:id="rId37"/>
+      <p:boldItalic r:id="rId38"/>
     </p:embeddedFont>
     <p:embeddedFont>
       <p:font typeface="Pompiere" panose="02000000000000000000" pitchFamily="2" charset="77"/>
-      <p:regular r:id="rId37"/>
+      <p:regular r:id="rId39"/>
     </p:embeddedFont>
   </p:embeddedFontLst>
   <p:defaultTextStyle>
@@ -1262,7 +1264,7 @@
     </p:spTree>
     <p:extLst>
       <p:ext uri="{BB962C8B-B14F-4D97-AF65-F5344CB8AC3E}">
-        <p14:creationId xmlns:p14="http://schemas.microsoft.com/office/powerpoint/2010/main" val="2904711050"/>
+        <p14:creationId xmlns:p14="http://schemas.microsoft.com/office/powerpoint/2010/main" val="1485550353"/>
       </p:ext>
     </p:extLst>
   </p:cSld>
@@ -1371,6 +1373,115 @@
     </p:spTree>
     <p:extLst>
       <p:ext uri="{BB962C8B-B14F-4D97-AF65-F5344CB8AC3E}">
+        <p14:creationId xmlns:p14="http://schemas.microsoft.com/office/powerpoint/2010/main" val="2904711050"/>
+      </p:ext>
+    </p:extLst>
+  </p:cSld>
+  <p:clrMapOvr>
+    <a:masterClrMapping/>
+  </p:clrMapOvr>
+</p:notes>
+</file>
+
+<file path=ppt/notesSlides/notesSlide15.xml><?xml version="1.0" encoding="utf-8"?>
+<p:notes xmlns:a="http://schemas.openxmlformats.org/drawingml/2006/main" xmlns:r="http://schemas.openxmlformats.org/officeDocument/2006/relationships" xmlns:p="http://schemas.openxmlformats.org/presentationml/2006/main" showMasterSp="0" showMasterPhAnim="0">
+  <p:cSld>
+    <p:spTree>
+      <p:nvGrpSpPr>
+        <p:cNvPr id="1" name="Shape 356"/>
+        <p:cNvGrpSpPr/>
+        <p:nvPr/>
+      </p:nvGrpSpPr>
+      <p:grpSpPr>
+        <a:xfrm>
+          <a:off x="0" y="0"/>
+          <a:ext cx="0" cy="0"/>
+          <a:chOff x="0" y="0"/>
+          <a:chExt cx="0" cy="0"/>
+        </a:xfrm>
+      </p:grpSpPr>
+      <p:sp>
+        <p:nvSpPr>
+          <p:cNvPr id="357" name="Google Shape;357;g9d75e17901_0_210:notes"/>
+          <p:cNvSpPr>
+            <a:spLocks noGrp="1" noRot="1" noChangeAspect="1"/>
+          </p:cNvSpPr>
+          <p:nvPr>
+            <p:ph type="sldImg" idx="2"/>
+          </p:nvPr>
+        </p:nvSpPr>
+        <p:spPr>
+          <a:xfrm>
+            <a:off x="381000" y="685800"/>
+            <a:ext cx="6096000" cy="3429000"/>
+          </a:xfrm>
+          <a:custGeom>
+            <a:avLst/>
+            <a:gdLst/>
+            <a:ahLst/>
+            <a:cxnLst/>
+            <a:rect l="l" t="t" r="r" b="b"/>
+            <a:pathLst>
+              <a:path w="120000" h="120000" extrusionOk="0">
+                <a:moveTo>
+                  <a:pt x="0" y="0"/>
+                </a:moveTo>
+                <a:lnTo>
+                  <a:pt x="120000" y="0"/>
+                </a:lnTo>
+                <a:lnTo>
+                  <a:pt x="120000" y="120000"/>
+                </a:lnTo>
+                <a:lnTo>
+                  <a:pt x="0" y="120000"/>
+                </a:lnTo>
+                <a:close/>
+              </a:path>
+            </a:pathLst>
+          </a:custGeom>
+        </p:spPr>
+      </p:sp>
+      <p:sp>
+        <p:nvSpPr>
+          <p:cNvPr id="358" name="Google Shape;358;g9d75e17901_0_210:notes"/>
+          <p:cNvSpPr txBox="1">
+            <a:spLocks noGrp="1"/>
+          </p:cNvSpPr>
+          <p:nvPr>
+            <p:ph type="body" idx="1"/>
+          </p:nvPr>
+        </p:nvSpPr>
+        <p:spPr>
+          <a:xfrm>
+            <a:off x="685800" y="4343400"/>
+            <a:ext cx="5486400" cy="4114800"/>
+          </a:xfrm>
+          <a:prstGeom prst="rect">
+            <a:avLst/>
+          </a:prstGeom>
+        </p:spPr>
+        <p:txBody>
+          <a:bodyPr spcFirstLastPara="1" wrap="square" lIns="91425" tIns="91425" rIns="91425" bIns="91425" anchor="t" anchorCtr="0">
+            <a:noAutofit/>
+          </a:bodyPr>
+          <a:lstStyle/>
+          <a:p>
+            <a:pPr marL="0" lvl="0" indent="0" algn="l" rtl="0">
+              <a:spcBef>
+                <a:spcPts val="0"/>
+              </a:spcBef>
+              <a:spcAft>
+                <a:spcPts val="0"/>
+              </a:spcAft>
+              <a:buNone/>
+            </a:pPr>
+            <a:endParaRPr/>
+          </a:p>
+        </p:txBody>
+      </p:sp>
+    </p:spTree>
+    <p:extLst>
+      <p:ext uri="{BB962C8B-B14F-4D97-AF65-F5344CB8AC3E}">
         <p14:creationId xmlns:p14="http://schemas.microsoft.com/office/powerpoint/2010/main" val="437147897"/>
       </p:ext>
     </p:extLst>
@@ -1381,7 +1492,7 @@
 </p:notes>
 </file>
 
-<file path=ppt/notesSlides/notesSlide15.xml><?xml version="1.0" encoding="utf-8"?>
+<file path=ppt/notesSlides/notesSlide16.xml><?xml version="1.0" encoding="utf-8"?>
 <p:notes xmlns:a="http://schemas.openxmlformats.org/drawingml/2006/main" xmlns:r="http://schemas.openxmlformats.org/officeDocument/2006/relationships" xmlns:p="http://schemas.openxmlformats.org/presentationml/2006/main" showMasterSp="0" showMasterPhAnim="0">
   <p:cSld>
     <p:spTree>
@@ -1481,115 +1592,6 @@
     <p:extLst>
       <p:ext uri="{BB962C8B-B14F-4D97-AF65-F5344CB8AC3E}">
         <p14:creationId xmlns:p14="http://schemas.microsoft.com/office/powerpoint/2010/main" val="2517750361"/>
-      </p:ext>
-    </p:extLst>
-  </p:cSld>
-  <p:clrMapOvr>
-    <a:masterClrMapping/>
-  </p:clrMapOvr>
-</p:notes>
-</file>
-
-<file path=ppt/notesSlides/notesSlide16.xml><?xml version="1.0" encoding="utf-8"?>
-<p:notes xmlns:a="http://schemas.openxmlformats.org/drawingml/2006/main" xmlns:r="http://schemas.openxmlformats.org/officeDocument/2006/relationships" xmlns:p="http://schemas.openxmlformats.org/presentationml/2006/main" showMasterSp="0" showMasterPhAnim="0">
-  <p:cSld>
-    <p:spTree>
-      <p:nvGrpSpPr>
-        <p:cNvPr id="1" name="Shape 356"/>
-        <p:cNvGrpSpPr/>
-        <p:nvPr/>
-      </p:nvGrpSpPr>
-      <p:grpSpPr>
-        <a:xfrm>
-          <a:off x="0" y="0"/>
-          <a:ext cx="0" cy="0"/>
-          <a:chOff x="0" y="0"/>
-          <a:chExt cx="0" cy="0"/>
-        </a:xfrm>
-      </p:grpSpPr>
-      <p:sp>
-        <p:nvSpPr>
-          <p:cNvPr id="357" name="Google Shape;357;g9d75e17901_0_210:notes"/>
-          <p:cNvSpPr>
-            <a:spLocks noGrp="1" noRot="1" noChangeAspect="1"/>
-          </p:cNvSpPr>
-          <p:nvPr>
-            <p:ph type="sldImg" idx="2"/>
-          </p:nvPr>
-        </p:nvSpPr>
-        <p:spPr>
-          <a:xfrm>
-            <a:off x="381000" y="685800"/>
-            <a:ext cx="6096000" cy="3429000"/>
-          </a:xfrm>
-          <a:custGeom>
-            <a:avLst/>
-            <a:gdLst/>
-            <a:ahLst/>
-            <a:cxnLst/>
-            <a:rect l="l" t="t" r="r" b="b"/>
-            <a:pathLst>
-              <a:path w="120000" h="120000" extrusionOk="0">
-                <a:moveTo>
-                  <a:pt x="0" y="0"/>
-                </a:moveTo>
-                <a:lnTo>
-                  <a:pt x="120000" y="0"/>
-                </a:lnTo>
-                <a:lnTo>
-                  <a:pt x="120000" y="120000"/>
-                </a:lnTo>
-                <a:lnTo>
-                  <a:pt x="0" y="120000"/>
-                </a:lnTo>
-                <a:close/>
-              </a:path>
-            </a:pathLst>
-          </a:custGeom>
-        </p:spPr>
-      </p:sp>
-      <p:sp>
-        <p:nvSpPr>
-          <p:cNvPr id="358" name="Google Shape;358;g9d75e17901_0_210:notes"/>
-          <p:cNvSpPr txBox="1">
-            <a:spLocks noGrp="1"/>
-          </p:cNvSpPr>
-          <p:nvPr>
-            <p:ph type="body" idx="1"/>
-          </p:nvPr>
-        </p:nvSpPr>
-        <p:spPr>
-          <a:xfrm>
-            <a:off x="685800" y="4343400"/>
-            <a:ext cx="5486400" cy="4114800"/>
-          </a:xfrm>
-          <a:prstGeom prst="rect">
-            <a:avLst/>
-          </a:prstGeom>
-        </p:spPr>
-        <p:txBody>
-          <a:bodyPr spcFirstLastPara="1" wrap="square" lIns="91425" tIns="91425" rIns="91425" bIns="91425" anchor="t" anchorCtr="0">
-            <a:noAutofit/>
-          </a:bodyPr>
-          <a:lstStyle/>
-          <a:p>
-            <a:pPr marL="0" lvl="0" indent="0" algn="l" rtl="0">
-              <a:spcBef>
-                <a:spcPts val="0"/>
-              </a:spcBef>
-              <a:spcAft>
-                <a:spcPts val="0"/>
-              </a:spcAft>
-              <a:buNone/>
-            </a:pPr>
-            <a:endParaRPr/>
-          </a:p>
-        </p:txBody>
-      </p:sp>
-    </p:spTree>
-    <p:extLst>
-      <p:ext uri="{BB962C8B-B14F-4D97-AF65-F5344CB8AC3E}">
-        <p14:creationId xmlns:p14="http://schemas.microsoft.com/office/powerpoint/2010/main" val="821898419"/>
       </p:ext>
     </p:extLst>
   </p:cSld>
@@ -1698,7 +1700,7 @@
     </p:spTree>
     <p:extLst>
       <p:ext uri="{BB962C8B-B14F-4D97-AF65-F5344CB8AC3E}">
-        <p14:creationId xmlns:p14="http://schemas.microsoft.com/office/powerpoint/2010/main" val="3355587453"/>
+        <p14:creationId xmlns:p14="http://schemas.microsoft.com/office/powerpoint/2010/main" val="821898419"/>
       </p:ext>
     </p:extLst>
   </p:cSld>
@@ -2129,7 +2131,7 @@
     </p:spTree>
     <p:extLst>
       <p:ext uri="{BB962C8B-B14F-4D97-AF65-F5344CB8AC3E}">
-        <p14:creationId xmlns:p14="http://schemas.microsoft.com/office/powerpoint/2010/main" val="543257590"/>
+        <p14:creationId xmlns:p14="http://schemas.microsoft.com/office/powerpoint/2010/main" val="3355587453"/>
       </p:ext>
     </p:extLst>
   </p:cSld>
@@ -2238,7 +2240,7 @@
     </p:spTree>
     <p:extLst>
       <p:ext uri="{BB962C8B-B14F-4D97-AF65-F5344CB8AC3E}">
-        <p14:creationId xmlns:p14="http://schemas.microsoft.com/office/powerpoint/2010/main" val="4084959681"/>
+        <p14:creationId xmlns:p14="http://schemas.microsoft.com/office/powerpoint/2010/main" val="543257590"/>
       </p:ext>
     </p:extLst>
   </p:cSld>
@@ -2347,7 +2349,7 @@
     </p:spTree>
     <p:extLst>
       <p:ext uri="{BB962C8B-B14F-4D97-AF65-F5344CB8AC3E}">
-        <p14:creationId xmlns:p14="http://schemas.microsoft.com/office/powerpoint/2010/main" val="2097358827"/>
+        <p14:creationId xmlns:p14="http://schemas.microsoft.com/office/powerpoint/2010/main" val="4084959681"/>
       </p:ext>
     </p:extLst>
   </p:cSld>
@@ -2449,18 +2451,14 @@
               </a:spcAft>
               <a:buNone/>
             </a:pPr>
-            <a:r>
-              <a:rPr lang="en-US" dirty="0"/>
-              <a:t>Change to boxplot</a:t>
-            </a:r>
-            <a:endParaRPr dirty="0"/>
+            <a:endParaRPr/>
           </a:p>
         </p:txBody>
       </p:sp>
     </p:spTree>
     <p:extLst>
       <p:ext uri="{BB962C8B-B14F-4D97-AF65-F5344CB8AC3E}">
-        <p14:creationId xmlns:p14="http://schemas.microsoft.com/office/powerpoint/2010/main" val="849516965"/>
+        <p14:creationId xmlns:p14="http://schemas.microsoft.com/office/powerpoint/2010/main" val="2097358827"/>
       </p:ext>
     </p:extLst>
   </p:cSld>
@@ -2475,7 +2473,7 @@
   <p:cSld>
     <p:spTree>
       <p:nvGrpSpPr>
-        <p:cNvPr id="1" name="Shape 327"/>
+        <p:cNvPr id="1" name="Shape 356"/>
         <p:cNvGrpSpPr/>
         <p:nvPr/>
       </p:nvGrpSpPr>
@@ -2489,7 +2487,7 @@
       </p:grpSpPr>
       <p:sp>
         <p:nvSpPr>
-          <p:cNvPr id="328" name="Google Shape;328;ga41cc00f87_2_22:notes"/>
+          <p:cNvPr id="357" name="Google Shape;357;g9d75e17901_0_210:notes"/>
           <p:cNvSpPr>
             <a:spLocks noGrp="1" noRot="1" noChangeAspect="1"/>
           </p:cNvSpPr>
@@ -2530,7 +2528,7 @@
       </p:sp>
       <p:sp>
         <p:nvSpPr>
-          <p:cNvPr id="329" name="Google Shape;329;ga41cc00f87_2_22:notes"/>
+          <p:cNvPr id="358" name="Google Shape;358;g9d75e17901_0_210:notes"/>
           <p:cNvSpPr txBox="1">
             <a:spLocks noGrp="1"/>
           </p:cNvSpPr>
@@ -2562,14 +2560,18 @@
               </a:spcAft>
               <a:buNone/>
             </a:pPr>
-            <a:endParaRPr/>
+            <a:r>
+              <a:rPr lang="en-US" dirty="0"/>
+              <a:t>Change to boxplot</a:t>
+            </a:r>
+            <a:endParaRPr dirty="0"/>
           </a:p>
         </p:txBody>
       </p:sp>
     </p:spTree>
     <p:extLst>
       <p:ext uri="{BB962C8B-B14F-4D97-AF65-F5344CB8AC3E}">
-        <p14:creationId xmlns:p14="http://schemas.microsoft.com/office/powerpoint/2010/main" val="1278814694"/>
+        <p14:creationId xmlns:p14="http://schemas.microsoft.com/office/powerpoint/2010/main" val="849516965"/>
       </p:ext>
     </p:extLst>
   </p:cSld>
@@ -2671,6 +2673,10 @@
               </a:spcAft>
               <a:buNone/>
             </a:pPr>
+            <a:r>
+              <a:rPr lang="en-US" dirty="0"/>
+              <a:t>Change to boxplot</a:t>
+            </a:r>
             <a:endParaRPr dirty="0"/>
           </a:p>
         </p:txBody>
@@ -2678,7 +2684,7 @@
     </p:spTree>
     <p:extLst>
       <p:ext uri="{BB962C8B-B14F-4D97-AF65-F5344CB8AC3E}">
-        <p14:creationId xmlns:p14="http://schemas.microsoft.com/office/powerpoint/2010/main" val="697224744"/>
+        <p14:creationId xmlns:p14="http://schemas.microsoft.com/office/powerpoint/2010/main" val="3080124296"/>
       </p:ext>
     </p:extLst>
   </p:cSld>
@@ -2787,7 +2793,7 @@
     </p:spTree>
     <p:extLst>
       <p:ext uri="{BB962C8B-B14F-4D97-AF65-F5344CB8AC3E}">
-        <p14:creationId xmlns:p14="http://schemas.microsoft.com/office/powerpoint/2010/main" val="4152226214"/>
+        <p14:creationId xmlns:p14="http://schemas.microsoft.com/office/powerpoint/2010/main" val="1278814694"/>
       </p:ext>
     </p:extLst>
   </p:cSld>
@@ -2896,7 +2902,7 @@
     </p:spTree>
     <p:extLst>
       <p:ext uri="{BB962C8B-B14F-4D97-AF65-F5344CB8AC3E}">
-        <p14:creationId xmlns:p14="http://schemas.microsoft.com/office/powerpoint/2010/main" val="1399713232"/>
+        <p14:creationId xmlns:p14="http://schemas.microsoft.com/office/powerpoint/2010/main" val="697224744"/>
       </p:ext>
     </p:extLst>
   </p:cSld>
@@ -3005,7 +3011,7 @@
     </p:spTree>
     <p:extLst>
       <p:ext uri="{BB962C8B-B14F-4D97-AF65-F5344CB8AC3E}">
-        <p14:creationId xmlns:p14="http://schemas.microsoft.com/office/powerpoint/2010/main" val="546841246"/>
+        <p14:creationId xmlns:p14="http://schemas.microsoft.com/office/powerpoint/2010/main" val="4152226214"/>
       </p:ext>
     </p:extLst>
   </p:cSld>
@@ -3114,7 +3120,7 @@
     </p:spTree>
     <p:extLst>
       <p:ext uri="{BB962C8B-B14F-4D97-AF65-F5344CB8AC3E}">
-        <p14:creationId xmlns:p14="http://schemas.microsoft.com/office/powerpoint/2010/main" val="3466502039"/>
+        <p14:creationId xmlns:p14="http://schemas.microsoft.com/office/powerpoint/2010/main" val="1399713232"/>
       </p:ext>
     </p:extLst>
   </p:cSld>
@@ -3229,6 +3235,224 @@
 </file>
 
 <file path=ppt/notesSlides/notesSlide30.xml><?xml version="1.0" encoding="utf-8"?>
+<p:notes xmlns:a="http://schemas.openxmlformats.org/drawingml/2006/main" xmlns:r="http://schemas.openxmlformats.org/officeDocument/2006/relationships" xmlns:p="http://schemas.openxmlformats.org/presentationml/2006/main" showMasterSp="0" showMasterPhAnim="0">
+  <p:cSld>
+    <p:spTree>
+      <p:nvGrpSpPr>
+        <p:cNvPr id="1" name="Shape 327"/>
+        <p:cNvGrpSpPr/>
+        <p:nvPr/>
+      </p:nvGrpSpPr>
+      <p:grpSpPr>
+        <a:xfrm>
+          <a:off x="0" y="0"/>
+          <a:ext cx="0" cy="0"/>
+          <a:chOff x="0" y="0"/>
+          <a:chExt cx="0" cy="0"/>
+        </a:xfrm>
+      </p:grpSpPr>
+      <p:sp>
+        <p:nvSpPr>
+          <p:cNvPr id="328" name="Google Shape;328;ga41cc00f87_2_22:notes"/>
+          <p:cNvSpPr>
+            <a:spLocks noGrp="1" noRot="1" noChangeAspect="1"/>
+          </p:cNvSpPr>
+          <p:nvPr>
+            <p:ph type="sldImg" idx="2"/>
+          </p:nvPr>
+        </p:nvSpPr>
+        <p:spPr>
+          <a:xfrm>
+            <a:off x="381000" y="685800"/>
+            <a:ext cx="6096000" cy="3429000"/>
+          </a:xfrm>
+          <a:custGeom>
+            <a:avLst/>
+            <a:gdLst/>
+            <a:ahLst/>
+            <a:cxnLst/>
+            <a:rect l="l" t="t" r="r" b="b"/>
+            <a:pathLst>
+              <a:path w="120000" h="120000" extrusionOk="0">
+                <a:moveTo>
+                  <a:pt x="0" y="0"/>
+                </a:moveTo>
+                <a:lnTo>
+                  <a:pt x="120000" y="0"/>
+                </a:lnTo>
+                <a:lnTo>
+                  <a:pt x="120000" y="120000"/>
+                </a:lnTo>
+                <a:lnTo>
+                  <a:pt x="0" y="120000"/>
+                </a:lnTo>
+                <a:close/>
+              </a:path>
+            </a:pathLst>
+          </a:custGeom>
+        </p:spPr>
+      </p:sp>
+      <p:sp>
+        <p:nvSpPr>
+          <p:cNvPr id="329" name="Google Shape;329;ga41cc00f87_2_22:notes"/>
+          <p:cNvSpPr txBox="1">
+            <a:spLocks noGrp="1"/>
+          </p:cNvSpPr>
+          <p:nvPr>
+            <p:ph type="body" idx="1"/>
+          </p:nvPr>
+        </p:nvSpPr>
+        <p:spPr>
+          <a:xfrm>
+            <a:off x="685800" y="4343400"/>
+            <a:ext cx="5486400" cy="4114800"/>
+          </a:xfrm>
+          <a:prstGeom prst="rect">
+            <a:avLst/>
+          </a:prstGeom>
+        </p:spPr>
+        <p:txBody>
+          <a:bodyPr spcFirstLastPara="1" wrap="square" lIns="91425" tIns="91425" rIns="91425" bIns="91425" anchor="t" anchorCtr="0">
+            <a:noAutofit/>
+          </a:bodyPr>
+          <a:lstStyle/>
+          <a:p>
+            <a:pPr marL="0" lvl="0" indent="0" algn="l" rtl="0">
+              <a:spcBef>
+                <a:spcPts val="0"/>
+              </a:spcBef>
+              <a:spcAft>
+                <a:spcPts val="0"/>
+              </a:spcAft>
+              <a:buNone/>
+            </a:pPr>
+            <a:endParaRPr/>
+          </a:p>
+        </p:txBody>
+      </p:sp>
+    </p:spTree>
+    <p:extLst>
+      <p:ext uri="{BB962C8B-B14F-4D97-AF65-F5344CB8AC3E}">
+        <p14:creationId xmlns:p14="http://schemas.microsoft.com/office/powerpoint/2010/main" val="546841246"/>
+      </p:ext>
+    </p:extLst>
+  </p:cSld>
+  <p:clrMapOvr>
+    <a:masterClrMapping/>
+  </p:clrMapOvr>
+</p:notes>
+</file>
+
+<file path=ppt/notesSlides/notesSlide31.xml><?xml version="1.0" encoding="utf-8"?>
+<p:notes xmlns:a="http://schemas.openxmlformats.org/drawingml/2006/main" xmlns:r="http://schemas.openxmlformats.org/officeDocument/2006/relationships" xmlns:p="http://schemas.openxmlformats.org/presentationml/2006/main" showMasterSp="0" showMasterPhAnim="0">
+  <p:cSld>
+    <p:spTree>
+      <p:nvGrpSpPr>
+        <p:cNvPr id="1" name="Shape 356"/>
+        <p:cNvGrpSpPr/>
+        <p:nvPr/>
+      </p:nvGrpSpPr>
+      <p:grpSpPr>
+        <a:xfrm>
+          <a:off x="0" y="0"/>
+          <a:ext cx="0" cy="0"/>
+          <a:chOff x="0" y="0"/>
+          <a:chExt cx="0" cy="0"/>
+        </a:xfrm>
+      </p:grpSpPr>
+      <p:sp>
+        <p:nvSpPr>
+          <p:cNvPr id="357" name="Google Shape;357;g9d75e17901_0_210:notes"/>
+          <p:cNvSpPr>
+            <a:spLocks noGrp="1" noRot="1" noChangeAspect="1"/>
+          </p:cNvSpPr>
+          <p:nvPr>
+            <p:ph type="sldImg" idx="2"/>
+          </p:nvPr>
+        </p:nvSpPr>
+        <p:spPr>
+          <a:xfrm>
+            <a:off x="381000" y="685800"/>
+            <a:ext cx="6096000" cy="3429000"/>
+          </a:xfrm>
+          <a:custGeom>
+            <a:avLst/>
+            <a:gdLst/>
+            <a:ahLst/>
+            <a:cxnLst/>
+            <a:rect l="l" t="t" r="r" b="b"/>
+            <a:pathLst>
+              <a:path w="120000" h="120000" extrusionOk="0">
+                <a:moveTo>
+                  <a:pt x="0" y="0"/>
+                </a:moveTo>
+                <a:lnTo>
+                  <a:pt x="120000" y="0"/>
+                </a:lnTo>
+                <a:lnTo>
+                  <a:pt x="120000" y="120000"/>
+                </a:lnTo>
+                <a:lnTo>
+                  <a:pt x="0" y="120000"/>
+                </a:lnTo>
+                <a:close/>
+              </a:path>
+            </a:pathLst>
+          </a:custGeom>
+        </p:spPr>
+      </p:sp>
+      <p:sp>
+        <p:nvSpPr>
+          <p:cNvPr id="358" name="Google Shape;358;g9d75e17901_0_210:notes"/>
+          <p:cNvSpPr txBox="1">
+            <a:spLocks noGrp="1"/>
+          </p:cNvSpPr>
+          <p:nvPr>
+            <p:ph type="body" idx="1"/>
+          </p:nvPr>
+        </p:nvSpPr>
+        <p:spPr>
+          <a:xfrm>
+            <a:off x="685800" y="4343400"/>
+            <a:ext cx="5486400" cy="4114800"/>
+          </a:xfrm>
+          <a:prstGeom prst="rect">
+            <a:avLst/>
+          </a:prstGeom>
+        </p:spPr>
+        <p:txBody>
+          <a:bodyPr spcFirstLastPara="1" wrap="square" lIns="91425" tIns="91425" rIns="91425" bIns="91425" anchor="t" anchorCtr="0">
+            <a:noAutofit/>
+          </a:bodyPr>
+          <a:lstStyle/>
+          <a:p>
+            <a:pPr marL="0" lvl="0" indent="0" algn="l" rtl="0">
+              <a:spcBef>
+                <a:spcPts val="0"/>
+              </a:spcBef>
+              <a:spcAft>
+                <a:spcPts val="0"/>
+              </a:spcAft>
+              <a:buNone/>
+            </a:pPr>
+            <a:endParaRPr dirty="0"/>
+          </a:p>
+        </p:txBody>
+      </p:sp>
+    </p:spTree>
+    <p:extLst>
+      <p:ext uri="{BB962C8B-B14F-4D97-AF65-F5344CB8AC3E}">
+        <p14:creationId xmlns:p14="http://schemas.microsoft.com/office/powerpoint/2010/main" val="3466502039"/>
+      </p:ext>
+    </p:extLst>
+  </p:cSld>
+  <p:clrMapOvr>
+    <a:masterClrMapping/>
+  </p:clrMapOvr>
+</p:notes>
+</file>
+
+<file path=ppt/notesSlides/notesSlide32.xml><?xml version="1.0" encoding="utf-8"?>
 <p:notes xmlns:a="http://schemas.openxmlformats.org/drawingml/2006/main" xmlns:r="http://schemas.openxmlformats.org/officeDocument/2006/relationships" xmlns:p="http://schemas.openxmlformats.org/presentationml/2006/main" showMasterSp="0" showMasterPhAnim="0">
   <p:cSld>
     <p:spTree>
@@ -14209,7 +14433,7 @@
             </a:pPr>
             <a:r>
               <a:rPr lang="en" dirty="0"/>
-              <a:t>DATASET OVERVIEW</a:t>
+              <a:t>JOB ARTICLE DATASET OVERVIEW</a:t>
             </a:r>
             <a:endParaRPr dirty="0"/>
           </a:p>
@@ -14546,6 +14770,53 @@
           </a:p>
         </p:txBody>
       </p:sp>
+      <p:pic>
+        <p:nvPicPr>
+          <p:cNvPr id="10" name="Picture 2" descr="dataset Icon 2200230">
+            <a:extLst>
+              <a:ext uri="{FF2B5EF4-FFF2-40B4-BE49-F238E27FC236}">
+                <a16:creationId xmlns:a16="http://schemas.microsoft.com/office/drawing/2014/main" id="{6ABF657E-72BC-FD48-BE2A-9D1F248CF59E}"/>
+              </a:ext>
+            </a:extLst>
+          </p:cNvPr>
+          <p:cNvPicPr>
+            <a:picLocks noChangeAspect="1" noChangeArrowheads="1"/>
+          </p:cNvPicPr>
+          <p:nvPr/>
+        </p:nvPicPr>
+        <p:blipFill>
+          <a:blip r:embed="rId5">
+            <a:extLst>
+              <a:ext uri="{28A0092B-C50C-407E-A947-70E740481C1C}">
+                <a14:useLocalDpi xmlns:a14="http://schemas.microsoft.com/office/drawing/2010/main" val="0"/>
+              </a:ext>
+            </a:extLst>
+          </a:blip>
+          <a:srcRect/>
+          <a:stretch>
+            <a:fillRect/>
+          </a:stretch>
+        </p:blipFill>
+        <p:spPr bwMode="auto">
+          <a:xfrm>
+            <a:off x="8105726" y="478539"/>
+            <a:ext cx="937974" cy="937974"/>
+          </a:xfrm>
+          <a:prstGeom prst="rect">
+            <a:avLst/>
+          </a:prstGeom>
+          <a:noFill/>
+          <a:extLst>
+            <a:ext uri="{909E8E84-426E-40DD-AFC4-6F175D3DCCD1}">
+              <a14:hiddenFill xmlns:a14="http://schemas.microsoft.com/office/drawing/2010/main">
+                <a:solidFill>
+                  <a:srgbClr val="FFFFFF"/>
+                </a:solidFill>
+              </a14:hiddenFill>
+            </a:ext>
+          </a:extLst>
+        </p:spPr>
+      </p:pic>
     </p:spTree>
     <p:extLst>
       <p:ext uri="{BB962C8B-B14F-4D97-AF65-F5344CB8AC3E}">
@@ -15700,7 +15971,7 @@
             </a:pPr>
             <a:r>
               <a:rPr lang="en" dirty="0"/>
-              <a:t>DATASET PREPROCESSING </a:t>
+              <a:t>DATASET PREPROCESSING OVERVIEW </a:t>
             </a:r>
             <a:endParaRPr dirty="0"/>
           </a:p>
@@ -16057,6 +16328,53 @@
           </p:txBody>
         </p:sp>
       </p:grpSp>
+      <p:pic>
+        <p:nvPicPr>
+          <p:cNvPr id="6146" name="Picture 2" descr="data processing Icon 2801821">
+            <a:extLst>
+              <a:ext uri="{FF2B5EF4-FFF2-40B4-BE49-F238E27FC236}">
+                <a16:creationId xmlns:a16="http://schemas.microsoft.com/office/drawing/2014/main" id="{E5F5150C-89D9-DF4A-A0A5-86897C693AB7}"/>
+              </a:ext>
+            </a:extLst>
+          </p:cNvPr>
+          <p:cNvPicPr>
+            <a:picLocks noChangeAspect="1" noChangeArrowheads="1"/>
+          </p:cNvPicPr>
+          <p:nvPr/>
+        </p:nvPicPr>
+        <p:blipFill>
+          <a:blip r:embed="rId3">
+            <a:extLst>
+              <a:ext uri="{28A0092B-C50C-407E-A947-70E740481C1C}">
+                <a14:useLocalDpi xmlns:a14="http://schemas.microsoft.com/office/drawing/2010/main" val="0"/>
+              </a:ext>
+            </a:extLst>
+          </a:blip>
+          <a:srcRect/>
+          <a:stretch>
+            <a:fillRect/>
+          </a:stretch>
+        </p:blipFill>
+        <p:spPr bwMode="auto">
+          <a:xfrm>
+            <a:off x="7876120" y="497840"/>
+            <a:ext cx="939600" cy="939600"/>
+          </a:xfrm>
+          <a:prstGeom prst="rect">
+            <a:avLst/>
+          </a:prstGeom>
+          <a:noFill/>
+          <a:extLst>
+            <a:ext uri="{909E8E84-426E-40DD-AFC4-6F175D3DCCD1}">
+              <a14:hiddenFill xmlns:a14="http://schemas.microsoft.com/office/drawing/2010/main">
+                <a:solidFill>
+                  <a:srgbClr val="FFFFFF"/>
+                </a:solidFill>
+              </a14:hiddenFill>
+            </a:ext>
+          </a:extLst>
+        </p:spPr>
+      </p:pic>
     </p:spTree>
     <p:extLst>
       <p:ext uri="{BB962C8B-B14F-4D97-AF65-F5344CB8AC3E}">
@@ -16071,6 +16389,382 @@
 </file>
 
 <file path=ppt/slides/slide13.xml><?xml version="1.0" encoding="utf-8"?>
+<p:sld xmlns:a="http://schemas.openxmlformats.org/drawingml/2006/main" xmlns:r="http://schemas.openxmlformats.org/officeDocument/2006/relationships" xmlns:p="http://schemas.openxmlformats.org/presentationml/2006/main">
+  <p:cSld>
+    <p:spTree>
+      <p:nvGrpSpPr>
+        <p:cNvPr id="1" name="Shape 359"/>
+        <p:cNvGrpSpPr/>
+        <p:nvPr/>
+      </p:nvGrpSpPr>
+      <p:grpSpPr>
+        <a:xfrm>
+          <a:off x="0" y="0"/>
+          <a:ext cx="0" cy="0"/>
+          <a:chOff x="0" y="0"/>
+          <a:chExt cx="0" cy="0"/>
+        </a:xfrm>
+      </p:grpSpPr>
+      <p:sp>
+        <p:nvSpPr>
+          <p:cNvPr id="360" name="Google Shape;360;p36"/>
+          <p:cNvSpPr/>
+          <p:nvPr/>
+        </p:nvSpPr>
+        <p:spPr>
+          <a:xfrm rot="-147394" flipH="1">
+            <a:off x="-31478" y="-267592"/>
+            <a:ext cx="8602005" cy="1561434"/>
+          </a:xfrm>
+          <a:prstGeom prst="rect">
+            <a:avLst/>
+          </a:prstGeom>
+          <a:solidFill>
+            <a:schemeClr val="accent1"/>
+          </a:solidFill>
+          <a:ln>
+            <a:noFill/>
+          </a:ln>
+        </p:spPr>
+        <p:txBody>
+          <a:bodyPr spcFirstLastPara="1" wrap="square" lIns="91425" tIns="91425" rIns="91425" bIns="91425" anchor="ctr" anchorCtr="0">
+            <a:noAutofit/>
+          </a:bodyPr>
+          <a:lstStyle/>
+          <a:p>
+            <a:pPr marL="0" lvl="0" indent="0" algn="l" rtl="0">
+              <a:spcBef>
+                <a:spcPts val="0"/>
+              </a:spcBef>
+              <a:spcAft>
+                <a:spcPts val="0"/>
+              </a:spcAft>
+              <a:buNone/>
+            </a:pPr>
+            <a:endParaRPr/>
+          </a:p>
+        </p:txBody>
+      </p:sp>
+      <p:sp>
+        <p:nvSpPr>
+          <p:cNvPr id="361" name="Google Shape;361;p36"/>
+          <p:cNvSpPr txBox="1">
+            <a:spLocks noGrp="1"/>
+          </p:cNvSpPr>
+          <p:nvPr>
+            <p:ph type="title"/>
+          </p:nvPr>
+        </p:nvSpPr>
+        <p:spPr>
+          <a:xfrm>
+            <a:off x="713225" y="539500"/>
+            <a:ext cx="7717500" cy="572700"/>
+          </a:xfrm>
+          <a:prstGeom prst="rect">
+            <a:avLst/>
+          </a:prstGeom>
+        </p:spPr>
+        <p:txBody>
+          <a:bodyPr spcFirstLastPara="1" wrap="square" lIns="91425" tIns="91425" rIns="91425" bIns="91425" anchor="ctr" anchorCtr="0">
+            <a:noAutofit/>
+          </a:bodyPr>
+          <a:lstStyle/>
+          <a:p>
+            <a:pPr marL="0" lvl="0" indent="0" algn="l" rtl="0">
+              <a:spcBef>
+                <a:spcPts val="0"/>
+              </a:spcBef>
+              <a:spcAft>
+                <a:spcPts val="0"/>
+              </a:spcAft>
+              <a:buNone/>
+            </a:pPr>
+            <a:r>
+              <a:rPr lang="en" dirty="0"/>
+              <a:t>DATASET PREPROCESSING </a:t>
+            </a:r>
+            <a:endParaRPr dirty="0"/>
+          </a:p>
+        </p:txBody>
+      </p:sp>
+      <p:grpSp>
+        <p:nvGrpSpPr>
+          <p:cNvPr id="370" name="Google Shape;370;p36"/>
+          <p:cNvGrpSpPr/>
+          <p:nvPr/>
+        </p:nvGrpSpPr>
+        <p:grpSpPr>
+          <a:xfrm>
+            <a:off x="-145105" y="2610211"/>
+            <a:ext cx="934519" cy="1551265"/>
+            <a:chOff x="197288" y="2680499"/>
+            <a:chExt cx="1156726" cy="1920120"/>
+          </a:xfrm>
+        </p:grpSpPr>
+        <p:sp>
+          <p:nvSpPr>
+            <p:cNvPr id="371" name="Google Shape;371;p36"/>
+            <p:cNvSpPr/>
+            <p:nvPr/>
+          </p:nvSpPr>
+          <p:spPr>
+            <a:xfrm>
+              <a:off x="197288" y="3755754"/>
+              <a:ext cx="945928" cy="844864"/>
+            </a:xfrm>
+            <a:custGeom>
+              <a:avLst/>
+              <a:gdLst/>
+              <a:ahLst/>
+              <a:cxnLst/>
+              <a:rect l="l" t="t" r="r" b="b"/>
+              <a:pathLst>
+                <a:path w="8873" h="7925" fill="none" extrusionOk="0">
+                  <a:moveTo>
+                    <a:pt x="6411" y="7924"/>
+                  </a:moveTo>
+                  <a:lnTo>
+                    <a:pt x="1026" y="3873"/>
+                  </a:lnTo>
+                  <a:cubicBezTo>
+                    <a:pt x="180" y="3232"/>
+                    <a:pt x="0" y="2052"/>
+                    <a:pt x="641" y="1206"/>
+                  </a:cubicBezTo>
+                  <a:lnTo>
+                    <a:pt x="795" y="1001"/>
+                  </a:lnTo>
+                  <a:cubicBezTo>
+                    <a:pt x="1436" y="154"/>
+                    <a:pt x="2616" y="1"/>
+                    <a:pt x="3462" y="616"/>
+                  </a:cubicBezTo>
+                  <a:lnTo>
+                    <a:pt x="8872" y="4668"/>
+                  </a:lnTo>
+                  <a:lnTo>
+                    <a:pt x="8462" y="5206"/>
+                  </a:lnTo>
+                  <a:cubicBezTo>
+                    <a:pt x="7770" y="6129"/>
+                    <a:pt x="6462" y="6309"/>
+                    <a:pt x="5565" y="5616"/>
+                  </a:cubicBezTo>
+                  <a:lnTo>
+                    <a:pt x="2616" y="3411"/>
+                  </a:lnTo>
+                  <a:cubicBezTo>
+                    <a:pt x="2308" y="3180"/>
+                    <a:pt x="2257" y="2770"/>
+                    <a:pt x="2488" y="2488"/>
+                  </a:cubicBezTo>
+                  <a:lnTo>
+                    <a:pt x="2667" y="2231"/>
+                  </a:lnTo>
+                  <a:cubicBezTo>
+                    <a:pt x="2898" y="1924"/>
+                    <a:pt x="3308" y="1872"/>
+                    <a:pt x="3590" y="2078"/>
+                  </a:cubicBezTo>
+                  <a:lnTo>
+                    <a:pt x="5821" y="3770"/>
+                  </a:lnTo>
+                </a:path>
+              </a:pathLst>
+            </a:custGeom>
+            <a:noFill/>
+            <a:ln w="28575" cap="rnd" cmpd="sng">
+              <a:solidFill>
+                <a:schemeClr val="dk1"/>
+              </a:solidFill>
+              <a:prstDash val="solid"/>
+              <a:miter lim="25642"/>
+              <a:headEnd type="none" w="sm" len="sm"/>
+              <a:tailEnd type="none" w="sm" len="sm"/>
+            </a:ln>
+          </p:spPr>
+          <p:txBody>
+            <a:bodyPr spcFirstLastPara="1" wrap="square" lIns="91425" tIns="91425" rIns="91425" bIns="91425" anchor="ctr" anchorCtr="0">
+              <a:noAutofit/>
+            </a:bodyPr>
+            <a:lstStyle/>
+            <a:p>
+              <a:pPr marL="0" lvl="0" indent="0" algn="l" rtl="0">
+                <a:spcBef>
+                  <a:spcPts val="0"/>
+                </a:spcBef>
+                <a:spcAft>
+                  <a:spcPts val="0"/>
+                </a:spcAft>
+                <a:buNone/>
+              </a:pPr>
+              <a:endParaRPr/>
+            </a:p>
+          </p:txBody>
+        </p:sp>
+        <p:sp>
+          <p:nvSpPr>
+            <p:cNvPr id="372" name="Google Shape;372;p36"/>
+            <p:cNvSpPr/>
+            <p:nvPr/>
+          </p:nvSpPr>
+          <p:spPr>
+            <a:xfrm rot="4438647">
+              <a:off x="344493" y="2829254"/>
+              <a:ext cx="945918" cy="844855"/>
+            </a:xfrm>
+            <a:custGeom>
+              <a:avLst/>
+              <a:gdLst/>
+              <a:ahLst/>
+              <a:cxnLst/>
+              <a:rect l="l" t="t" r="r" b="b"/>
+              <a:pathLst>
+                <a:path w="8873" h="7925" fill="none" extrusionOk="0">
+                  <a:moveTo>
+                    <a:pt x="6411" y="7924"/>
+                  </a:moveTo>
+                  <a:lnTo>
+                    <a:pt x="1026" y="3873"/>
+                  </a:lnTo>
+                  <a:cubicBezTo>
+                    <a:pt x="180" y="3232"/>
+                    <a:pt x="0" y="2052"/>
+                    <a:pt x="641" y="1206"/>
+                  </a:cubicBezTo>
+                  <a:lnTo>
+                    <a:pt x="795" y="1001"/>
+                  </a:lnTo>
+                  <a:cubicBezTo>
+                    <a:pt x="1436" y="154"/>
+                    <a:pt x="2616" y="1"/>
+                    <a:pt x="3462" y="616"/>
+                  </a:cubicBezTo>
+                  <a:lnTo>
+                    <a:pt x="8872" y="4668"/>
+                  </a:lnTo>
+                  <a:lnTo>
+                    <a:pt x="8462" y="5206"/>
+                  </a:lnTo>
+                  <a:cubicBezTo>
+                    <a:pt x="7770" y="6129"/>
+                    <a:pt x="6462" y="6309"/>
+                    <a:pt x="5565" y="5616"/>
+                  </a:cubicBezTo>
+                  <a:lnTo>
+                    <a:pt x="2616" y="3411"/>
+                  </a:lnTo>
+                  <a:cubicBezTo>
+                    <a:pt x="2308" y="3180"/>
+                    <a:pt x="2257" y="2770"/>
+                    <a:pt x="2488" y="2488"/>
+                  </a:cubicBezTo>
+                  <a:lnTo>
+                    <a:pt x="2667" y="2231"/>
+                  </a:lnTo>
+                  <a:cubicBezTo>
+                    <a:pt x="2898" y="1924"/>
+                    <a:pt x="3308" y="1872"/>
+                    <a:pt x="3590" y="2078"/>
+                  </a:cubicBezTo>
+                  <a:lnTo>
+                    <a:pt x="5821" y="3770"/>
+                  </a:lnTo>
+                </a:path>
+              </a:pathLst>
+            </a:custGeom>
+            <a:noFill/>
+            <a:ln w="28575" cap="rnd" cmpd="sng">
+              <a:solidFill>
+                <a:schemeClr val="dk1"/>
+              </a:solidFill>
+              <a:prstDash val="solid"/>
+              <a:miter lim="25642"/>
+              <a:headEnd type="none" w="sm" len="sm"/>
+              <a:tailEnd type="none" w="sm" len="sm"/>
+            </a:ln>
+          </p:spPr>
+          <p:txBody>
+            <a:bodyPr spcFirstLastPara="1" wrap="square" lIns="91425" tIns="91425" rIns="91425" bIns="91425" anchor="ctr" anchorCtr="0">
+              <a:noAutofit/>
+            </a:bodyPr>
+            <a:lstStyle/>
+            <a:p>
+              <a:pPr marL="0" lvl="0" indent="0" algn="l" rtl="0">
+                <a:spcBef>
+                  <a:spcPts val="0"/>
+                </a:spcBef>
+                <a:spcAft>
+                  <a:spcPts val="0"/>
+                </a:spcAft>
+                <a:buNone/>
+              </a:pPr>
+              <a:endParaRPr/>
+            </a:p>
+          </p:txBody>
+        </p:sp>
+      </p:grpSp>
+      <p:pic>
+        <p:nvPicPr>
+          <p:cNvPr id="6146" name="Picture 2" descr="data processing Icon 2801821">
+            <a:extLst>
+              <a:ext uri="{FF2B5EF4-FFF2-40B4-BE49-F238E27FC236}">
+                <a16:creationId xmlns:a16="http://schemas.microsoft.com/office/drawing/2014/main" id="{E5F5150C-89D9-DF4A-A0A5-86897C693AB7}"/>
+              </a:ext>
+            </a:extLst>
+          </p:cNvPr>
+          <p:cNvPicPr>
+            <a:picLocks noChangeAspect="1" noChangeArrowheads="1"/>
+          </p:cNvPicPr>
+          <p:nvPr/>
+        </p:nvPicPr>
+        <p:blipFill>
+          <a:blip r:embed="rId3">
+            <a:extLst>
+              <a:ext uri="{28A0092B-C50C-407E-A947-70E740481C1C}">
+                <a14:useLocalDpi xmlns:a14="http://schemas.microsoft.com/office/drawing/2010/main" val="0"/>
+              </a:ext>
+            </a:extLst>
+          </a:blip>
+          <a:srcRect/>
+          <a:stretch>
+            <a:fillRect/>
+          </a:stretch>
+        </p:blipFill>
+        <p:spPr bwMode="auto">
+          <a:xfrm>
+            <a:off x="7876120" y="497840"/>
+            <a:ext cx="939600" cy="939600"/>
+          </a:xfrm>
+          <a:prstGeom prst="rect">
+            <a:avLst/>
+          </a:prstGeom>
+          <a:noFill/>
+          <a:extLst>
+            <a:ext uri="{909E8E84-426E-40DD-AFC4-6F175D3DCCD1}">
+              <a14:hiddenFill xmlns:a14="http://schemas.microsoft.com/office/drawing/2010/main">
+                <a:solidFill>
+                  <a:srgbClr val="FFFFFF"/>
+                </a:solidFill>
+              </a14:hiddenFill>
+            </a:ext>
+          </a:extLst>
+        </p:spPr>
+      </p:pic>
+    </p:spTree>
+    <p:extLst>
+      <p:ext uri="{BB962C8B-B14F-4D97-AF65-F5344CB8AC3E}">
+        <p14:creationId xmlns:p14="http://schemas.microsoft.com/office/powerpoint/2010/main" val="2289612977"/>
+      </p:ext>
+    </p:extLst>
+  </p:cSld>
+  <p:clrMapOvr>
+    <a:masterClrMapping/>
+  </p:clrMapOvr>
+</p:sld>
+</file>
+
+<file path=ppt/slides/slide14.xml><?xml version="1.0" encoding="utf-8"?>
 <p:sld xmlns:a="http://schemas.openxmlformats.org/drawingml/2006/main" xmlns:r="http://schemas.openxmlformats.org/officeDocument/2006/relationships" xmlns:p="http://schemas.openxmlformats.org/presentationml/2006/main">
   <p:cSld>
     <p:spTree>
@@ -16432,7 +17126,7 @@
 </p:sld>
 </file>
 
-<file path=ppt/slides/slide14.xml><?xml version="1.0" encoding="utf-8"?>
+<file path=ppt/slides/slide15.xml><?xml version="1.0" encoding="utf-8"?>
 <p:sld xmlns:a="http://schemas.openxmlformats.org/drawingml/2006/main" xmlns:r="http://schemas.openxmlformats.org/officeDocument/2006/relationships" xmlns:p="http://schemas.openxmlformats.org/presentationml/2006/main">
   <p:cSld>
     <p:spTree>
@@ -16864,7 +17558,7 @@
 </p:sld>
 </file>
 
-<file path=ppt/slides/slide15.xml><?xml version="1.0" encoding="utf-8"?>
+<file path=ppt/slides/slide16.xml><?xml version="1.0" encoding="utf-8"?>
 <p:sld xmlns:a="http://schemas.openxmlformats.org/drawingml/2006/main" xmlns:r="http://schemas.openxmlformats.org/officeDocument/2006/relationships" xmlns:p="http://schemas.openxmlformats.org/presentationml/2006/main">
   <p:cSld>
     <p:spTree>
@@ -17904,7 +18598,7 @@
 </p:sld>
 </file>
 
-<file path=ppt/slides/slide16.xml><?xml version="1.0" encoding="utf-8"?>
+<file path=ppt/slides/slide17.xml><?xml version="1.0" encoding="utf-8"?>
 <p:sld xmlns:a="http://schemas.openxmlformats.org/drawingml/2006/main" xmlns:r="http://schemas.openxmlformats.org/officeDocument/2006/relationships" xmlns:p="http://schemas.openxmlformats.org/presentationml/2006/main">
   <p:cSld>
     <p:spTree>
@@ -18007,8 +18701,8 @@
         </p:nvSpPr>
         <p:spPr>
           <a:xfrm>
-            <a:off x="5638799" y="1582840"/>
-            <a:ext cx="2839319" cy="3178905"/>
+            <a:off x="5638799" y="1391769"/>
+            <a:ext cx="2839319" cy="2769708"/>
           </a:xfrm>
           <a:prstGeom prst="rect">
             <a:avLst/>
@@ -18026,7 +18720,97 @@
             </a:pPr>
             <a:r>
               <a:rPr lang="en-US" sz="1400" dirty="0"/>
-              <a:t>Most frequent words that appear in articles</a:t>
+              <a:t>dataset</a:t>
+            </a:r>
+          </a:p>
+          <a:p>
+            <a:pPr marL="285750" indent="-285750" algn="l">
+              <a:buFont typeface="Arial" panose="020B0604020202020204" pitchFamily="34" charset="0"/>
+              <a:buChar char="•"/>
+            </a:pPr>
+            <a:r>
+              <a:rPr lang="en-US" sz="1400" dirty="0"/>
+              <a:t>image</a:t>
+            </a:r>
+          </a:p>
+          <a:p>
+            <a:pPr marL="285750" indent="-285750" algn="l">
+              <a:buFont typeface="Arial" panose="020B0604020202020204" pitchFamily="34" charset="0"/>
+              <a:buChar char="•"/>
+            </a:pPr>
+            <a:r>
+              <a:rPr lang="en-US" sz="1400" dirty="0"/>
+              <a:t>time</a:t>
+            </a:r>
+          </a:p>
+          <a:p>
+            <a:pPr marL="285750" indent="-285750" algn="l">
+              <a:buFont typeface="Arial" panose="020B0604020202020204" pitchFamily="34" charset="0"/>
+              <a:buChar char="•"/>
+            </a:pPr>
+            <a:r>
+              <a:rPr lang="en-US" sz="1400" dirty="0"/>
+              <a:t>neural network</a:t>
+            </a:r>
+          </a:p>
+          <a:p>
+            <a:pPr marL="285750" indent="-285750" algn="l">
+              <a:buFont typeface="Arial" panose="020B0604020202020204" pitchFamily="34" charset="0"/>
+              <a:buChar char="•"/>
+            </a:pPr>
+            <a:r>
+              <a:rPr lang="en-US" sz="1400" dirty="0"/>
+              <a:t>machine learning</a:t>
+            </a:r>
+          </a:p>
+          <a:p>
+            <a:pPr marL="285750" indent="-285750" algn="l">
+              <a:buFont typeface="Arial" panose="020B0604020202020204" pitchFamily="34" charset="0"/>
+              <a:buChar char="•"/>
+            </a:pPr>
+            <a:r>
+              <a:rPr lang="en-US" sz="1400" dirty="0"/>
+              <a:t>function</a:t>
+            </a:r>
+          </a:p>
+          <a:p>
+            <a:pPr marL="285750" indent="-285750" algn="l">
+              <a:buFont typeface="Arial" panose="020B0604020202020204" pitchFamily="34" charset="0"/>
+              <a:buChar char="•"/>
+            </a:pPr>
+            <a:r>
+              <a:rPr lang="en-US" sz="1400" dirty="0"/>
+              <a:t>code</a:t>
+            </a:r>
+          </a:p>
+          <a:p>
+            <a:pPr marL="285750" indent="-285750" algn="l">
+              <a:buFont typeface="Arial" panose="020B0604020202020204" pitchFamily="34" charset="0"/>
+              <a:buChar char="•"/>
+            </a:pPr>
+            <a:r>
+              <a:rPr lang="en-US" sz="1400" dirty="0"/>
+              <a:t>project</a:t>
+            </a:r>
+          </a:p>
+          <a:p>
+            <a:pPr marL="285750" indent="-285750" algn="l">
+              <a:buFont typeface="Arial" panose="020B0604020202020204" pitchFamily="34" charset="0"/>
+              <a:buChar char="•"/>
+            </a:pPr>
+            <a:r>
+              <a:rPr lang="en-US" sz="1400" dirty="0"/>
+              <a:t>training</a:t>
+            </a:r>
+          </a:p>
+          <a:p>
+            <a:pPr marL="285750" indent="-285750" algn="l">
+              <a:buFont typeface="Arial" panose="020B0604020202020204" pitchFamily="34" charset="0"/>
+              <a:buChar char="•"/>
+            </a:pPr>
+            <a:r>
+              <a:rPr lang="en-US" sz="1400" dirty="0"/>
+              <a:t>feature</a:t>
             </a:r>
             <a:endParaRPr sz="1400" dirty="0"/>
           </a:p>
@@ -18263,7 +19047,7 @@
           </p:cNvPicPr>
           <p:nvPr/>
         </p:nvPicPr>
-        <p:blipFill>
+        <p:blipFill rotWithShape="1">
           <a:blip r:embed="rId3">
             <a:extLst>
               <a:ext uri="{28A0092B-C50C-407E-A947-70E740481C1C}">
@@ -18271,15 +19055,13 @@
               </a:ext>
             </a:extLst>
           </a:blip>
-          <a:srcRect/>
-          <a:stretch>
-            <a:fillRect/>
-          </a:stretch>
+          <a:srcRect l="7" r="7"/>
+          <a:stretch/>
         </p:blipFill>
         <p:spPr bwMode="auto">
           <a:xfrm>
-            <a:off x="5669280" y="482281"/>
-            <a:ext cx="629919" cy="629919"/>
+            <a:off x="7983067" y="397792"/>
+            <a:ext cx="939600" cy="939600"/>
           </a:xfrm>
           <a:prstGeom prst="rect">
             <a:avLst/>
@@ -18298,10 +19080,10 @@
       </p:pic>
       <p:pic>
         <p:nvPicPr>
-          <p:cNvPr id="2" name="Picture 1">
+          <p:cNvPr id="3" name="Picture 2">
             <a:extLst>
               <a:ext uri="{FF2B5EF4-FFF2-40B4-BE49-F238E27FC236}">
-                <a16:creationId xmlns:a16="http://schemas.microsoft.com/office/drawing/2014/main" id="{3B54D379-57A7-9A4D-8388-D00E21851F45}"/>
+                <a16:creationId xmlns:a16="http://schemas.microsoft.com/office/drawing/2014/main" id="{9DD59FCF-1EC7-0044-8351-CDB8564E43A9}"/>
               </a:ext>
             </a:extLst>
           </p:cNvPr>
@@ -18318,142 +19100,292 @@
         </p:blipFill>
         <p:spPr>
           <a:xfrm>
-            <a:off x="1080506" y="1717040"/>
-            <a:ext cx="4267200" cy="2197100"/>
+            <a:off x="1462354" y="1703354"/>
+            <a:ext cx="4006141" cy="2090422"/>
           </a:xfrm>
           <a:prstGeom prst="rect">
             <a:avLst/>
           </a:prstGeom>
         </p:spPr>
       </p:pic>
-    </p:spTree>
-    <p:extLst>
-      <p:ext uri="{BB962C8B-B14F-4D97-AF65-F5344CB8AC3E}">
-        <p14:creationId xmlns:p14="http://schemas.microsoft.com/office/powerpoint/2010/main" val="3493549010"/>
-      </p:ext>
-    </p:extLst>
-  </p:cSld>
-  <p:clrMapOvr>
-    <a:masterClrMapping/>
-  </p:clrMapOvr>
-</p:sld>
-</file>
-
-<file path=ppt/slides/slide17.xml><?xml version="1.0" encoding="utf-8"?>
-<p:sld xmlns:a="http://schemas.openxmlformats.org/drawingml/2006/main" xmlns:r="http://schemas.openxmlformats.org/officeDocument/2006/relationships" xmlns:p="http://schemas.openxmlformats.org/presentationml/2006/main">
-  <p:cSld>
-    <p:spTree>
-      <p:nvGrpSpPr>
-        <p:cNvPr id="1" name="Shape 359"/>
-        <p:cNvGrpSpPr/>
-        <p:nvPr/>
-      </p:nvGrpSpPr>
-      <p:grpSpPr>
-        <a:xfrm>
-          <a:off x="0" y="0"/>
-          <a:ext cx="0" cy="0"/>
-          <a:chOff x="0" y="0"/>
-          <a:chExt cx="0" cy="0"/>
-        </a:xfrm>
-      </p:grpSpPr>
       <p:sp>
         <p:nvSpPr>
-          <p:cNvPr id="360" name="Google Shape;360;p36"/>
-          <p:cNvSpPr/>
+          <p:cNvPr id="11" name="Google Shape;363;p36">
+            <a:extLst>
+              <a:ext uri="{FF2B5EF4-FFF2-40B4-BE49-F238E27FC236}">
+                <a16:creationId xmlns:a16="http://schemas.microsoft.com/office/drawing/2014/main" id="{FAA8E1DD-F683-A342-9743-4628D249F2F6}"/>
+              </a:ext>
+            </a:extLst>
+          </p:cNvPr>
+          <p:cNvSpPr txBox="1">
+            <a:spLocks/>
+          </p:cNvSpPr>
           <p:nvPr/>
         </p:nvSpPr>
         <p:spPr>
-          <a:xfrm rot="-147394" flipH="1">
-            <a:off x="-31478" y="-267592"/>
-            <a:ext cx="8602005" cy="1561434"/>
+          <a:xfrm>
+            <a:off x="1446715" y="3862545"/>
+            <a:ext cx="6055058" cy="1173479"/>
           </a:xfrm>
           <a:prstGeom prst="rect">
             <a:avLst/>
           </a:prstGeom>
-          <a:solidFill>
-            <a:schemeClr val="accent1"/>
-          </a:solidFill>
+          <a:noFill/>
           <a:ln>
             <a:noFill/>
           </a:ln>
         </p:spPr>
         <p:txBody>
-          <a:bodyPr spcFirstLastPara="1" wrap="square" lIns="91425" tIns="91425" rIns="91425" bIns="91425" anchor="ctr" anchorCtr="0">
-            <a:noAutofit/>
-          </a:bodyPr>
-          <a:lstStyle/>
-          <a:p>
-            <a:pPr marL="0" lvl="0" indent="0" algn="l" rtl="0">
-              <a:spcBef>
-                <a:spcPts val="0"/>
-              </a:spcBef>
-              <a:spcAft>
-                <a:spcPts val="0"/>
-              </a:spcAft>
-              <a:buNone/>
-            </a:pPr>
-            <a:endParaRPr/>
-          </a:p>
-        </p:txBody>
-      </p:sp>
-      <p:sp>
-        <p:nvSpPr>
-          <p:cNvPr id="361" name="Google Shape;361;p36"/>
-          <p:cNvSpPr txBox="1">
-            <a:spLocks noGrp="1"/>
-          </p:cNvSpPr>
-          <p:nvPr>
-            <p:ph type="title"/>
-          </p:nvPr>
-        </p:nvSpPr>
-        <p:spPr>
-          <a:xfrm>
-            <a:off x="713225" y="539500"/>
-            <a:ext cx="7717500" cy="572700"/>
-          </a:xfrm>
-          <a:prstGeom prst="rect">
-            <a:avLst/>
-          </a:prstGeom>
-        </p:spPr>
-        <p:txBody>
-          <a:bodyPr spcFirstLastPara="1" wrap="square" lIns="91425" tIns="91425" rIns="91425" bIns="91425" anchor="ctr" anchorCtr="0">
-            <a:noAutofit/>
-          </a:bodyPr>
-          <a:lstStyle/>
-          <a:p>
-            <a:pPr lvl="0"/>
-            <a:r>
-              <a:rPr lang="en" dirty="0"/>
-              <a:t>MOST FREQUENT WORDS IN JOBS LISTINGS</a:t>
-            </a:r>
-            <a:endParaRPr dirty="0"/>
-          </a:p>
-        </p:txBody>
-      </p:sp>
-      <p:sp>
-        <p:nvSpPr>
-          <p:cNvPr id="363" name="Google Shape;363;p36"/>
-          <p:cNvSpPr txBox="1">
-            <a:spLocks noGrp="1"/>
-          </p:cNvSpPr>
-          <p:nvPr>
-            <p:ph type="subTitle" idx="1"/>
-          </p:nvPr>
-        </p:nvSpPr>
-        <p:spPr>
-          <a:xfrm>
-            <a:off x="5638799" y="1582840"/>
-            <a:ext cx="2839319" cy="3178905"/>
-          </a:xfrm>
-          <a:prstGeom prst="rect">
-            <a:avLst/>
-          </a:prstGeom>
-        </p:spPr>
-        <p:txBody>
           <a:bodyPr spcFirstLastPara="1" wrap="square" lIns="91425" tIns="91425" rIns="91425" bIns="91425" anchor="t" anchorCtr="0">
             <a:noAutofit/>
           </a:bodyPr>
-          <a:lstStyle/>
+          <a:lstStyle>
+            <a:defPPr marR="0" lvl="0" algn="l" rtl="0">
+              <a:lnSpc>
+                <a:spcPct val="100000"/>
+              </a:lnSpc>
+              <a:spcBef>
+                <a:spcPts val="0"/>
+              </a:spcBef>
+              <a:spcAft>
+                <a:spcPts val="0"/>
+              </a:spcAft>
+            </a:defPPr>
+            <a:lvl1pPr marL="457200" marR="0" lvl="0" indent="-330200" algn="ctr" rtl="0">
+              <a:lnSpc>
+                <a:spcPct val="100000"/>
+              </a:lnSpc>
+              <a:spcBef>
+                <a:spcPts val="0"/>
+              </a:spcBef>
+              <a:spcAft>
+                <a:spcPts val="0"/>
+              </a:spcAft>
+              <a:buClr>
+                <a:schemeClr val="lt1"/>
+              </a:buClr>
+              <a:buSzPts val="1600"/>
+              <a:buFont typeface="Lato"/>
+              <a:buNone/>
+              <a:defRPr sz="1600" b="0" i="0" u="none" strike="noStrike" cap="none">
+                <a:solidFill>
+                  <a:schemeClr val="lt1"/>
+                </a:solidFill>
+                <a:latin typeface="Lato"/>
+                <a:ea typeface="Lato"/>
+                <a:cs typeface="Lato"/>
+                <a:sym typeface="Lato"/>
+              </a:defRPr>
+            </a:lvl1pPr>
+            <a:lvl2pPr marL="914400" marR="0" lvl="1" indent="-330200" algn="l" rtl="0">
+              <a:lnSpc>
+                <a:spcPct val="100000"/>
+              </a:lnSpc>
+              <a:spcBef>
+                <a:spcPts val="0"/>
+              </a:spcBef>
+              <a:spcAft>
+                <a:spcPts val="0"/>
+              </a:spcAft>
+              <a:buClr>
+                <a:schemeClr val="lt1"/>
+              </a:buClr>
+              <a:buSzPts val="1600"/>
+              <a:buFont typeface="Lato"/>
+              <a:buNone/>
+              <a:defRPr sz="1600" b="0" i="0" u="none" strike="noStrike" cap="none">
+                <a:solidFill>
+                  <a:schemeClr val="lt1"/>
+                </a:solidFill>
+                <a:latin typeface="Lato"/>
+                <a:ea typeface="Lato"/>
+                <a:cs typeface="Lato"/>
+                <a:sym typeface="Lato"/>
+              </a:defRPr>
+            </a:lvl2pPr>
+            <a:lvl3pPr marL="1371600" marR="0" lvl="2" indent="-330200" algn="l" rtl="0">
+              <a:lnSpc>
+                <a:spcPct val="100000"/>
+              </a:lnSpc>
+              <a:spcBef>
+                <a:spcPts val="0"/>
+              </a:spcBef>
+              <a:spcAft>
+                <a:spcPts val="0"/>
+              </a:spcAft>
+              <a:buClr>
+                <a:schemeClr val="lt1"/>
+              </a:buClr>
+              <a:buSzPts val="1600"/>
+              <a:buFont typeface="Lato"/>
+              <a:buNone/>
+              <a:defRPr sz="1600" b="0" i="0" u="none" strike="noStrike" cap="none">
+                <a:solidFill>
+                  <a:schemeClr val="lt1"/>
+                </a:solidFill>
+                <a:latin typeface="Lato"/>
+                <a:ea typeface="Lato"/>
+                <a:cs typeface="Lato"/>
+                <a:sym typeface="Lato"/>
+              </a:defRPr>
+            </a:lvl3pPr>
+            <a:lvl4pPr marL="1828800" marR="0" lvl="3" indent="-330200" algn="l" rtl="0">
+              <a:lnSpc>
+                <a:spcPct val="100000"/>
+              </a:lnSpc>
+              <a:spcBef>
+                <a:spcPts val="0"/>
+              </a:spcBef>
+              <a:spcAft>
+                <a:spcPts val="0"/>
+              </a:spcAft>
+              <a:buClr>
+                <a:schemeClr val="lt1"/>
+              </a:buClr>
+              <a:buSzPts val="1600"/>
+              <a:buFont typeface="Lato"/>
+              <a:buNone/>
+              <a:defRPr sz="1600" b="0" i="0" u="none" strike="noStrike" cap="none">
+                <a:solidFill>
+                  <a:schemeClr val="lt1"/>
+                </a:solidFill>
+                <a:latin typeface="Lato"/>
+                <a:ea typeface="Lato"/>
+                <a:cs typeface="Lato"/>
+                <a:sym typeface="Lato"/>
+              </a:defRPr>
+            </a:lvl4pPr>
+            <a:lvl5pPr marL="2286000" marR="0" lvl="4" indent="-330200" algn="l" rtl="0">
+              <a:lnSpc>
+                <a:spcPct val="100000"/>
+              </a:lnSpc>
+              <a:spcBef>
+                <a:spcPts val="0"/>
+              </a:spcBef>
+              <a:spcAft>
+                <a:spcPts val="0"/>
+              </a:spcAft>
+              <a:buClr>
+                <a:schemeClr val="lt1"/>
+              </a:buClr>
+              <a:buSzPts val="1600"/>
+              <a:buFont typeface="Lato"/>
+              <a:buNone/>
+              <a:defRPr sz="1600" b="0" i="0" u="none" strike="noStrike" cap="none">
+                <a:solidFill>
+                  <a:schemeClr val="lt1"/>
+                </a:solidFill>
+                <a:latin typeface="Lato"/>
+                <a:ea typeface="Lato"/>
+                <a:cs typeface="Lato"/>
+                <a:sym typeface="Lato"/>
+              </a:defRPr>
+            </a:lvl5pPr>
+            <a:lvl6pPr marL="2743200" marR="0" lvl="5" indent="-330200" algn="l" rtl="0">
+              <a:lnSpc>
+                <a:spcPct val="100000"/>
+              </a:lnSpc>
+              <a:spcBef>
+                <a:spcPts val="0"/>
+              </a:spcBef>
+              <a:spcAft>
+                <a:spcPts val="0"/>
+              </a:spcAft>
+              <a:buClr>
+                <a:schemeClr val="lt1"/>
+              </a:buClr>
+              <a:buSzPts val="1600"/>
+              <a:buFont typeface="Lato"/>
+              <a:buNone/>
+              <a:defRPr sz="1600" b="0" i="0" u="none" strike="noStrike" cap="none">
+                <a:solidFill>
+                  <a:schemeClr val="lt1"/>
+                </a:solidFill>
+                <a:latin typeface="Lato"/>
+                <a:ea typeface="Lato"/>
+                <a:cs typeface="Lato"/>
+                <a:sym typeface="Lato"/>
+              </a:defRPr>
+            </a:lvl6pPr>
+            <a:lvl7pPr marL="3200400" marR="0" lvl="6" indent="-330200" algn="l" rtl="0">
+              <a:lnSpc>
+                <a:spcPct val="100000"/>
+              </a:lnSpc>
+              <a:spcBef>
+                <a:spcPts val="0"/>
+              </a:spcBef>
+              <a:spcAft>
+                <a:spcPts val="0"/>
+              </a:spcAft>
+              <a:buClr>
+                <a:schemeClr val="lt1"/>
+              </a:buClr>
+              <a:buSzPts val="1600"/>
+              <a:buFont typeface="Lato"/>
+              <a:buNone/>
+              <a:defRPr sz="1600" b="0" i="0" u="none" strike="noStrike" cap="none">
+                <a:solidFill>
+                  <a:schemeClr val="lt1"/>
+                </a:solidFill>
+                <a:latin typeface="Lato"/>
+                <a:ea typeface="Lato"/>
+                <a:cs typeface="Lato"/>
+                <a:sym typeface="Lato"/>
+              </a:defRPr>
+            </a:lvl7pPr>
+            <a:lvl8pPr marL="3657600" marR="0" lvl="7" indent="-330200" algn="l" rtl="0">
+              <a:lnSpc>
+                <a:spcPct val="100000"/>
+              </a:lnSpc>
+              <a:spcBef>
+                <a:spcPts val="0"/>
+              </a:spcBef>
+              <a:spcAft>
+                <a:spcPts val="0"/>
+              </a:spcAft>
+              <a:buClr>
+                <a:schemeClr val="lt1"/>
+              </a:buClr>
+              <a:buSzPts val="1600"/>
+              <a:buFont typeface="Lato"/>
+              <a:buNone/>
+              <a:defRPr sz="1600" b="0" i="0" u="none" strike="noStrike" cap="none">
+                <a:solidFill>
+                  <a:schemeClr val="lt1"/>
+                </a:solidFill>
+                <a:latin typeface="Lato"/>
+                <a:ea typeface="Lato"/>
+                <a:cs typeface="Lato"/>
+                <a:sym typeface="Lato"/>
+              </a:defRPr>
+            </a:lvl8pPr>
+            <a:lvl9pPr marL="4114800" marR="0" lvl="8" indent="-330200" algn="l" rtl="0">
+              <a:lnSpc>
+                <a:spcPct val="100000"/>
+              </a:lnSpc>
+              <a:spcBef>
+                <a:spcPts val="0"/>
+              </a:spcBef>
+              <a:spcAft>
+                <a:spcPts val="0"/>
+              </a:spcAft>
+              <a:buClr>
+                <a:schemeClr val="lt1"/>
+              </a:buClr>
+              <a:buSzPts val="1600"/>
+              <a:buFont typeface="Lato"/>
+              <a:buNone/>
+              <a:defRPr sz="1600" b="0" i="0" u="none" strike="noStrike" cap="none">
+                <a:solidFill>
+                  <a:schemeClr val="lt1"/>
+                </a:solidFill>
+                <a:latin typeface="Lato"/>
+                <a:ea typeface="Lato"/>
+                <a:cs typeface="Lato"/>
+                <a:sym typeface="Lato"/>
+              </a:defRPr>
+            </a:lvl9pPr>
+          </a:lstStyle>
           <a:p>
             <a:pPr marL="285750" indent="-285750" algn="l">
               <a:buFont typeface="Arial" panose="020B0604020202020204" pitchFamily="34" charset="0"/>
@@ -18461,310 +19393,45 @@
             </a:pPr>
             <a:r>
               <a:rPr lang="en-US" sz="1400" dirty="0"/>
-              <a:t>Most frequent words that appear in job’s listings</a:t>
+              <a:t>Popular branch of ML: computer vision, time series, neural network</a:t>
             </a:r>
-            <a:endParaRPr sz="1400" dirty="0"/>
+          </a:p>
+          <a:p>
+            <a:pPr marL="285750" indent="-285750" algn="l">
+              <a:buFont typeface="Arial" panose="020B0604020202020204" pitchFamily="34" charset="0"/>
+              <a:buChar char="•"/>
+            </a:pPr>
+            <a:r>
+              <a:rPr lang="en-US" sz="1400" dirty="0"/>
+              <a:t>Creating dataset through web scraping and handling imbalanced dataset</a:t>
+            </a:r>
+          </a:p>
+          <a:p>
+            <a:pPr marL="285750" indent="-285750" algn="l">
+              <a:buFont typeface="Arial" panose="020B0604020202020204" pitchFamily="34" charset="0"/>
+              <a:buChar char="•"/>
+            </a:pPr>
+            <a:r>
+              <a:rPr lang="en-US" sz="1400" dirty="0"/>
+              <a:t>Feature engineering</a:t>
+            </a:r>
+          </a:p>
+          <a:p>
+            <a:pPr marL="285750" indent="-285750" algn="l">
+              <a:buFont typeface="Arial" panose="020B0604020202020204" pitchFamily="34" charset="0"/>
+              <a:buChar char="•"/>
+            </a:pPr>
+            <a:r>
+              <a:rPr lang="en-US" sz="1400" dirty="0"/>
+              <a:t>Project ideas</a:t>
+            </a:r>
           </a:p>
         </p:txBody>
       </p:sp>
-      <p:grpSp>
-        <p:nvGrpSpPr>
-          <p:cNvPr id="370" name="Google Shape;370;p36"/>
-          <p:cNvGrpSpPr/>
-          <p:nvPr/>
-        </p:nvGrpSpPr>
-        <p:grpSpPr>
-          <a:xfrm>
-            <a:off x="-145105" y="2610211"/>
-            <a:ext cx="934519" cy="1551265"/>
-            <a:chOff x="197288" y="2680499"/>
-            <a:chExt cx="1156726" cy="1920120"/>
-          </a:xfrm>
-        </p:grpSpPr>
-        <p:sp>
-          <p:nvSpPr>
-            <p:cNvPr id="371" name="Google Shape;371;p36"/>
-            <p:cNvSpPr/>
-            <p:nvPr/>
-          </p:nvSpPr>
-          <p:spPr>
-            <a:xfrm>
-              <a:off x="197288" y="3755754"/>
-              <a:ext cx="945928" cy="844864"/>
-            </a:xfrm>
-            <a:custGeom>
-              <a:avLst/>
-              <a:gdLst/>
-              <a:ahLst/>
-              <a:cxnLst/>
-              <a:rect l="l" t="t" r="r" b="b"/>
-              <a:pathLst>
-                <a:path w="8873" h="7925" fill="none" extrusionOk="0">
-                  <a:moveTo>
-                    <a:pt x="6411" y="7924"/>
-                  </a:moveTo>
-                  <a:lnTo>
-                    <a:pt x="1026" y="3873"/>
-                  </a:lnTo>
-                  <a:cubicBezTo>
-                    <a:pt x="180" y="3232"/>
-                    <a:pt x="0" y="2052"/>
-                    <a:pt x="641" y="1206"/>
-                  </a:cubicBezTo>
-                  <a:lnTo>
-                    <a:pt x="795" y="1001"/>
-                  </a:lnTo>
-                  <a:cubicBezTo>
-                    <a:pt x="1436" y="154"/>
-                    <a:pt x="2616" y="1"/>
-                    <a:pt x="3462" y="616"/>
-                  </a:cubicBezTo>
-                  <a:lnTo>
-                    <a:pt x="8872" y="4668"/>
-                  </a:lnTo>
-                  <a:lnTo>
-                    <a:pt x="8462" y="5206"/>
-                  </a:lnTo>
-                  <a:cubicBezTo>
-                    <a:pt x="7770" y="6129"/>
-                    <a:pt x="6462" y="6309"/>
-                    <a:pt x="5565" y="5616"/>
-                  </a:cubicBezTo>
-                  <a:lnTo>
-                    <a:pt x="2616" y="3411"/>
-                  </a:lnTo>
-                  <a:cubicBezTo>
-                    <a:pt x="2308" y="3180"/>
-                    <a:pt x="2257" y="2770"/>
-                    <a:pt x="2488" y="2488"/>
-                  </a:cubicBezTo>
-                  <a:lnTo>
-                    <a:pt x="2667" y="2231"/>
-                  </a:lnTo>
-                  <a:cubicBezTo>
-                    <a:pt x="2898" y="1924"/>
-                    <a:pt x="3308" y="1872"/>
-                    <a:pt x="3590" y="2078"/>
-                  </a:cubicBezTo>
-                  <a:lnTo>
-                    <a:pt x="5821" y="3770"/>
-                  </a:lnTo>
-                </a:path>
-              </a:pathLst>
-            </a:custGeom>
-            <a:noFill/>
-            <a:ln w="28575" cap="rnd" cmpd="sng">
-              <a:solidFill>
-                <a:schemeClr val="dk1"/>
-              </a:solidFill>
-              <a:prstDash val="solid"/>
-              <a:miter lim="25642"/>
-              <a:headEnd type="none" w="sm" len="sm"/>
-              <a:tailEnd type="none" w="sm" len="sm"/>
-            </a:ln>
-          </p:spPr>
-          <p:txBody>
-            <a:bodyPr spcFirstLastPara="1" wrap="square" lIns="91425" tIns="91425" rIns="91425" bIns="91425" anchor="ctr" anchorCtr="0">
-              <a:noAutofit/>
-            </a:bodyPr>
-            <a:lstStyle/>
-            <a:p>
-              <a:pPr marL="0" lvl="0" indent="0" algn="l" rtl="0">
-                <a:spcBef>
-                  <a:spcPts val="0"/>
-                </a:spcBef>
-                <a:spcAft>
-                  <a:spcPts val="0"/>
-                </a:spcAft>
-                <a:buNone/>
-              </a:pPr>
-              <a:endParaRPr/>
-            </a:p>
-          </p:txBody>
-        </p:sp>
-        <p:sp>
-          <p:nvSpPr>
-            <p:cNvPr id="372" name="Google Shape;372;p36"/>
-            <p:cNvSpPr/>
-            <p:nvPr/>
-          </p:nvSpPr>
-          <p:spPr>
-            <a:xfrm rot="4438647">
-              <a:off x="344493" y="2829254"/>
-              <a:ext cx="945918" cy="844855"/>
-            </a:xfrm>
-            <a:custGeom>
-              <a:avLst/>
-              <a:gdLst/>
-              <a:ahLst/>
-              <a:cxnLst/>
-              <a:rect l="l" t="t" r="r" b="b"/>
-              <a:pathLst>
-                <a:path w="8873" h="7925" fill="none" extrusionOk="0">
-                  <a:moveTo>
-                    <a:pt x="6411" y="7924"/>
-                  </a:moveTo>
-                  <a:lnTo>
-                    <a:pt x="1026" y="3873"/>
-                  </a:lnTo>
-                  <a:cubicBezTo>
-                    <a:pt x="180" y="3232"/>
-                    <a:pt x="0" y="2052"/>
-                    <a:pt x="641" y="1206"/>
-                  </a:cubicBezTo>
-                  <a:lnTo>
-                    <a:pt x="795" y="1001"/>
-                  </a:lnTo>
-                  <a:cubicBezTo>
-                    <a:pt x="1436" y="154"/>
-                    <a:pt x="2616" y="1"/>
-                    <a:pt x="3462" y="616"/>
-                  </a:cubicBezTo>
-                  <a:lnTo>
-                    <a:pt x="8872" y="4668"/>
-                  </a:lnTo>
-                  <a:lnTo>
-                    <a:pt x="8462" y="5206"/>
-                  </a:lnTo>
-                  <a:cubicBezTo>
-                    <a:pt x="7770" y="6129"/>
-                    <a:pt x="6462" y="6309"/>
-                    <a:pt x="5565" y="5616"/>
-                  </a:cubicBezTo>
-                  <a:lnTo>
-                    <a:pt x="2616" y="3411"/>
-                  </a:lnTo>
-                  <a:cubicBezTo>
-                    <a:pt x="2308" y="3180"/>
-                    <a:pt x="2257" y="2770"/>
-                    <a:pt x="2488" y="2488"/>
-                  </a:cubicBezTo>
-                  <a:lnTo>
-                    <a:pt x="2667" y="2231"/>
-                  </a:lnTo>
-                  <a:cubicBezTo>
-                    <a:pt x="2898" y="1924"/>
-                    <a:pt x="3308" y="1872"/>
-                    <a:pt x="3590" y="2078"/>
-                  </a:cubicBezTo>
-                  <a:lnTo>
-                    <a:pt x="5821" y="3770"/>
-                  </a:lnTo>
-                </a:path>
-              </a:pathLst>
-            </a:custGeom>
-            <a:noFill/>
-            <a:ln w="28575" cap="rnd" cmpd="sng">
-              <a:solidFill>
-                <a:schemeClr val="dk1"/>
-              </a:solidFill>
-              <a:prstDash val="solid"/>
-              <a:miter lim="25642"/>
-              <a:headEnd type="none" w="sm" len="sm"/>
-              <a:tailEnd type="none" w="sm" len="sm"/>
-            </a:ln>
-          </p:spPr>
-          <p:txBody>
-            <a:bodyPr spcFirstLastPara="1" wrap="square" lIns="91425" tIns="91425" rIns="91425" bIns="91425" anchor="ctr" anchorCtr="0">
-              <a:noAutofit/>
-            </a:bodyPr>
-            <a:lstStyle/>
-            <a:p>
-              <a:pPr marL="0" lvl="0" indent="0" algn="l" rtl="0">
-                <a:spcBef>
-                  <a:spcPts val="0"/>
-                </a:spcBef>
-                <a:spcAft>
-                  <a:spcPts val="0"/>
-                </a:spcAft>
-                <a:buNone/>
-              </a:pPr>
-              <a:endParaRPr/>
-            </a:p>
-          </p:txBody>
-        </p:sp>
-      </p:grpSp>
-      <p:pic>
-        <p:nvPicPr>
-          <p:cNvPr id="5124" name="Picture 4" descr="Job Search Icon 744768">
-            <a:extLst>
-              <a:ext uri="{FF2B5EF4-FFF2-40B4-BE49-F238E27FC236}">
-                <a16:creationId xmlns:a16="http://schemas.microsoft.com/office/drawing/2014/main" id="{8753E2B3-7B81-3646-9973-27233E243E3F}"/>
-              </a:ext>
-            </a:extLst>
-          </p:cNvPr>
-          <p:cNvPicPr>
-            <a:picLocks noChangeAspect="1" noChangeArrowheads="1"/>
-          </p:cNvPicPr>
-          <p:nvPr/>
-        </p:nvPicPr>
-        <p:blipFill>
-          <a:blip r:embed="rId3">
-            <a:extLst>
-              <a:ext uri="{28A0092B-C50C-407E-A947-70E740481C1C}">
-                <a14:useLocalDpi xmlns:a14="http://schemas.microsoft.com/office/drawing/2010/main" val="0"/>
-              </a:ext>
-            </a:extLst>
-          </a:blip>
-          <a:srcRect/>
-          <a:stretch>
-            <a:fillRect/>
-          </a:stretch>
-        </p:blipFill>
-        <p:spPr bwMode="auto">
-          <a:xfrm>
-            <a:off x="6357549" y="485555"/>
-            <a:ext cx="680589" cy="680589"/>
-          </a:xfrm>
-          <a:prstGeom prst="rect">
-            <a:avLst/>
-          </a:prstGeom>
-          <a:noFill/>
-          <a:extLst>
-            <a:ext uri="{909E8E84-426E-40DD-AFC4-6F175D3DCCD1}">
-              <a14:hiddenFill xmlns:a14="http://schemas.microsoft.com/office/drawing/2010/main">
-                <a:solidFill>
-                  <a:srgbClr val="FFFFFF"/>
-                </a:solidFill>
-              </a14:hiddenFill>
-            </a:ext>
-          </a:extLst>
-        </p:spPr>
-      </p:pic>
-      <p:pic>
-        <p:nvPicPr>
-          <p:cNvPr id="2" name="Picture 1">
-            <a:extLst>
-              <a:ext uri="{FF2B5EF4-FFF2-40B4-BE49-F238E27FC236}">
-                <a16:creationId xmlns:a16="http://schemas.microsoft.com/office/drawing/2014/main" id="{13821C4C-423F-5A47-8112-E45BE653B7A7}"/>
-              </a:ext>
-            </a:extLst>
-          </p:cNvPr>
-          <p:cNvPicPr>
-            <a:picLocks noChangeAspect="1"/>
-          </p:cNvPicPr>
-          <p:nvPr/>
-        </p:nvPicPr>
-        <p:blipFill>
-          <a:blip r:embed="rId4"/>
-          <a:stretch>
-            <a:fillRect/>
-          </a:stretch>
-        </p:blipFill>
-        <p:spPr>
-          <a:xfrm>
-            <a:off x="1056376" y="1737360"/>
-            <a:ext cx="4356100" cy="2197100"/>
-          </a:xfrm>
-          <a:prstGeom prst="rect">
-            <a:avLst/>
-          </a:prstGeom>
-        </p:spPr>
-      </p:pic>
     </p:spTree>
     <p:extLst>
       <p:ext uri="{BB962C8B-B14F-4D97-AF65-F5344CB8AC3E}">
-        <p14:creationId xmlns:p14="http://schemas.microsoft.com/office/powerpoint/2010/main" val="654462180"/>
+        <p14:creationId xmlns:p14="http://schemas.microsoft.com/office/powerpoint/2010/main" val="3493549010"/>
       </p:ext>
     </p:extLst>
   </p:cSld>
@@ -19126,7 +19793,17 @@
               <a:buChar char="•"/>
             </a:pPr>
             <a:r>
-              <a:rPr lang="en-US" sz="1200" dirty="0"/>
+              <a:rPr lang="en-US" sz="1400" dirty="0"/>
+              <a:t>Computer Vision</a:t>
+            </a:r>
+          </a:p>
+          <a:p>
+            <a:pPr marL="285750" indent="-285750" algn="l">
+              <a:buFont typeface="Arial" panose="020B0604020202020204" pitchFamily="34" charset="0"/>
+              <a:buChar char="•"/>
+            </a:pPr>
+            <a:r>
+              <a:rPr lang="en-US" sz="1400" dirty="0"/>
               <a:t>Neural Network</a:t>
             </a:r>
           </a:p>
@@ -19136,7 +19813,7 @@
               <a:buChar char="•"/>
             </a:pPr>
             <a:r>
-              <a:rPr lang="en-US" sz="1200" dirty="0"/>
+              <a:rPr lang="en-US" sz="1400" dirty="0"/>
               <a:t>Python language for Data Science</a:t>
             </a:r>
           </a:p>
@@ -19146,7 +19823,7 @@
               <a:buChar char="•"/>
             </a:pPr>
             <a:r>
-              <a:rPr lang="en-US" sz="1200" dirty="0"/>
+              <a:rPr lang="en-US" sz="1400" dirty="0"/>
               <a:t>Data Science algorithms</a:t>
             </a:r>
           </a:p>
@@ -19156,17 +19833,7 @@
               <a:buChar char="•"/>
             </a:pPr>
             <a:r>
-              <a:rPr lang="en-US" sz="1200" dirty="0"/>
-              <a:t>Computer Vision</a:t>
-            </a:r>
-          </a:p>
-          <a:p>
-            <a:pPr marL="285750" indent="-285750" algn="l">
-              <a:buFont typeface="Arial" panose="020B0604020202020204" pitchFamily="34" charset="0"/>
-              <a:buChar char="•"/>
-            </a:pPr>
-            <a:r>
-              <a:rPr lang="en-US" sz="1200" dirty="0"/>
+              <a:rPr lang="en-US" sz="1400" dirty="0"/>
               <a:t>Data Science career</a:t>
             </a:r>
           </a:p>
@@ -19176,19 +19843,49 @@
               <a:buChar char="•"/>
             </a:pPr>
             <a:r>
-              <a:rPr lang="en-US" sz="1200" dirty="0"/>
+              <a:rPr lang="en-US" sz="1400" dirty="0"/>
               <a:t>More informative topics</a:t>
             </a:r>
-            <a:endParaRPr sz="1200" dirty="0"/>
+            <a:endParaRPr sz="1400" dirty="0"/>
           </a:p>
         </p:txBody>
       </p:sp>
       <p:pic>
         <p:nvPicPr>
-          <p:cNvPr id="1028" name="Picture 4" descr="Applause Icon 2002369">
+          <p:cNvPr id="3" name="Picture 2">
             <a:extLst>
               <a:ext uri="{FF2B5EF4-FFF2-40B4-BE49-F238E27FC236}">
-                <a16:creationId xmlns:a16="http://schemas.microsoft.com/office/drawing/2014/main" id="{D6B417C8-C4D4-694D-9A9E-69388CC4C839}"/>
+                <a16:creationId xmlns:a16="http://schemas.microsoft.com/office/drawing/2014/main" id="{DDDC8B85-AD0B-9E44-97E4-19C7BD4F8943}"/>
+              </a:ext>
+            </a:extLst>
+          </p:cNvPr>
+          <p:cNvPicPr>
+            <a:picLocks noChangeAspect="1"/>
+          </p:cNvPicPr>
+          <p:nvPr/>
+        </p:nvPicPr>
+        <p:blipFill>
+          <a:blip r:embed="rId3"/>
+          <a:stretch>
+            <a:fillRect/>
+          </a:stretch>
+        </p:blipFill>
+        <p:spPr>
+          <a:xfrm>
+            <a:off x="1143335" y="1199181"/>
+            <a:ext cx="4824399" cy="2598470"/>
+          </a:xfrm>
+          <a:prstGeom prst="rect">
+            <a:avLst/>
+          </a:prstGeom>
+        </p:spPr>
+      </p:pic>
+      <p:pic>
+        <p:nvPicPr>
+          <p:cNvPr id="8194" name="Picture 2" descr="clapping Icon 68042">
+            <a:extLst>
+              <a:ext uri="{FF2B5EF4-FFF2-40B4-BE49-F238E27FC236}">
+                <a16:creationId xmlns:a16="http://schemas.microsoft.com/office/drawing/2014/main" id="{2937BF77-9C63-3146-9460-0E8DBA0FA61C}"/>
               </a:ext>
             </a:extLst>
           </p:cNvPr>
@@ -19198,7 +19895,7 @@
           <p:nvPr/>
         </p:nvPicPr>
         <p:blipFill>
-          <a:blip r:embed="rId3">
+          <a:blip r:embed="rId4">
             <a:extLst>
               <a:ext uri="{28A0092B-C50C-407E-A947-70E740481C1C}">
                 <a14:useLocalDpi xmlns:a14="http://schemas.microsoft.com/office/drawing/2010/main" val="0"/>
@@ -19212,8 +19909,8 @@
         </p:blipFill>
         <p:spPr bwMode="auto">
           <a:xfrm>
-            <a:off x="5445760" y="377540"/>
-            <a:ext cx="836017" cy="836017"/>
+            <a:off x="7960925" y="356050"/>
+            <a:ext cx="939600" cy="939600"/>
           </a:xfrm>
           <a:prstGeom prst="rect">
             <a:avLst/>
@@ -19230,36 +19927,316 @@
           </a:extLst>
         </p:spPr>
       </p:pic>
-      <p:pic>
-        <p:nvPicPr>
-          <p:cNvPr id="2" name="Picture 1">
+      <p:sp>
+        <p:nvSpPr>
+          <p:cNvPr id="12" name="Google Shape;363;p36">
             <a:extLst>
               <a:ext uri="{FF2B5EF4-FFF2-40B4-BE49-F238E27FC236}">
-                <a16:creationId xmlns:a16="http://schemas.microsoft.com/office/drawing/2014/main" id="{BC805702-AC32-BD45-8A63-0965EDA7AEB0}"/>
+                <a16:creationId xmlns:a16="http://schemas.microsoft.com/office/drawing/2014/main" id="{4A347084-3324-4D48-ABDE-11B81E135007}"/>
               </a:ext>
             </a:extLst>
           </p:cNvPr>
-          <p:cNvPicPr>
-            <a:picLocks noChangeAspect="1"/>
-          </p:cNvPicPr>
+          <p:cNvSpPr txBox="1">
+            <a:spLocks/>
+          </p:cNvSpPr>
           <p:nvPr/>
-        </p:nvPicPr>
-        <p:blipFill>
-          <a:blip r:embed="rId4"/>
-          <a:stretch>
-            <a:fillRect/>
-          </a:stretch>
-        </p:blipFill>
+        </p:nvSpPr>
         <p:spPr>
           <a:xfrm>
-            <a:off x="2321344" y="1793228"/>
-            <a:ext cx="3238500" cy="1739900"/>
+            <a:off x="1132814" y="3862545"/>
+            <a:ext cx="6632761" cy="1173479"/>
           </a:xfrm>
           <a:prstGeom prst="rect">
             <a:avLst/>
           </a:prstGeom>
+          <a:noFill/>
+          <a:ln>
+            <a:noFill/>
+          </a:ln>
         </p:spPr>
-      </p:pic>
+        <p:txBody>
+          <a:bodyPr spcFirstLastPara="1" wrap="square" lIns="91425" tIns="91425" rIns="91425" bIns="91425" anchor="t" anchorCtr="0">
+            <a:noAutofit/>
+          </a:bodyPr>
+          <a:lstStyle>
+            <a:defPPr marR="0" lvl="0" algn="l" rtl="0">
+              <a:lnSpc>
+                <a:spcPct val="100000"/>
+              </a:lnSpc>
+              <a:spcBef>
+                <a:spcPts val="0"/>
+              </a:spcBef>
+              <a:spcAft>
+                <a:spcPts val="0"/>
+              </a:spcAft>
+            </a:defPPr>
+            <a:lvl1pPr marL="457200" marR="0" lvl="0" indent="-330200" algn="ctr" rtl="0">
+              <a:lnSpc>
+                <a:spcPct val="100000"/>
+              </a:lnSpc>
+              <a:spcBef>
+                <a:spcPts val="0"/>
+              </a:spcBef>
+              <a:spcAft>
+                <a:spcPts val="0"/>
+              </a:spcAft>
+              <a:buClr>
+                <a:schemeClr val="lt1"/>
+              </a:buClr>
+              <a:buSzPts val="1600"/>
+              <a:buFont typeface="Lato"/>
+              <a:buNone/>
+              <a:defRPr sz="1600" b="0" i="0" u="none" strike="noStrike" cap="none">
+                <a:solidFill>
+                  <a:schemeClr val="lt1"/>
+                </a:solidFill>
+                <a:latin typeface="Lato"/>
+                <a:ea typeface="Lato"/>
+                <a:cs typeface="Lato"/>
+                <a:sym typeface="Lato"/>
+              </a:defRPr>
+            </a:lvl1pPr>
+            <a:lvl2pPr marL="914400" marR="0" lvl="1" indent="-330200" algn="l" rtl="0">
+              <a:lnSpc>
+                <a:spcPct val="100000"/>
+              </a:lnSpc>
+              <a:spcBef>
+                <a:spcPts val="0"/>
+              </a:spcBef>
+              <a:spcAft>
+                <a:spcPts val="0"/>
+              </a:spcAft>
+              <a:buClr>
+                <a:schemeClr val="lt1"/>
+              </a:buClr>
+              <a:buSzPts val="1600"/>
+              <a:buFont typeface="Lato"/>
+              <a:buNone/>
+              <a:defRPr sz="1600" b="0" i="0" u="none" strike="noStrike" cap="none">
+                <a:solidFill>
+                  <a:schemeClr val="lt1"/>
+                </a:solidFill>
+                <a:latin typeface="Lato"/>
+                <a:ea typeface="Lato"/>
+                <a:cs typeface="Lato"/>
+                <a:sym typeface="Lato"/>
+              </a:defRPr>
+            </a:lvl2pPr>
+            <a:lvl3pPr marL="1371600" marR="0" lvl="2" indent="-330200" algn="l" rtl="0">
+              <a:lnSpc>
+                <a:spcPct val="100000"/>
+              </a:lnSpc>
+              <a:spcBef>
+                <a:spcPts val="0"/>
+              </a:spcBef>
+              <a:spcAft>
+                <a:spcPts val="0"/>
+              </a:spcAft>
+              <a:buClr>
+                <a:schemeClr val="lt1"/>
+              </a:buClr>
+              <a:buSzPts val="1600"/>
+              <a:buFont typeface="Lato"/>
+              <a:buNone/>
+              <a:defRPr sz="1600" b="0" i="0" u="none" strike="noStrike" cap="none">
+                <a:solidFill>
+                  <a:schemeClr val="lt1"/>
+                </a:solidFill>
+                <a:latin typeface="Lato"/>
+                <a:ea typeface="Lato"/>
+                <a:cs typeface="Lato"/>
+                <a:sym typeface="Lato"/>
+              </a:defRPr>
+            </a:lvl3pPr>
+            <a:lvl4pPr marL="1828800" marR="0" lvl="3" indent="-330200" algn="l" rtl="0">
+              <a:lnSpc>
+                <a:spcPct val="100000"/>
+              </a:lnSpc>
+              <a:spcBef>
+                <a:spcPts val="0"/>
+              </a:spcBef>
+              <a:spcAft>
+                <a:spcPts val="0"/>
+              </a:spcAft>
+              <a:buClr>
+                <a:schemeClr val="lt1"/>
+              </a:buClr>
+              <a:buSzPts val="1600"/>
+              <a:buFont typeface="Lato"/>
+              <a:buNone/>
+              <a:defRPr sz="1600" b="0" i="0" u="none" strike="noStrike" cap="none">
+                <a:solidFill>
+                  <a:schemeClr val="lt1"/>
+                </a:solidFill>
+                <a:latin typeface="Lato"/>
+                <a:ea typeface="Lato"/>
+                <a:cs typeface="Lato"/>
+                <a:sym typeface="Lato"/>
+              </a:defRPr>
+            </a:lvl4pPr>
+            <a:lvl5pPr marL="2286000" marR="0" lvl="4" indent="-330200" algn="l" rtl="0">
+              <a:lnSpc>
+                <a:spcPct val="100000"/>
+              </a:lnSpc>
+              <a:spcBef>
+                <a:spcPts val="0"/>
+              </a:spcBef>
+              <a:spcAft>
+                <a:spcPts val="0"/>
+              </a:spcAft>
+              <a:buClr>
+                <a:schemeClr val="lt1"/>
+              </a:buClr>
+              <a:buSzPts val="1600"/>
+              <a:buFont typeface="Lato"/>
+              <a:buNone/>
+              <a:defRPr sz="1600" b="0" i="0" u="none" strike="noStrike" cap="none">
+                <a:solidFill>
+                  <a:schemeClr val="lt1"/>
+                </a:solidFill>
+                <a:latin typeface="Lato"/>
+                <a:ea typeface="Lato"/>
+                <a:cs typeface="Lato"/>
+                <a:sym typeface="Lato"/>
+              </a:defRPr>
+            </a:lvl5pPr>
+            <a:lvl6pPr marL="2743200" marR="0" lvl="5" indent="-330200" algn="l" rtl="0">
+              <a:lnSpc>
+                <a:spcPct val="100000"/>
+              </a:lnSpc>
+              <a:spcBef>
+                <a:spcPts val="0"/>
+              </a:spcBef>
+              <a:spcAft>
+                <a:spcPts val="0"/>
+              </a:spcAft>
+              <a:buClr>
+                <a:schemeClr val="lt1"/>
+              </a:buClr>
+              <a:buSzPts val="1600"/>
+              <a:buFont typeface="Lato"/>
+              <a:buNone/>
+              <a:defRPr sz="1600" b="0" i="0" u="none" strike="noStrike" cap="none">
+                <a:solidFill>
+                  <a:schemeClr val="lt1"/>
+                </a:solidFill>
+                <a:latin typeface="Lato"/>
+                <a:ea typeface="Lato"/>
+                <a:cs typeface="Lato"/>
+                <a:sym typeface="Lato"/>
+              </a:defRPr>
+            </a:lvl6pPr>
+            <a:lvl7pPr marL="3200400" marR="0" lvl="6" indent="-330200" algn="l" rtl="0">
+              <a:lnSpc>
+                <a:spcPct val="100000"/>
+              </a:lnSpc>
+              <a:spcBef>
+                <a:spcPts val="0"/>
+              </a:spcBef>
+              <a:spcAft>
+                <a:spcPts val="0"/>
+              </a:spcAft>
+              <a:buClr>
+                <a:schemeClr val="lt1"/>
+              </a:buClr>
+              <a:buSzPts val="1600"/>
+              <a:buFont typeface="Lato"/>
+              <a:buNone/>
+              <a:defRPr sz="1600" b="0" i="0" u="none" strike="noStrike" cap="none">
+                <a:solidFill>
+                  <a:schemeClr val="lt1"/>
+                </a:solidFill>
+                <a:latin typeface="Lato"/>
+                <a:ea typeface="Lato"/>
+                <a:cs typeface="Lato"/>
+                <a:sym typeface="Lato"/>
+              </a:defRPr>
+            </a:lvl7pPr>
+            <a:lvl8pPr marL="3657600" marR="0" lvl="7" indent="-330200" algn="l" rtl="0">
+              <a:lnSpc>
+                <a:spcPct val="100000"/>
+              </a:lnSpc>
+              <a:spcBef>
+                <a:spcPts val="0"/>
+              </a:spcBef>
+              <a:spcAft>
+                <a:spcPts val="0"/>
+              </a:spcAft>
+              <a:buClr>
+                <a:schemeClr val="lt1"/>
+              </a:buClr>
+              <a:buSzPts val="1600"/>
+              <a:buFont typeface="Lato"/>
+              <a:buNone/>
+              <a:defRPr sz="1600" b="0" i="0" u="none" strike="noStrike" cap="none">
+                <a:solidFill>
+                  <a:schemeClr val="lt1"/>
+                </a:solidFill>
+                <a:latin typeface="Lato"/>
+                <a:ea typeface="Lato"/>
+                <a:cs typeface="Lato"/>
+                <a:sym typeface="Lato"/>
+              </a:defRPr>
+            </a:lvl8pPr>
+            <a:lvl9pPr marL="4114800" marR="0" lvl="8" indent="-330200" algn="l" rtl="0">
+              <a:lnSpc>
+                <a:spcPct val="100000"/>
+              </a:lnSpc>
+              <a:spcBef>
+                <a:spcPts val="0"/>
+              </a:spcBef>
+              <a:spcAft>
+                <a:spcPts val="0"/>
+              </a:spcAft>
+              <a:buClr>
+                <a:schemeClr val="lt1"/>
+              </a:buClr>
+              <a:buSzPts val="1600"/>
+              <a:buFont typeface="Lato"/>
+              <a:buNone/>
+              <a:defRPr sz="1600" b="0" i="0" u="none" strike="noStrike" cap="none">
+                <a:solidFill>
+                  <a:schemeClr val="lt1"/>
+                </a:solidFill>
+                <a:latin typeface="Lato"/>
+                <a:ea typeface="Lato"/>
+                <a:cs typeface="Lato"/>
+                <a:sym typeface="Lato"/>
+              </a:defRPr>
+            </a:lvl9pPr>
+          </a:lstStyle>
+          <a:p>
+            <a:pPr marL="285750" indent="-285750" algn="l">
+              <a:buFont typeface="Arial" panose="020B0604020202020204" pitchFamily="34" charset="0"/>
+              <a:buChar char="•"/>
+            </a:pPr>
+            <a:r>
+              <a:rPr lang="en-US" sz="1400" dirty="0"/>
+              <a:t>Popular branch of ML: computer vision, neural network</a:t>
+            </a:r>
+          </a:p>
+          <a:p>
+            <a:pPr marL="285750" indent="-285750" algn="l">
+              <a:buFont typeface="Arial" panose="020B0604020202020204" pitchFamily="34" charset="0"/>
+              <a:buChar char="•"/>
+            </a:pPr>
+            <a:r>
+              <a:rPr lang="en-US" sz="1400" dirty="0"/>
+              <a:t>Coding in Python language</a:t>
+            </a:r>
+          </a:p>
+          <a:p>
+            <a:pPr marL="285750" indent="-285750" algn="l">
+              <a:buFont typeface="Arial" panose="020B0604020202020204" pitchFamily="34" charset="0"/>
+              <a:buChar char="•"/>
+            </a:pPr>
+            <a:r>
+              <a:rPr lang="en-US" sz="1400" dirty="0"/>
+              <a:t>Different algorithms in DS and career entry and growth</a:t>
+            </a:r>
+          </a:p>
+        </p:txBody>
+      </p:sp>
     </p:spTree>
     <p:extLst>
       <p:ext uri="{BB962C8B-B14F-4D97-AF65-F5344CB8AC3E}">
@@ -19625,7 +20602,7 @@
               <a:buChar char="•"/>
             </a:pPr>
             <a:r>
-              <a:rPr lang="en-US" sz="1200" dirty="0"/>
+              <a:rPr lang="en-US" sz="1400" dirty="0"/>
               <a:t>Neural Network</a:t>
             </a:r>
           </a:p>
@@ -19635,7 +20612,7 @@
               <a:buChar char="•"/>
             </a:pPr>
             <a:r>
-              <a:rPr lang="en-US" sz="1200" dirty="0"/>
+              <a:rPr lang="en-US" sz="1400" dirty="0"/>
               <a:t>Python</a:t>
             </a:r>
           </a:p>
@@ -19645,7 +20622,7 @@
               <a:buChar char="•"/>
             </a:pPr>
             <a:r>
-              <a:rPr lang="en-US" sz="1200" dirty="0"/>
+              <a:rPr lang="en-US" sz="1400" dirty="0"/>
               <a:t>Data Science career</a:t>
             </a:r>
           </a:p>
@@ -19655,7 +20632,7 @@
               <a:buChar char="•"/>
             </a:pPr>
             <a:r>
-              <a:rPr lang="en-US" sz="1200" dirty="0"/>
+              <a:rPr lang="en-US" sz="1400" dirty="0"/>
               <a:t>Computer Vision</a:t>
             </a:r>
           </a:p>
@@ -19665,7 +20642,7 @@
               <a:buChar char="•"/>
             </a:pPr>
             <a:r>
-              <a:rPr lang="en-US" sz="1200" dirty="0"/>
+              <a:rPr lang="en-US" sz="1400" dirty="0"/>
               <a:t>Controversial headlines</a:t>
             </a:r>
           </a:p>
@@ -19700,8 +20677,8 @@
         </p:blipFill>
         <p:spPr bwMode="auto">
           <a:xfrm>
-            <a:off x="6138038" y="356862"/>
-            <a:ext cx="937975" cy="937975"/>
+            <a:off x="7762123" y="356861"/>
+            <a:ext cx="939600" cy="939600"/>
           </a:xfrm>
           <a:prstGeom prst="rect">
             <a:avLst/>
@@ -19720,10 +20697,10 @@
       </p:pic>
       <p:pic>
         <p:nvPicPr>
-          <p:cNvPr id="3" name="Picture 2">
+          <p:cNvPr id="2" name="Picture 1">
             <a:extLst>
               <a:ext uri="{FF2B5EF4-FFF2-40B4-BE49-F238E27FC236}">
-                <a16:creationId xmlns:a16="http://schemas.microsoft.com/office/drawing/2014/main" id="{65DB76B7-DC39-AB47-946E-8CCD51C76E20}"/>
+                <a16:creationId xmlns:a16="http://schemas.microsoft.com/office/drawing/2014/main" id="{B9EC6B91-4540-B742-8CF6-98BDCC3F1255}"/>
               </a:ext>
             </a:extLst>
           </p:cNvPr>
@@ -19740,14 +20717,314 @@
         </p:blipFill>
         <p:spPr>
           <a:xfrm>
-            <a:off x="2555024" y="1786040"/>
-            <a:ext cx="3429000" cy="1765300"/>
+            <a:off x="856956" y="1366461"/>
+            <a:ext cx="5218557" cy="2633848"/>
           </a:xfrm>
           <a:prstGeom prst="rect">
             <a:avLst/>
           </a:prstGeom>
         </p:spPr>
       </p:pic>
+      <p:sp>
+        <p:nvSpPr>
+          <p:cNvPr id="11" name="Google Shape;363;p36">
+            <a:extLst>
+              <a:ext uri="{FF2B5EF4-FFF2-40B4-BE49-F238E27FC236}">
+                <a16:creationId xmlns:a16="http://schemas.microsoft.com/office/drawing/2014/main" id="{87183553-8380-3746-96BA-4986667A17A9}"/>
+              </a:ext>
+            </a:extLst>
+          </p:cNvPr>
+          <p:cNvSpPr txBox="1">
+            <a:spLocks/>
+          </p:cNvSpPr>
+          <p:nvPr/>
+        </p:nvSpPr>
+        <p:spPr>
+          <a:xfrm>
+            <a:off x="832562" y="3971729"/>
+            <a:ext cx="6632761" cy="1173479"/>
+          </a:xfrm>
+          <a:prstGeom prst="rect">
+            <a:avLst/>
+          </a:prstGeom>
+          <a:noFill/>
+          <a:ln>
+            <a:noFill/>
+          </a:ln>
+        </p:spPr>
+        <p:txBody>
+          <a:bodyPr spcFirstLastPara="1" wrap="square" lIns="91425" tIns="91425" rIns="91425" bIns="91425" anchor="t" anchorCtr="0">
+            <a:noAutofit/>
+          </a:bodyPr>
+          <a:lstStyle>
+            <a:defPPr marR="0" lvl="0" algn="l" rtl="0">
+              <a:lnSpc>
+                <a:spcPct val="100000"/>
+              </a:lnSpc>
+              <a:spcBef>
+                <a:spcPts val="0"/>
+              </a:spcBef>
+              <a:spcAft>
+                <a:spcPts val="0"/>
+              </a:spcAft>
+            </a:defPPr>
+            <a:lvl1pPr marL="457200" marR="0" lvl="0" indent="-330200" algn="ctr" rtl="0">
+              <a:lnSpc>
+                <a:spcPct val="100000"/>
+              </a:lnSpc>
+              <a:spcBef>
+                <a:spcPts val="0"/>
+              </a:spcBef>
+              <a:spcAft>
+                <a:spcPts val="0"/>
+              </a:spcAft>
+              <a:buClr>
+                <a:schemeClr val="lt1"/>
+              </a:buClr>
+              <a:buSzPts val="1600"/>
+              <a:buFont typeface="Lato"/>
+              <a:buNone/>
+              <a:defRPr sz="1600" b="0" i="0" u="none" strike="noStrike" cap="none">
+                <a:solidFill>
+                  <a:schemeClr val="lt1"/>
+                </a:solidFill>
+                <a:latin typeface="Lato"/>
+                <a:ea typeface="Lato"/>
+                <a:cs typeface="Lato"/>
+                <a:sym typeface="Lato"/>
+              </a:defRPr>
+            </a:lvl1pPr>
+            <a:lvl2pPr marL="914400" marR="0" lvl="1" indent="-330200" algn="l" rtl="0">
+              <a:lnSpc>
+                <a:spcPct val="100000"/>
+              </a:lnSpc>
+              <a:spcBef>
+                <a:spcPts val="0"/>
+              </a:spcBef>
+              <a:spcAft>
+                <a:spcPts val="0"/>
+              </a:spcAft>
+              <a:buClr>
+                <a:schemeClr val="lt1"/>
+              </a:buClr>
+              <a:buSzPts val="1600"/>
+              <a:buFont typeface="Lato"/>
+              <a:buNone/>
+              <a:defRPr sz="1600" b="0" i="0" u="none" strike="noStrike" cap="none">
+                <a:solidFill>
+                  <a:schemeClr val="lt1"/>
+                </a:solidFill>
+                <a:latin typeface="Lato"/>
+                <a:ea typeface="Lato"/>
+                <a:cs typeface="Lato"/>
+                <a:sym typeface="Lato"/>
+              </a:defRPr>
+            </a:lvl2pPr>
+            <a:lvl3pPr marL="1371600" marR="0" lvl="2" indent="-330200" algn="l" rtl="0">
+              <a:lnSpc>
+                <a:spcPct val="100000"/>
+              </a:lnSpc>
+              <a:spcBef>
+                <a:spcPts val="0"/>
+              </a:spcBef>
+              <a:spcAft>
+                <a:spcPts val="0"/>
+              </a:spcAft>
+              <a:buClr>
+                <a:schemeClr val="lt1"/>
+              </a:buClr>
+              <a:buSzPts val="1600"/>
+              <a:buFont typeface="Lato"/>
+              <a:buNone/>
+              <a:defRPr sz="1600" b="0" i="0" u="none" strike="noStrike" cap="none">
+                <a:solidFill>
+                  <a:schemeClr val="lt1"/>
+                </a:solidFill>
+                <a:latin typeface="Lato"/>
+                <a:ea typeface="Lato"/>
+                <a:cs typeface="Lato"/>
+                <a:sym typeface="Lato"/>
+              </a:defRPr>
+            </a:lvl3pPr>
+            <a:lvl4pPr marL="1828800" marR="0" lvl="3" indent="-330200" algn="l" rtl="0">
+              <a:lnSpc>
+                <a:spcPct val="100000"/>
+              </a:lnSpc>
+              <a:spcBef>
+                <a:spcPts val="0"/>
+              </a:spcBef>
+              <a:spcAft>
+                <a:spcPts val="0"/>
+              </a:spcAft>
+              <a:buClr>
+                <a:schemeClr val="lt1"/>
+              </a:buClr>
+              <a:buSzPts val="1600"/>
+              <a:buFont typeface="Lato"/>
+              <a:buNone/>
+              <a:defRPr sz="1600" b="0" i="0" u="none" strike="noStrike" cap="none">
+                <a:solidFill>
+                  <a:schemeClr val="lt1"/>
+                </a:solidFill>
+                <a:latin typeface="Lato"/>
+                <a:ea typeface="Lato"/>
+                <a:cs typeface="Lato"/>
+                <a:sym typeface="Lato"/>
+              </a:defRPr>
+            </a:lvl4pPr>
+            <a:lvl5pPr marL="2286000" marR="0" lvl="4" indent="-330200" algn="l" rtl="0">
+              <a:lnSpc>
+                <a:spcPct val="100000"/>
+              </a:lnSpc>
+              <a:spcBef>
+                <a:spcPts val="0"/>
+              </a:spcBef>
+              <a:spcAft>
+                <a:spcPts val="0"/>
+              </a:spcAft>
+              <a:buClr>
+                <a:schemeClr val="lt1"/>
+              </a:buClr>
+              <a:buSzPts val="1600"/>
+              <a:buFont typeface="Lato"/>
+              <a:buNone/>
+              <a:defRPr sz="1600" b="0" i="0" u="none" strike="noStrike" cap="none">
+                <a:solidFill>
+                  <a:schemeClr val="lt1"/>
+                </a:solidFill>
+                <a:latin typeface="Lato"/>
+                <a:ea typeface="Lato"/>
+                <a:cs typeface="Lato"/>
+                <a:sym typeface="Lato"/>
+              </a:defRPr>
+            </a:lvl5pPr>
+            <a:lvl6pPr marL="2743200" marR="0" lvl="5" indent="-330200" algn="l" rtl="0">
+              <a:lnSpc>
+                <a:spcPct val="100000"/>
+              </a:lnSpc>
+              <a:spcBef>
+                <a:spcPts val="0"/>
+              </a:spcBef>
+              <a:spcAft>
+                <a:spcPts val="0"/>
+              </a:spcAft>
+              <a:buClr>
+                <a:schemeClr val="lt1"/>
+              </a:buClr>
+              <a:buSzPts val="1600"/>
+              <a:buFont typeface="Lato"/>
+              <a:buNone/>
+              <a:defRPr sz="1600" b="0" i="0" u="none" strike="noStrike" cap="none">
+                <a:solidFill>
+                  <a:schemeClr val="lt1"/>
+                </a:solidFill>
+                <a:latin typeface="Lato"/>
+                <a:ea typeface="Lato"/>
+                <a:cs typeface="Lato"/>
+                <a:sym typeface="Lato"/>
+              </a:defRPr>
+            </a:lvl6pPr>
+            <a:lvl7pPr marL="3200400" marR="0" lvl="6" indent="-330200" algn="l" rtl="0">
+              <a:lnSpc>
+                <a:spcPct val="100000"/>
+              </a:lnSpc>
+              <a:spcBef>
+                <a:spcPts val="0"/>
+              </a:spcBef>
+              <a:spcAft>
+                <a:spcPts val="0"/>
+              </a:spcAft>
+              <a:buClr>
+                <a:schemeClr val="lt1"/>
+              </a:buClr>
+              <a:buSzPts val="1600"/>
+              <a:buFont typeface="Lato"/>
+              <a:buNone/>
+              <a:defRPr sz="1600" b="0" i="0" u="none" strike="noStrike" cap="none">
+                <a:solidFill>
+                  <a:schemeClr val="lt1"/>
+                </a:solidFill>
+                <a:latin typeface="Lato"/>
+                <a:ea typeface="Lato"/>
+                <a:cs typeface="Lato"/>
+                <a:sym typeface="Lato"/>
+              </a:defRPr>
+            </a:lvl7pPr>
+            <a:lvl8pPr marL="3657600" marR="0" lvl="7" indent="-330200" algn="l" rtl="0">
+              <a:lnSpc>
+                <a:spcPct val="100000"/>
+              </a:lnSpc>
+              <a:spcBef>
+                <a:spcPts val="0"/>
+              </a:spcBef>
+              <a:spcAft>
+                <a:spcPts val="0"/>
+              </a:spcAft>
+              <a:buClr>
+                <a:schemeClr val="lt1"/>
+              </a:buClr>
+              <a:buSzPts val="1600"/>
+              <a:buFont typeface="Lato"/>
+              <a:buNone/>
+              <a:defRPr sz="1600" b="0" i="0" u="none" strike="noStrike" cap="none">
+                <a:solidFill>
+                  <a:schemeClr val="lt1"/>
+                </a:solidFill>
+                <a:latin typeface="Lato"/>
+                <a:ea typeface="Lato"/>
+                <a:cs typeface="Lato"/>
+                <a:sym typeface="Lato"/>
+              </a:defRPr>
+            </a:lvl8pPr>
+            <a:lvl9pPr marL="4114800" marR="0" lvl="8" indent="-330200" algn="l" rtl="0">
+              <a:lnSpc>
+                <a:spcPct val="100000"/>
+              </a:lnSpc>
+              <a:spcBef>
+                <a:spcPts val="0"/>
+              </a:spcBef>
+              <a:spcAft>
+                <a:spcPts val="0"/>
+              </a:spcAft>
+              <a:buClr>
+                <a:schemeClr val="lt1"/>
+              </a:buClr>
+              <a:buSzPts val="1600"/>
+              <a:buFont typeface="Lato"/>
+              <a:buNone/>
+              <a:defRPr sz="1600" b="0" i="0" u="none" strike="noStrike" cap="none">
+                <a:solidFill>
+                  <a:schemeClr val="lt1"/>
+                </a:solidFill>
+                <a:latin typeface="Lato"/>
+                <a:ea typeface="Lato"/>
+                <a:cs typeface="Lato"/>
+                <a:sym typeface="Lato"/>
+              </a:defRPr>
+            </a:lvl9pPr>
+          </a:lstStyle>
+          <a:p>
+            <a:pPr marL="285750" indent="-285750" algn="l">
+              <a:buFont typeface="Arial" panose="020B0604020202020204" pitchFamily="34" charset="0"/>
+              <a:buChar char="•"/>
+            </a:pPr>
+            <a:r>
+              <a:rPr lang="en-US" sz="1400" dirty="0"/>
+              <a:t>Not all articles are the same as the articles with most claps but still similar topic results</a:t>
+            </a:r>
+          </a:p>
+          <a:p>
+            <a:pPr marL="285750" indent="-285750" algn="l">
+              <a:buFont typeface="Arial" panose="020B0604020202020204" pitchFamily="34" charset="0"/>
+              <a:buChar char="•"/>
+            </a:pPr>
+            <a:r>
+              <a:rPr lang="en-US" sz="1400" dirty="0"/>
+              <a:t>Difference is the headlines provoke controversy and debate</a:t>
+            </a:r>
+          </a:p>
+        </p:txBody>
+      </p:sp>
     </p:spTree>
     <p:extLst>
       <p:ext uri="{BB962C8B-B14F-4D97-AF65-F5344CB8AC3E}">
@@ -23320,6 +24597,872 @@
           </a:bodyPr>
           <a:lstStyle/>
           <a:p>
+            <a:pPr lvl="0"/>
+            <a:r>
+              <a:rPr lang="en" dirty="0"/>
+              <a:t>MOST FREQUENT WORDS IN JOBS LISTINGS</a:t>
+            </a:r>
+            <a:endParaRPr dirty="0"/>
+          </a:p>
+        </p:txBody>
+      </p:sp>
+      <p:sp>
+        <p:nvSpPr>
+          <p:cNvPr id="363" name="Google Shape;363;p36"/>
+          <p:cNvSpPr txBox="1">
+            <a:spLocks noGrp="1"/>
+          </p:cNvSpPr>
+          <p:nvPr>
+            <p:ph type="subTitle" idx="1"/>
+          </p:nvPr>
+        </p:nvSpPr>
+        <p:spPr>
+          <a:xfrm>
+            <a:off x="5638799" y="1050577"/>
+            <a:ext cx="2839319" cy="2615450"/>
+          </a:xfrm>
+          <a:prstGeom prst="rect">
+            <a:avLst/>
+          </a:prstGeom>
+        </p:spPr>
+        <p:txBody>
+          <a:bodyPr spcFirstLastPara="1" wrap="square" lIns="91425" tIns="91425" rIns="91425" bIns="91425" anchor="t" anchorCtr="0">
+            <a:noAutofit/>
+          </a:bodyPr>
+          <a:lstStyle/>
+          <a:p>
+            <a:pPr marL="285750" indent="-285750" algn="l">
+              <a:buFont typeface="Arial" panose="020B0604020202020204" pitchFamily="34" charset="0"/>
+              <a:buChar char="•"/>
+            </a:pPr>
+            <a:r>
+              <a:rPr lang="en-US" sz="1200" dirty="0"/>
+              <a:t>technical</a:t>
+            </a:r>
+          </a:p>
+          <a:p>
+            <a:pPr marL="285750" indent="-285750" algn="l">
+              <a:buFont typeface="Arial" panose="020B0604020202020204" pitchFamily="34" charset="0"/>
+              <a:buChar char="•"/>
+            </a:pPr>
+            <a:r>
+              <a:rPr lang="en-US" sz="1200" dirty="0"/>
+              <a:t>management</a:t>
+            </a:r>
+          </a:p>
+          <a:p>
+            <a:pPr marL="285750" indent="-285750" algn="l">
+              <a:buFont typeface="Arial" panose="020B0604020202020204" pitchFamily="34" charset="0"/>
+              <a:buChar char="•"/>
+            </a:pPr>
+            <a:r>
+              <a:rPr lang="en-US" sz="1200" dirty="0"/>
+              <a:t>support</a:t>
+            </a:r>
+          </a:p>
+          <a:p>
+            <a:pPr marL="285750" indent="-285750" algn="l">
+              <a:buFont typeface="Arial" panose="020B0604020202020204" pitchFamily="34" charset="0"/>
+              <a:buChar char="•"/>
+            </a:pPr>
+            <a:r>
+              <a:rPr lang="en-US" sz="1200" dirty="0"/>
+              <a:t>product</a:t>
+            </a:r>
+          </a:p>
+          <a:p>
+            <a:pPr marL="285750" indent="-285750" algn="l">
+              <a:buFont typeface="Arial" panose="020B0604020202020204" pitchFamily="34" charset="0"/>
+              <a:buChar char="•"/>
+            </a:pPr>
+            <a:r>
+              <a:rPr lang="en-US" sz="1200" dirty="0"/>
+              <a:t>service</a:t>
+            </a:r>
+          </a:p>
+          <a:p>
+            <a:pPr marL="285750" indent="-285750" algn="l">
+              <a:buFont typeface="Arial" panose="020B0604020202020204" pitchFamily="34" charset="0"/>
+              <a:buChar char="•"/>
+            </a:pPr>
+            <a:r>
+              <a:rPr lang="en-US" sz="1200" dirty="0"/>
+              <a:t>project</a:t>
+            </a:r>
+          </a:p>
+          <a:p>
+            <a:pPr marL="285750" indent="-285750" algn="l">
+              <a:buFont typeface="Arial" panose="020B0604020202020204" pitchFamily="34" charset="0"/>
+              <a:buChar char="•"/>
+            </a:pPr>
+            <a:r>
+              <a:rPr lang="en-US" sz="1200" dirty="0"/>
+              <a:t>analysis / analytic / analyst</a:t>
+            </a:r>
+          </a:p>
+          <a:p>
+            <a:pPr marL="285750" indent="-285750" algn="l">
+              <a:buFont typeface="Arial" panose="020B0604020202020204" pitchFamily="34" charset="0"/>
+              <a:buChar char="•"/>
+            </a:pPr>
+            <a:r>
+              <a:rPr lang="en-US" sz="1200" dirty="0"/>
+              <a:t>insight</a:t>
+            </a:r>
+          </a:p>
+          <a:p>
+            <a:pPr marL="285750" indent="-285750" algn="l">
+              <a:buFont typeface="Arial" panose="020B0604020202020204" pitchFamily="34" charset="0"/>
+              <a:buChar char="•"/>
+            </a:pPr>
+            <a:r>
+              <a:rPr lang="en-US" sz="1200" dirty="0"/>
+              <a:t>system</a:t>
+            </a:r>
+          </a:p>
+          <a:p>
+            <a:pPr marL="285750" indent="-285750" algn="l">
+              <a:buFont typeface="Arial" panose="020B0604020202020204" pitchFamily="34" charset="0"/>
+              <a:buChar char="•"/>
+            </a:pPr>
+            <a:r>
+              <a:rPr lang="en-US" sz="1200" dirty="0"/>
+              <a:t>application</a:t>
+            </a:r>
+          </a:p>
+          <a:p>
+            <a:pPr marL="285750" indent="-285750" algn="l">
+              <a:buFont typeface="Arial" panose="020B0604020202020204" pitchFamily="34" charset="0"/>
+              <a:buChar char="•"/>
+            </a:pPr>
+            <a:r>
+              <a:rPr lang="en-US" sz="1200" dirty="0"/>
+              <a:t>solution</a:t>
+            </a:r>
+          </a:p>
+          <a:p>
+            <a:pPr marL="285750" indent="-285750" algn="l">
+              <a:buFont typeface="Arial" panose="020B0604020202020204" pitchFamily="34" charset="0"/>
+              <a:buChar char="•"/>
+            </a:pPr>
+            <a:r>
+              <a:rPr lang="en-US" sz="1200" dirty="0"/>
+              <a:t>development</a:t>
+            </a:r>
+          </a:p>
+          <a:p>
+            <a:pPr marL="285750" indent="-285750" algn="l">
+              <a:buFont typeface="Arial" panose="020B0604020202020204" pitchFamily="34" charset="0"/>
+              <a:buChar char="•"/>
+            </a:pPr>
+            <a:r>
+              <a:rPr lang="en-US" sz="1200" dirty="0"/>
+              <a:t>research</a:t>
+            </a:r>
+            <a:endParaRPr sz="1200" dirty="0"/>
+          </a:p>
+        </p:txBody>
+      </p:sp>
+      <p:grpSp>
+        <p:nvGrpSpPr>
+          <p:cNvPr id="370" name="Google Shape;370;p36"/>
+          <p:cNvGrpSpPr/>
+          <p:nvPr/>
+        </p:nvGrpSpPr>
+        <p:grpSpPr>
+          <a:xfrm>
+            <a:off x="-145105" y="2610211"/>
+            <a:ext cx="934519" cy="1551265"/>
+            <a:chOff x="197288" y="2680499"/>
+            <a:chExt cx="1156726" cy="1920120"/>
+          </a:xfrm>
+        </p:grpSpPr>
+        <p:sp>
+          <p:nvSpPr>
+            <p:cNvPr id="371" name="Google Shape;371;p36"/>
+            <p:cNvSpPr/>
+            <p:nvPr/>
+          </p:nvSpPr>
+          <p:spPr>
+            <a:xfrm>
+              <a:off x="197288" y="3755754"/>
+              <a:ext cx="945928" cy="844864"/>
+            </a:xfrm>
+            <a:custGeom>
+              <a:avLst/>
+              <a:gdLst/>
+              <a:ahLst/>
+              <a:cxnLst/>
+              <a:rect l="l" t="t" r="r" b="b"/>
+              <a:pathLst>
+                <a:path w="8873" h="7925" fill="none" extrusionOk="0">
+                  <a:moveTo>
+                    <a:pt x="6411" y="7924"/>
+                  </a:moveTo>
+                  <a:lnTo>
+                    <a:pt x="1026" y="3873"/>
+                  </a:lnTo>
+                  <a:cubicBezTo>
+                    <a:pt x="180" y="3232"/>
+                    <a:pt x="0" y="2052"/>
+                    <a:pt x="641" y="1206"/>
+                  </a:cubicBezTo>
+                  <a:lnTo>
+                    <a:pt x="795" y="1001"/>
+                  </a:lnTo>
+                  <a:cubicBezTo>
+                    <a:pt x="1436" y="154"/>
+                    <a:pt x="2616" y="1"/>
+                    <a:pt x="3462" y="616"/>
+                  </a:cubicBezTo>
+                  <a:lnTo>
+                    <a:pt x="8872" y="4668"/>
+                  </a:lnTo>
+                  <a:lnTo>
+                    <a:pt x="8462" y="5206"/>
+                  </a:lnTo>
+                  <a:cubicBezTo>
+                    <a:pt x="7770" y="6129"/>
+                    <a:pt x="6462" y="6309"/>
+                    <a:pt x="5565" y="5616"/>
+                  </a:cubicBezTo>
+                  <a:lnTo>
+                    <a:pt x="2616" y="3411"/>
+                  </a:lnTo>
+                  <a:cubicBezTo>
+                    <a:pt x="2308" y="3180"/>
+                    <a:pt x="2257" y="2770"/>
+                    <a:pt x="2488" y="2488"/>
+                  </a:cubicBezTo>
+                  <a:lnTo>
+                    <a:pt x="2667" y="2231"/>
+                  </a:lnTo>
+                  <a:cubicBezTo>
+                    <a:pt x="2898" y="1924"/>
+                    <a:pt x="3308" y="1872"/>
+                    <a:pt x="3590" y="2078"/>
+                  </a:cubicBezTo>
+                  <a:lnTo>
+                    <a:pt x="5821" y="3770"/>
+                  </a:lnTo>
+                </a:path>
+              </a:pathLst>
+            </a:custGeom>
+            <a:noFill/>
+            <a:ln w="28575" cap="rnd" cmpd="sng">
+              <a:solidFill>
+                <a:schemeClr val="dk1"/>
+              </a:solidFill>
+              <a:prstDash val="solid"/>
+              <a:miter lim="25642"/>
+              <a:headEnd type="none" w="sm" len="sm"/>
+              <a:tailEnd type="none" w="sm" len="sm"/>
+            </a:ln>
+          </p:spPr>
+          <p:txBody>
+            <a:bodyPr spcFirstLastPara="1" wrap="square" lIns="91425" tIns="91425" rIns="91425" bIns="91425" anchor="ctr" anchorCtr="0">
+              <a:noAutofit/>
+            </a:bodyPr>
+            <a:lstStyle/>
+            <a:p>
+              <a:pPr marL="0" lvl="0" indent="0" algn="l" rtl="0">
+                <a:spcBef>
+                  <a:spcPts val="0"/>
+                </a:spcBef>
+                <a:spcAft>
+                  <a:spcPts val="0"/>
+                </a:spcAft>
+                <a:buNone/>
+              </a:pPr>
+              <a:endParaRPr/>
+            </a:p>
+          </p:txBody>
+        </p:sp>
+        <p:sp>
+          <p:nvSpPr>
+            <p:cNvPr id="372" name="Google Shape;372;p36"/>
+            <p:cNvSpPr/>
+            <p:nvPr/>
+          </p:nvSpPr>
+          <p:spPr>
+            <a:xfrm rot="4438647">
+              <a:off x="344493" y="2829254"/>
+              <a:ext cx="945918" cy="844855"/>
+            </a:xfrm>
+            <a:custGeom>
+              <a:avLst/>
+              <a:gdLst/>
+              <a:ahLst/>
+              <a:cxnLst/>
+              <a:rect l="l" t="t" r="r" b="b"/>
+              <a:pathLst>
+                <a:path w="8873" h="7925" fill="none" extrusionOk="0">
+                  <a:moveTo>
+                    <a:pt x="6411" y="7924"/>
+                  </a:moveTo>
+                  <a:lnTo>
+                    <a:pt x="1026" y="3873"/>
+                  </a:lnTo>
+                  <a:cubicBezTo>
+                    <a:pt x="180" y="3232"/>
+                    <a:pt x="0" y="2052"/>
+                    <a:pt x="641" y="1206"/>
+                  </a:cubicBezTo>
+                  <a:lnTo>
+                    <a:pt x="795" y="1001"/>
+                  </a:lnTo>
+                  <a:cubicBezTo>
+                    <a:pt x="1436" y="154"/>
+                    <a:pt x="2616" y="1"/>
+                    <a:pt x="3462" y="616"/>
+                  </a:cubicBezTo>
+                  <a:lnTo>
+                    <a:pt x="8872" y="4668"/>
+                  </a:lnTo>
+                  <a:lnTo>
+                    <a:pt x="8462" y="5206"/>
+                  </a:lnTo>
+                  <a:cubicBezTo>
+                    <a:pt x="7770" y="6129"/>
+                    <a:pt x="6462" y="6309"/>
+                    <a:pt x="5565" y="5616"/>
+                  </a:cubicBezTo>
+                  <a:lnTo>
+                    <a:pt x="2616" y="3411"/>
+                  </a:lnTo>
+                  <a:cubicBezTo>
+                    <a:pt x="2308" y="3180"/>
+                    <a:pt x="2257" y="2770"/>
+                    <a:pt x="2488" y="2488"/>
+                  </a:cubicBezTo>
+                  <a:lnTo>
+                    <a:pt x="2667" y="2231"/>
+                  </a:lnTo>
+                  <a:cubicBezTo>
+                    <a:pt x="2898" y="1924"/>
+                    <a:pt x="3308" y="1872"/>
+                    <a:pt x="3590" y="2078"/>
+                  </a:cubicBezTo>
+                  <a:lnTo>
+                    <a:pt x="5821" y="3770"/>
+                  </a:lnTo>
+                </a:path>
+              </a:pathLst>
+            </a:custGeom>
+            <a:noFill/>
+            <a:ln w="28575" cap="rnd" cmpd="sng">
+              <a:solidFill>
+                <a:schemeClr val="dk1"/>
+              </a:solidFill>
+              <a:prstDash val="solid"/>
+              <a:miter lim="25642"/>
+              <a:headEnd type="none" w="sm" len="sm"/>
+              <a:tailEnd type="none" w="sm" len="sm"/>
+            </a:ln>
+          </p:spPr>
+          <p:txBody>
+            <a:bodyPr spcFirstLastPara="1" wrap="square" lIns="91425" tIns="91425" rIns="91425" bIns="91425" anchor="ctr" anchorCtr="0">
+              <a:noAutofit/>
+            </a:bodyPr>
+            <a:lstStyle/>
+            <a:p>
+              <a:pPr marL="0" lvl="0" indent="0" algn="l" rtl="0">
+                <a:spcBef>
+                  <a:spcPts val="0"/>
+                </a:spcBef>
+                <a:spcAft>
+                  <a:spcPts val="0"/>
+                </a:spcAft>
+                <a:buNone/>
+              </a:pPr>
+              <a:endParaRPr/>
+            </a:p>
+          </p:txBody>
+        </p:sp>
+      </p:grpSp>
+      <p:pic>
+        <p:nvPicPr>
+          <p:cNvPr id="5124" name="Picture 4" descr="Job Search Icon 744768">
+            <a:extLst>
+              <a:ext uri="{FF2B5EF4-FFF2-40B4-BE49-F238E27FC236}">
+                <a16:creationId xmlns:a16="http://schemas.microsoft.com/office/drawing/2014/main" id="{8753E2B3-7B81-3646-9973-27233E243E3F}"/>
+              </a:ext>
+            </a:extLst>
+          </p:cNvPr>
+          <p:cNvPicPr>
+            <a:picLocks noChangeAspect="1" noChangeArrowheads="1"/>
+          </p:cNvPicPr>
+          <p:nvPr/>
+        </p:nvPicPr>
+        <p:blipFill>
+          <a:blip r:embed="rId3">
+            <a:extLst>
+              <a:ext uri="{28A0092B-C50C-407E-A947-70E740481C1C}">
+                <a14:useLocalDpi xmlns:a14="http://schemas.microsoft.com/office/drawing/2010/main" val="0"/>
+              </a:ext>
+            </a:extLst>
+          </a:blip>
+          <a:srcRect/>
+          <a:stretch>
+            <a:fillRect/>
+          </a:stretch>
+        </p:blipFill>
+        <p:spPr bwMode="auto">
+          <a:xfrm>
+            <a:off x="7845156" y="444610"/>
+            <a:ext cx="939600" cy="939600"/>
+          </a:xfrm>
+          <a:prstGeom prst="rect">
+            <a:avLst/>
+          </a:prstGeom>
+          <a:noFill/>
+          <a:extLst>
+            <a:ext uri="{909E8E84-426E-40DD-AFC4-6F175D3DCCD1}">
+              <a14:hiddenFill xmlns:a14="http://schemas.microsoft.com/office/drawing/2010/main">
+                <a:solidFill>
+                  <a:srgbClr val="FFFFFF"/>
+                </a:solidFill>
+              </a14:hiddenFill>
+            </a:ext>
+          </a:extLst>
+        </p:spPr>
+      </p:pic>
+      <p:pic>
+        <p:nvPicPr>
+          <p:cNvPr id="3" name="Picture 2">
+            <a:extLst>
+              <a:ext uri="{FF2B5EF4-FFF2-40B4-BE49-F238E27FC236}">
+                <a16:creationId xmlns:a16="http://schemas.microsoft.com/office/drawing/2014/main" id="{928AE53A-AF97-E847-9B4F-1EEB068C61F1}"/>
+              </a:ext>
+            </a:extLst>
+          </p:cNvPr>
+          <p:cNvPicPr>
+            <a:picLocks noChangeAspect="1"/>
+          </p:cNvPicPr>
+          <p:nvPr/>
+        </p:nvPicPr>
+        <p:blipFill>
+          <a:blip r:embed="rId4"/>
+          <a:stretch>
+            <a:fillRect/>
+          </a:stretch>
+        </p:blipFill>
+        <p:spPr>
+          <a:xfrm>
+            <a:off x="1296354" y="1240156"/>
+            <a:ext cx="4172141" cy="2129660"/>
+          </a:xfrm>
+          <a:prstGeom prst="rect">
+            <a:avLst/>
+          </a:prstGeom>
+        </p:spPr>
+      </p:pic>
+      <p:sp>
+        <p:nvSpPr>
+          <p:cNvPr id="11" name="Google Shape;363;p36">
+            <a:extLst>
+              <a:ext uri="{FF2B5EF4-FFF2-40B4-BE49-F238E27FC236}">
+                <a16:creationId xmlns:a16="http://schemas.microsoft.com/office/drawing/2014/main" id="{045ED27B-D676-4D48-8766-0AA2EFC31DE0}"/>
+              </a:ext>
+            </a:extLst>
+          </p:cNvPr>
+          <p:cNvSpPr txBox="1">
+            <a:spLocks/>
+          </p:cNvSpPr>
+          <p:nvPr/>
+        </p:nvSpPr>
+        <p:spPr>
+          <a:xfrm>
+            <a:off x="953143" y="3563068"/>
+            <a:ext cx="7831613" cy="1173479"/>
+          </a:xfrm>
+          <a:prstGeom prst="rect">
+            <a:avLst/>
+          </a:prstGeom>
+          <a:noFill/>
+          <a:ln>
+            <a:noFill/>
+          </a:ln>
+        </p:spPr>
+        <p:txBody>
+          <a:bodyPr spcFirstLastPara="1" wrap="square" lIns="91425" tIns="91425" rIns="91425" bIns="91425" anchor="t" anchorCtr="0">
+            <a:noAutofit/>
+          </a:bodyPr>
+          <a:lstStyle>
+            <a:defPPr marR="0" lvl="0" algn="l" rtl="0">
+              <a:lnSpc>
+                <a:spcPct val="100000"/>
+              </a:lnSpc>
+              <a:spcBef>
+                <a:spcPts val="0"/>
+              </a:spcBef>
+              <a:spcAft>
+                <a:spcPts val="0"/>
+              </a:spcAft>
+            </a:defPPr>
+            <a:lvl1pPr marL="457200" marR="0" lvl="0" indent="-330200" algn="ctr" rtl="0">
+              <a:lnSpc>
+                <a:spcPct val="100000"/>
+              </a:lnSpc>
+              <a:spcBef>
+                <a:spcPts val="0"/>
+              </a:spcBef>
+              <a:spcAft>
+                <a:spcPts val="0"/>
+              </a:spcAft>
+              <a:buClr>
+                <a:schemeClr val="lt1"/>
+              </a:buClr>
+              <a:buSzPts val="1600"/>
+              <a:buFont typeface="Lato"/>
+              <a:buNone/>
+              <a:defRPr sz="1600" b="0" i="0" u="none" strike="noStrike" cap="none">
+                <a:solidFill>
+                  <a:schemeClr val="lt1"/>
+                </a:solidFill>
+                <a:latin typeface="Lato"/>
+                <a:ea typeface="Lato"/>
+                <a:cs typeface="Lato"/>
+                <a:sym typeface="Lato"/>
+              </a:defRPr>
+            </a:lvl1pPr>
+            <a:lvl2pPr marL="914400" marR="0" lvl="1" indent="-330200" algn="l" rtl="0">
+              <a:lnSpc>
+                <a:spcPct val="100000"/>
+              </a:lnSpc>
+              <a:spcBef>
+                <a:spcPts val="0"/>
+              </a:spcBef>
+              <a:spcAft>
+                <a:spcPts val="0"/>
+              </a:spcAft>
+              <a:buClr>
+                <a:schemeClr val="lt1"/>
+              </a:buClr>
+              <a:buSzPts val="1600"/>
+              <a:buFont typeface="Lato"/>
+              <a:buNone/>
+              <a:defRPr sz="1600" b="0" i="0" u="none" strike="noStrike" cap="none">
+                <a:solidFill>
+                  <a:schemeClr val="lt1"/>
+                </a:solidFill>
+                <a:latin typeface="Lato"/>
+                <a:ea typeface="Lato"/>
+                <a:cs typeface="Lato"/>
+                <a:sym typeface="Lato"/>
+              </a:defRPr>
+            </a:lvl2pPr>
+            <a:lvl3pPr marL="1371600" marR="0" lvl="2" indent="-330200" algn="l" rtl="0">
+              <a:lnSpc>
+                <a:spcPct val="100000"/>
+              </a:lnSpc>
+              <a:spcBef>
+                <a:spcPts val="0"/>
+              </a:spcBef>
+              <a:spcAft>
+                <a:spcPts val="0"/>
+              </a:spcAft>
+              <a:buClr>
+                <a:schemeClr val="lt1"/>
+              </a:buClr>
+              <a:buSzPts val="1600"/>
+              <a:buFont typeface="Lato"/>
+              <a:buNone/>
+              <a:defRPr sz="1600" b="0" i="0" u="none" strike="noStrike" cap="none">
+                <a:solidFill>
+                  <a:schemeClr val="lt1"/>
+                </a:solidFill>
+                <a:latin typeface="Lato"/>
+                <a:ea typeface="Lato"/>
+                <a:cs typeface="Lato"/>
+                <a:sym typeface="Lato"/>
+              </a:defRPr>
+            </a:lvl3pPr>
+            <a:lvl4pPr marL="1828800" marR="0" lvl="3" indent="-330200" algn="l" rtl="0">
+              <a:lnSpc>
+                <a:spcPct val="100000"/>
+              </a:lnSpc>
+              <a:spcBef>
+                <a:spcPts val="0"/>
+              </a:spcBef>
+              <a:spcAft>
+                <a:spcPts val="0"/>
+              </a:spcAft>
+              <a:buClr>
+                <a:schemeClr val="lt1"/>
+              </a:buClr>
+              <a:buSzPts val="1600"/>
+              <a:buFont typeface="Lato"/>
+              <a:buNone/>
+              <a:defRPr sz="1600" b="0" i="0" u="none" strike="noStrike" cap="none">
+                <a:solidFill>
+                  <a:schemeClr val="lt1"/>
+                </a:solidFill>
+                <a:latin typeface="Lato"/>
+                <a:ea typeface="Lato"/>
+                <a:cs typeface="Lato"/>
+                <a:sym typeface="Lato"/>
+              </a:defRPr>
+            </a:lvl4pPr>
+            <a:lvl5pPr marL="2286000" marR="0" lvl="4" indent="-330200" algn="l" rtl="0">
+              <a:lnSpc>
+                <a:spcPct val="100000"/>
+              </a:lnSpc>
+              <a:spcBef>
+                <a:spcPts val="0"/>
+              </a:spcBef>
+              <a:spcAft>
+                <a:spcPts val="0"/>
+              </a:spcAft>
+              <a:buClr>
+                <a:schemeClr val="lt1"/>
+              </a:buClr>
+              <a:buSzPts val="1600"/>
+              <a:buFont typeface="Lato"/>
+              <a:buNone/>
+              <a:defRPr sz="1600" b="0" i="0" u="none" strike="noStrike" cap="none">
+                <a:solidFill>
+                  <a:schemeClr val="lt1"/>
+                </a:solidFill>
+                <a:latin typeface="Lato"/>
+                <a:ea typeface="Lato"/>
+                <a:cs typeface="Lato"/>
+                <a:sym typeface="Lato"/>
+              </a:defRPr>
+            </a:lvl5pPr>
+            <a:lvl6pPr marL="2743200" marR="0" lvl="5" indent="-330200" algn="l" rtl="0">
+              <a:lnSpc>
+                <a:spcPct val="100000"/>
+              </a:lnSpc>
+              <a:spcBef>
+                <a:spcPts val="0"/>
+              </a:spcBef>
+              <a:spcAft>
+                <a:spcPts val="0"/>
+              </a:spcAft>
+              <a:buClr>
+                <a:schemeClr val="lt1"/>
+              </a:buClr>
+              <a:buSzPts val="1600"/>
+              <a:buFont typeface="Lato"/>
+              <a:buNone/>
+              <a:defRPr sz="1600" b="0" i="0" u="none" strike="noStrike" cap="none">
+                <a:solidFill>
+                  <a:schemeClr val="lt1"/>
+                </a:solidFill>
+                <a:latin typeface="Lato"/>
+                <a:ea typeface="Lato"/>
+                <a:cs typeface="Lato"/>
+                <a:sym typeface="Lato"/>
+              </a:defRPr>
+            </a:lvl6pPr>
+            <a:lvl7pPr marL="3200400" marR="0" lvl="6" indent="-330200" algn="l" rtl="0">
+              <a:lnSpc>
+                <a:spcPct val="100000"/>
+              </a:lnSpc>
+              <a:spcBef>
+                <a:spcPts val="0"/>
+              </a:spcBef>
+              <a:spcAft>
+                <a:spcPts val="0"/>
+              </a:spcAft>
+              <a:buClr>
+                <a:schemeClr val="lt1"/>
+              </a:buClr>
+              <a:buSzPts val="1600"/>
+              <a:buFont typeface="Lato"/>
+              <a:buNone/>
+              <a:defRPr sz="1600" b="0" i="0" u="none" strike="noStrike" cap="none">
+                <a:solidFill>
+                  <a:schemeClr val="lt1"/>
+                </a:solidFill>
+                <a:latin typeface="Lato"/>
+                <a:ea typeface="Lato"/>
+                <a:cs typeface="Lato"/>
+                <a:sym typeface="Lato"/>
+              </a:defRPr>
+            </a:lvl7pPr>
+            <a:lvl8pPr marL="3657600" marR="0" lvl="7" indent="-330200" algn="l" rtl="0">
+              <a:lnSpc>
+                <a:spcPct val="100000"/>
+              </a:lnSpc>
+              <a:spcBef>
+                <a:spcPts val="0"/>
+              </a:spcBef>
+              <a:spcAft>
+                <a:spcPts val="0"/>
+              </a:spcAft>
+              <a:buClr>
+                <a:schemeClr val="lt1"/>
+              </a:buClr>
+              <a:buSzPts val="1600"/>
+              <a:buFont typeface="Lato"/>
+              <a:buNone/>
+              <a:defRPr sz="1600" b="0" i="0" u="none" strike="noStrike" cap="none">
+                <a:solidFill>
+                  <a:schemeClr val="lt1"/>
+                </a:solidFill>
+                <a:latin typeface="Lato"/>
+                <a:ea typeface="Lato"/>
+                <a:cs typeface="Lato"/>
+                <a:sym typeface="Lato"/>
+              </a:defRPr>
+            </a:lvl8pPr>
+            <a:lvl9pPr marL="4114800" marR="0" lvl="8" indent="-330200" algn="l" rtl="0">
+              <a:lnSpc>
+                <a:spcPct val="100000"/>
+              </a:lnSpc>
+              <a:spcBef>
+                <a:spcPts val="0"/>
+              </a:spcBef>
+              <a:spcAft>
+                <a:spcPts val="0"/>
+              </a:spcAft>
+              <a:buClr>
+                <a:schemeClr val="lt1"/>
+              </a:buClr>
+              <a:buSzPts val="1600"/>
+              <a:buFont typeface="Lato"/>
+              <a:buNone/>
+              <a:defRPr sz="1600" b="0" i="0" u="none" strike="noStrike" cap="none">
+                <a:solidFill>
+                  <a:schemeClr val="lt1"/>
+                </a:solidFill>
+                <a:latin typeface="Lato"/>
+                <a:ea typeface="Lato"/>
+                <a:cs typeface="Lato"/>
+                <a:sym typeface="Lato"/>
+              </a:defRPr>
+            </a:lvl9pPr>
+          </a:lstStyle>
+          <a:p>
+            <a:pPr marL="285750" indent="-285750" algn="l">
+              <a:buFont typeface="Arial" panose="020B0604020202020204" pitchFamily="34" charset="0"/>
+              <a:buChar char="•"/>
+            </a:pPr>
+            <a:r>
+              <a:rPr lang="en-SG" sz="1200" dirty="0"/>
+              <a:t>involve working with people from other teams such as the product team and even senior managements and providing them with some support. </a:t>
+            </a:r>
+          </a:p>
+          <a:p>
+            <a:pPr marL="285750" indent="-285750" algn="l">
+              <a:buFont typeface="Arial" panose="020B0604020202020204" pitchFamily="34" charset="0"/>
+              <a:buChar char="•"/>
+            </a:pPr>
+            <a:r>
+              <a:rPr lang="en-SG" sz="1200" dirty="0"/>
+              <a:t>research as part of his or her work. </a:t>
+            </a:r>
+          </a:p>
+          <a:p>
+            <a:pPr marL="285750" indent="-285750" algn="l">
+              <a:buFont typeface="Arial" panose="020B0604020202020204" pitchFamily="34" charset="0"/>
+              <a:buChar char="•"/>
+            </a:pPr>
+            <a:r>
+              <a:rPr lang="en-SG" sz="1200" dirty="0"/>
+              <a:t>explaining or translating the technical terms for other non-technical people that is involved in the project that you are working on and also explaining on the insights that you have gotten from the analysis. </a:t>
+            </a:r>
+            <a:endParaRPr lang="en-US" sz="1200" dirty="0"/>
+          </a:p>
+        </p:txBody>
+      </p:sp>
+    </p:spTree>
+    <p:extLst>
+      <p:ext uri="{BB962C8B-B14F-4D97-AF65-F5344CB8AC3E}">
+        <p14:creationId xmlns:p14="http://schemas.microsoft.com/office/powerpoint/2010/main" val="654462180"/>
+      </p:ext>
+    </p:extLst>
+  </p:cSld>
+  <p:clrMapOvr>
+    <a:masterClrMapping/>
+  </p:clrMapOvr>
+</p:sld>
+</file>
+
+<file path=ppt/slides/slide21.xml><?xml version="1.0" encoding="utf-8"?>
+<p:sld xmlns:a="http://schemas.openxmlformats.org/drawingml/2006/main" xmlns:r="http://schemas.openxmlformats.org/officeDocument/2006/relationships" xmlns:p="http://schemas.openxmlformats.org/presentationml/2006/main">
+  <p:cSld>
+    <p:spTree>
+      <p:nvGrpSpPr>
+        <p:cNvPr id="1" name="Shape 359"/>
+        <p:cNvGrpSpPr/>
+        <p:nvPr/>
+      </p:nvGrpSpPr>
+      <p:grpSpPr>
+        <a:xfrm>
+          <a:off x="0" y="0"/>
+          <a:ext cx="0" cy="0"/>
+          <a:chOff x="0" y="0"/>
+          <a:chExt cx="0" cy="0"/>
+        </a:xfrm>
+      </p:grpSpPr>
+      <p:sp>
+        <p:nvSpPr>
+          <p:cNvPr id="360" name="Google Shape;360;p36"/>
+          <p:cNvSpPr/>
+          <p:nvPr/>
+        </p:nvSpPr>
+        <p:spPr>
+          <a:xfrm rot="-147394" flipH="1">
+            <a:off x="-31478" y="-267592"/>
+            <a:ext cx="8602005" cy="1561434"/>
+          </a:xfrm>
+          <a:prstGeom prst="rect">
+            <a:avLst/>
+          </a:prstGeom>
+          <a:solidFill>
+            <a:schemeClr val="accent1"/>
+          </a:solidFill>
+          <a:ln>
+            <a:noFill/>
+          </a:ln>
+        </p:spPr>
+        <p:txBody>
+          <a:bodyPr spcFirstLastPara="1" wrap="square" lIns="91425" tIns="91425" rIns="91425" bIns="91425" anchor="ctr" anchorCtr="0">
+            <a:noAutofit/>
+          </a:bodyPr>
+          <a:lstStyle/>
+          <a:p>
+            <a:pPr marL="0" lvl="0" indent="0" algn="l" rtl="0">
+              <a:spcBef>
+                <a:spcPts val="0"/>
+              </a:spcBef>
+              <a:spcAft>
+                <a:spcPts val="0"/>
+              </a:spcAft>
+              <a:buNone/>
+            </a:pPr>
+            <a:endParaRPr/>
+          </a:p>
+        </p:txBody>
+      </p:sp>
+      <p:sp>
+        <p:nvSpPr>
+          <p:cNvPr id="361" name="Google Shape;361;p36"/>
+          <p:cNvSpPr txBox="1">
+            <a:spLocks noGrp="1"/>
+          </p:cNvSpPr>
+          <p:nvPr>
+            <p:ph type="title"/>
+          </p:nvPr>
+        </p:nvSpPr>
+        <p:spPr>
+          <a:xfrm>
+            <a:off x="713225" y="539500"/>
+            <a:ext cx="7717500" cy="572700"/>
+          </a:xfrm>
+          <a:prstGeom prst="rect">
+            <a:avLst/>
+          </a:prstGeom>
+        </p:spPr>
+        <p:txBody>
+          <a:bodyPr spcFirstLastPara="1" wrap="square" lIns="91425" tIns="91425" rIns="91425" bIns="91425" anchor="ctr" anchorCtr="0">
+            <a:noAutofit/>
+          </a:bodyPr>
+          <a:lstStyle/>
+          <a:p>
             <a:pPr marL="0" lvl="0" indent="0" algn="l" rtl="0">
               <a:spcBef>
                 <a:spcPts val="0"/>
@@ -23584,6 +25727,79 @@
           </a:prstGeom>
         </p:spPr>
       </p:pic>
+      <p:sp>
+        <p:nvSpPr>
+          <p:cNvPr id="8" name="Google Shape;363;p36">
+            <a:extLst>
+              <a:ext uri="{FF2B5EF4-FFF2-40B4-BE49-F238E27FC236}">
+                <a16:creationId xmlns:a16="http://schemas.microsoft.com/office/drawing/2014/main" id="{DFE16F3F-2C05-5349-9386-40CC468E78C1}"/>
+              </a:ext>
+            </a:extLst>
+          </p:cNvPr>
+          <p:cNvSpPr txBox="1">
+            <a:spLocks noGrp="1"/>
+          </p:cNvSpPr>
+          <p:nvPr>
+            <p:ph type="subTitle" idx="1"/>
+          </p:nvPr>
+        </p:nvSpPr>
+        <p:spPr>
+          <a:xfrm>
+            <a:off x="6130120" y="1432712"/>
+            <a:ext cx="2839319" cy="3178905"/>
+          </a:xfrm>
+          <a:prstGeom prst="rect">
+            <a:avLst/>
+          </a:prstGeom>
+        </p:spPr>
+        <p:txBody>
+          <a:bodyPr spcFirstLastPara="1" wrap="square" lIns="91425" tIns="91425" rIns="91425" bIns="91425" anchor="t" anchorCtr="0">
+            <a:noAutofit/>
+          </a:bodyPr>
+          <a:lstStyle/>
+          <a:p>
+            <a:pPr marL="285750" indent="-285750" algn="l">
+              <a:buFont typeface="Arial" panose="020B0604020202020204" pitchFamily="34" charset="0"/>
+              <a:buChar char="•"/>
+            </a:pPr>
+            <a:r>
+              <a:rPr lang="en-SG" sz="1400" dirty="0"/>
+              <a:t>Dominating industry is the IT related  services industry. </a:t>
+            </a:r>
+          </a:p>
+          <a:p>
+            <a:pPr marL="285750" indent="-285750" algn="l">
+              <a:buFont typeface="Arial" panose="020B0604020202020204" pitchFamily="34" charset="0"/>
+              <a:buChar char="•"/>
+            </a:pPr>
+            <a:r>
+              <a:rPr lang="en-SG" sz="1400" dirty="0"/>
+              <a:t>Existing, stable and automated system of collecting data</a:t>
+            </a:r>
+          </a:p>
+          <a:p>
+            <a:pPr marL="285750" indent="-285750" algn="l">
+              <a:buFont typeface="Arial" panose="020B0604020202020204" pitchFamily="34" charset="0"/>
+              <a:buChar char="•"/>
+            </a:pPr>
+            <a:r>
+              <a:rPr lang="en-SG" sz="1400" dirty="0"/>
+              <a:t>Other industries probably approached Staffing and Outsourcing companies to help them with the hiring process. </a:t>
+            </a:r>
+          </a:p>
+          <a:p>
+            <a:pPr marL="285750" indent="-285750" algn="l">
+              <a:buFont typeface="Arial" panose="020B0604020202020204" pitchFamily="34" charset="0"/>
+              <a:buChar char="•"/>
+            </a:pPr>
+            <a:r>
+              <a:rPr lang="en-SG" sz="1400" dirty="0"/>
+              <a:t>Healthcare, Pharmaceutical industry (Computer Vision), Investment Banking (Time series) and Advertising and Marketing industry. (NLP)</a:t>
+            </a:r>
+            <a:endParaRPr sz="1400" dirty="0"/>
+          </a:p>
+        </p:txBody>
+      </p:sp>
     </p:spTree>
     <p:extLst>
       <p:ext uri="{BB962C8B-B14F-4D97-AF65-F5344CB8AC3E}">
@@ -23597,7 +25813,7 @@
 </p:sld>
 </file>
 
-<file path=ppt/slides/slide21.xml><?xml version="1.0" encoding="utf-8"?>
+<file path=ppt/slides/slide22.xml><?xml version="1.0" encoding="utf-8"?>
 <p:sld xmlns:a="http://schemas.openxmlformats.org/drawingml/2006/main" xmlns:r="http://schemas.openxmlformats.org/officeDocument/2006/relationships" xmlns:p="http://schemas.openxmlformats.org/presentationml/2006/main">
   <p:cSld>
     <p:spTree>
@@ -23943,6 +26159,79 @@
           </a:prstGeom>
         </p:spPr>
       </p:pic>
+      <p:sp>
+        <p:nvSpPr>
+          <p:cNvPr id="8" name="Google Shape;363;p36">
+            <a:extLst>
+              <a:ext uri="{FF2B5EF4-FFF2-40B4-BE49-F238E27FC236}">
+                <a16:creationId xmlns:a16="http://schemas.microsoft.com/office/drawing/2014/main" id="{596C9C02-E6CA-CF4C-A6EA-1CAADA2C2BEA}"/>
+              </a:ext>
+            </a:extLst>
+          </p:cNvPr>
+          <p:cNvSpPr txBox="1">
+            <a:spLocks noGrp="1"/>
+          </p:cNvSpPr>
+          <p:nvPr>
+            <p:ph type="subTitle" idx="1"/>
+          </p:nvPr>
+        </p:nvSpPr>
+        <p:spPr>
+          <a:xfrm>
+            <a:off x="6130120" y="1200702"/>
+            <a:ext cx="2839319" cy="3178905"/>
+          </a:xfrm>
+          <a:prstGeom prst="rect">
+            <a:avLst/>
+          </a:prstGeom>
+        </p:spPr>
+        <p:txBody>
+          <a:bodyPr spcFirstLastPara="1" wrap="square" lIns="91425" tIns="91425" rIns="91425" bIns="91425" anchor="t" anchorCtr="0">
+            <a:noAutofit/>
+          </a:bodyPr>
+          <a:lstStyle/>
+          <a:p>
+            <a:pPr marL="285750" indent="-285750" algn="l">
+              <a:buFont typeface="Arial" panose="020B0604020202020204" pitchFamily="34" charset="0"/>
+              <a:buChar char="•"/>
+            </a:pPr>
+            <a:r>
+              <a:rPr lang="en-SG" sz="1400" dirty="0"/>
+              <a:t>Most of the top ten sectors are also related to the top ten industry. </a:t>
+            </a:r>
+          </a:p>
+          <a:p>
+            <a:pPr marL="742950" lvl="1" indent="-285750">
+              <a:buFont typeface="Arial" panose="020B0604020202020204" pitchFamily="34" charset="0"/>
+              <a:buChar char="•"/>
+            </a:pPr>
+            <a:r>
+              <a:rPr lang="en-SG" sz="1400" dirty="0"/>
+              <a:t>Information Technology, Business Services, Biotech and Pharmaceuticals, Health Care, Finance, Media.</a:t>
+            </a:r>
+          </a:p>
+          <a:p>
+            <a:pPr marL="285750" indent="-285750" algn="l">
+              <a:buFont typeface="Arial" panose="020B0604020202020204" pitchFamily="34" charset="0"/>
+              <a:buChar char="•"/>
+            </a:pPr>
+            <a:r>
+              <a:rPr lang="en-SG" sz="1400" dirty="0"/>
+              <a:t>The new sectors that were previously not mentioned are Education (NLP), Insurance, Manufacturing and Retail (time series).</a:t>
+            </a:r>
+          </a:p>
+          <a:p>
+            <a:pPr marL="742950" lvl="1" indent="-285750">
+              <a:buFont typeface="Arial" panose="020B0604020202020204" pitchFamily="34" charset="0"/>
+              <a:buChar char="•"/>
+            </a:pPr>
+            <a:r>
+              <a:rPr lang="en-SG" sz="1400" dirty="0"/>
+              <a:t>possibly the ones that hire Data Scientist through Outsourcing companies.</a:t>
+            </a:r>
+            <a:endParaRPr sz="1400" dirty="0"/>
+          </a:p>
+        </p:txBody>
+      </p:sp>
     </p:spTree>
     <p:extLst>
       <p:ext uri="{BB962C8B-B14F-4D97-AF65-F5344CB8AC3E}">
@@ -23956,7 +26245,7 @@
 </p:sld>
 </file>
 
-<file path=ppt/slides/slide22.xml><?xml version="1.0" encoding="utf-8"?>
+<file path=ppt/slides/slide23.xml><?xml version="1.0" encoding="utf-8"?>
 <p:sld xmlns:a="http://schemas.openxmlformats.org/drawingml/2006/main" xmlns:r="http://schemas.openxmlformats.org/officeDocument/2006/relationships" xmlns:p="http://schemas.openxmlformats.org/presentationml/2006/main">
   <p:cSld>
     <p:spTree>
@@ -24302,6 +26591,87 @@
           </a:prstGeom>
         </p:spPr>
       </p:pic>
+      <p:sp>
+        <p:nvSpPr>
+          <p:cNvPr id="8" name="Google Shape;363;p36">
+            <a:extLst>
+              <a:ext uri="{FF2B5EF4-FFF2-40B4-BE49-F238E27FC236}">
+                <a16:creationId xmlns:a16="http://schemas.microsoft.com/office/drawing/2014/main" id="{234BE7C6-B13E-0540-8165-4D4F7D319E2E}"/>
+              </a:ext>
+            </a:extLst>
+          </p:cNvPr>
+          <p:cNvSpPr txBox="1">
+            <a:spLocks noGrp="1"/>
+          </p:cNvSpPr>
+          <p:nvPr>
+            <p:ph type="subTitle" idx="1"/>
+          </p:nvPr>
+        </p:nvSpPr>
+        <p:spPr>
+          <a:xfrm>
+            <a:off x="6130120" y="1541896"/>
+            <a:ext cx="2839319" cy="3178905"/>
+          </a:xfrm>
+          <a:prstGeom prst="rect">
+            <a:avLst/>
+          </a:prstGeom>
+        </p:spPr>
+        <p:txBody>
+          <a:bodyPr spcFirstLastPara="1" wrap="square" lIns="91425" tIns="91425" rIns="91425" bIns="91425" anchor="t" anchorCtr="0">
+            <a:noAutofit/>
+          </a:bodyPr>
+          <a:lstStyle/>
+          <a:p>
+            <a:pPr marL="285750" indent="-285750" algn="l">
+              <a:buFont typeface="Arial" panose="020B0604020202020204" pitchFamily="34" charset="0"/>
+              <a:buChar char="•"/>
+            </a:pPr>
+            <a:r>
+              <a:rPr lang="en-US" sz="1200" dirty="0"/>
+              <a:t>good mix of job positions as Data Scientist, Data </a:t>
+            </a:r>
+            <a:r>
+              <a:rPr lang="en-US" sz="1200" dirty="0" err="1"/>
+              <a:t>Analayst</a:t>
+            </a:r>
+            <a:r>
+              <a:rPr lang="en-US" sz="1200" dirty="0"/>
+              <a:t> and Data Engineer related titles. </a:t>
+            </a:r>
+          </a:p>
+          <a:p>
+            <a:pPr marL="285750" indent="-285750" algn="l">
+              <a:buFont typeface="Arial" panose="020B0604020202020204" pitchFamily="34" charset="0"/>
+              <a:buChar char="•"/>
+            </a:pPr>
+            <a:r>
+              <a:rPr lang="en-US" sz="1200" dirty="0"/>
+              <a:t>not much demand for senior position in the Data engineering related roles.</a:t>
+            </a:r>
+          </a:p>
+          <a:p>
+            <a:pPr marL="742950" lvl="1" indent="-285750">
+              <a:buFont typeface="Arial" panose="020B0604020202020204" pitchFamily="34" charset="0"/>
+              <a:buChar char="•"/>
+            </a:pPr>
+            <a:r>
+              <a:rPr lang="en-US" sz="1200" dirty="0"/>
+              <a:t>most of them transition into other roles instead of remaining as a data engineer.</a:t>
+            </a:r>
+          </a:p>
+          <a:p>
+            <a:pPr marL="742950" lvl="1" indent="-285750">
+              <a:buFont typeface="Arial" panose="020B0604020202020204" pitchFamily="34" charset="0"/>
+              <a:buChar char="•"/>
+            </a:pPr>
+            <a:r>
+              <a:rPr lang="en-US" sz="1200" dirty="0"/>
+              <a:t>data engineer roles are newer compared to data analyst or data scientist, so the market has not yet reflected demand for senior data engineer</a:t>
+            </a:r>
+            <a:endParaRPr sz="1200" dirty="0"/>
+          </a:p>
+        </p:txBody>
+      </p:sp>
     </p:spTree>
     <p:extLst>
       <p:ext uri="{BB962C8B-B14F-4D97-AF65-F5344CB8AC3E}">
@@ -24315,7 +26685,7 @@
 </p:sld>
 </file>
 
-<file path=ppt/slides/slide23.xml><?xml version="1.0" encoding="utf-8"?>
+<file path=ppt/slides/slide24.xml><?xml version="1.0" encoding="utf-8"?>
 <p:sld xmlns:a="http://schemas.openxmlformats.org/drawingml/2006/main" xmlns:r="http://schemas.openxmlformats.org/officeDocument/2006/relationships" xmlns:p="http://schemas.openxmlformats.org/presentationml/2006/main">
   <p:cSld>
     <p:spTree>
@@ -24408,7 +26778,7 @@
             </a:pPr>
             <a:r>
               <a:rPr lang="en" dirty="0"/>
-              <a:t>TOP 10 PROMISING SALARIES</a:t>
+              <a:t>TOP 10 SALARIES MINIMUM RANGE</a:t>
             </a:r>
             <a:endParaRPr dirty="0"/>
           </a:p>
@@ -24653,7 +27023,7 @@
         </p:blipFill>
         <p:spPr>
           <a:xfrm>
-            <a:off x="1428750" y="1432560"/>
+            <a:off x="828246" y="1664575"/>
             <a:ext cx="5693410" cy="1713774"/>
           </a:xfrm>
           <a:prstGeom prst="rect">
@@ -24661,6 +27031,1213 @@
           </a:prstGeom>
         </p:spPr>
       </p:pic>
+      <p:sp>
+        <p:nvSpPr>
+          <p:cNvPr id="9" name="Google Shape;363;p36">
+            <a:extLst>
+              <a:ext uri="{FF2B5EF4-FFF2-40B4-BE49-F238E27FC236}">
+                <a16:creationId xmlns:a16="http://schemas.microsoft.com/office/drawing/2014/main" id="{4B606844-C272-7E4A-94D0-CE6ECF4BBC3D}"/>
+              </a:ext>
+            </a:extLst>
+          </p:cNvPr>
+          <p:cNvSpPr txBox="1">
+            <a:spLocks/>
+          </p:cNvSpPr>
+          <p:nvPr/>
+        </p:nvSpPr>
+        <p:spPr>
+          <a:xfrm>
+            <a:off x="816663" y="3644956"/>
+            <a:ext cx="7831613" cy="1173479"/>
+          </a:xfrm>
+          <a:prstGeom prst="rect">
+            <a:avLst/>
+          </a:prstGeom>
+          <a:noFill/>
+          <a:ln>
+            <a:noFill/>
+          </a:ln>
+        </p:spPr>
+        <p:txBody>
+          <a:bodyPr spcFirstLastPara="1" wrap="square" lIns="91425" tIns="91425" rIns="91425" bIns="91425" anchor="t" anchorCtr="0">
+            <a:noAutofit/>
+          </a:bodyPr>
+          <a:lstStyle>
+            <a:defPPr marR="0" lvl="0" algn="l" rtl="0">
+              <a:lnSpc>
+                <a:spcPct val="100000"/>
+              </a:lnSpc>
+              <a:spcBef>
+                <a:spcPts val="0"/>
+              </a:spcBef>
+              <a:spcAft>
+                <a:spcPts val="0"/>
+              </a:spcAft>
+            </a:defPPr>
+            <a:lvl1pPr marL="457200" marR="0" lvl="0" indent="-330200" algn="ctr" rtl="0">
+              <a:lnSpc>
+                <a:spcPct val="100000"/>
+              </a:lnSpc>
+              <a:spcBef>
+                <a:spcPts val="0"/>
+              </a:spcBef>
+              <a:spcAft>
+                <a:spcPts val="0"/>
+              </a:spcAft>
+              <a:buClr>
+                <a:schemeClr val="lt1"/>
+              </a:buClr>
+              <a:buSzPts val="1600"/>
+              <a:buFont typeface="Lato"/>
+              <a:buNone/>
+              <a:defRPr sz="1600" b="0" i="0" u="none" strike="noStrike" cap="none">
+                <a:solidFill>
+                  <a:schemeClr val="lt1"/>
+                </a:solidFill>
+                <a:latin typeface="Lato"/>
+                <a:ea typeface="Lato"/>
+                <a:cs typeface="Lato"/>
+                <a:sym typeface="Lato"/>
+              </a:defRPr>
+            </a:lvl1pPr>
+            <a:lvl2pPr marL="914400" marR="0" lvl="1" indent="-330200" algn="l" rtl="0">
+              <a:lnSpc>
+                <a:spcPct val="100000"/>
+              </a:lnSpc>
+              <a:spcBef>
+                <a:spcPts val="0"/>
+              </a:spcBef>
+              <a:spcAft>
+                <a:spcPts val="0"/>
+              </a:spcAft>
+              <a:buClr>
+                <a:schemeClr val="lt1"/>
+              </a:buClr>
+              <a:buSzPts val="1600"/>
+              <a:buFont typeface="Lato"/>
+              <a:buNone/>
+              <a:defRPr sz="1600" b="0" i="0" u="none" strike="noStrike" cap="none">
+                <a:solidFill>
+                  <a:schemeClr val="lt1"/>
+                </a:solidFill>
+                <a:latin typeface="Lato"/>
+                <a:ea typeface="Lato"/>
+                <a:cs typeface="Lato"/>
+                <a:sym typeface="Lato"/>
+              </a:defRPr>
+            </a:lvl2pPr>
+            <a:lvl3pPr marL="1371600" marR="0" lvl="2" indent="-330200" algn="l" rtl="0">
+              <a:lnSpc>
+                <a:spcPct val="100000"/>
+              </a:lnSpc>
+              <a:spcBef>
+                <a:spcPts val="0"/>
+              </a:spcBef>
+              <a:spcAft>
+                <a:spcPts val="0"/>
+              </a:spcAft>
+              <a:buClr>
+                <a:schemeClr val="lt1"/>
+              </a:buClr>
+              <a:buSzPts val="1600"/>
+              <a:buFont typeface="Lato"/>
+              <a:buNone/>
+              <a:defRPr sz="1600" b="0" i="0" u="none" strike="noStrike" cap="none">
+                <a:solidFill>
+                  <a:schemeClr val="lt1"/>
+                </a:solidFill>
+                <a:latin typeface="Lato"/>
+                <a:ea typeface="Lato"/>
+                <a:cs typeface="Lato"/>
+                <a:sym typeface="Lato"/>
+              </a:defRPr>
+            </a:lvl3pPr>
+            <a:lvl4pPr marL="1828800" marR="0" lvl="3" indent="-330200" algn="l" rtl="0">
+              <a:lnSpc>
+                <a:spcPct val="100000"/>
+              </a:lnSpc>
+              <a:spcBef>
+                <a:spcPts val="0"/>
+              </a:spcBef>
+              <a:spcAft>
+                <a:spcPts val="0"/>
+              </a:spcAft>
+              <a:buClr>
+                <a:schemeClr val="lt1"/>
+              </a:buClr>
+              <a:buSzPts val="1600"/>
+              <a:buFont typeface="Lato"/>
+              <a:buNone/>
+              <a:defRPr sz="1600" b="0" i="0" u="none" strike="noStrike" cap="none">
+                <a:solidFill>
+                  <a:schemeClr val="lt1"/>
+                </a:solidFill>
+                <a:latin typeface="Lato"/>
+                <a:ea typeface="Lato"/>
+                <a:cs typeface="Lato"/>
+                <a:sym typeface="Lato"/>
+              </a:defRPr>
+            </a:lvl4pPr>
+            <a:lvl5pPr marL="2286000" marR="0" lvl="4" indent="-330200" algn="l" rtl="0">
+              <a:lnSpc>
+                <a:spcPct val="100000"/>
+              </a:lnSpc>
+              <a:spcBef>
+                <a:spcPts val="0"/>
+              </a:spcBef>
+              <a:spcAft>
+                <a:spcPts val="0"/>
+              </a:spcAft>
+              <a:buClr>
+                <a:schemeClr val="lt1"/>
+              </a:buClr>
+              <a:buSzPts val="1600"/>
+              <a:buFont typeface="Lato"/>
+              <a:buNone/>
+              <a:defRPr sz="1600" b="0" i="0" u="none" strike="noStrike" cap="none">
+                <a:solidFill>
+                  <a:schemeClr val="lt1"/>
+                </a:solidFill>
+                <a:latin typeface="Lato"/>
+                <a:ea typeface="Lato"/>
+                <a:cs typeface="Lato"/>
+                <a:sym typeface="Lato"/>
+              </a:defRPr>
+            </a:lvl5pPr>
+            <a:lvl6pPr marL="2743200" marR="0" lvl="5" indent="-330200" algn="l" rtl="0">
+              <a:lnSpc>
+                <a:spcPct val="100000"/>
+              </a:lnSpc>
+              <a:spcBef>
+                <a:spcPts val="0"/>
+              </a:spcBef>
+              <a:spcAft>
+                <a:spcPts val="0"/>
+              </a:spcAft>
+              <a:buClr>
+                <a:schemeClr val="lt1"/>
+              </a:buClr>
+              <a:buSzPts val="1600"/>
+              <a:buFont typeface="Lato"/>
+              <a:buNone/>
+              <a:defRPr sz="1600" b="0" i="0" u="none" strike="noStrike" cap="none">
+                <a:solidFill>
+                  <a:schemeClr val="lt1"/>
+                </a:solidFill>
+                <a:latin typeface="Lato"/>
+                <a:ea typeface="Lato"/>
+                <a:cs typeface="Lato"/>
+                <a:sym typeface="Lato"/>
+              </a:defRPr>
+            </a:lvl6pPr>
+            <a:lvl7pPr marL="3200400" marR="0" lvl="6" indent="-330200" algn="l" rtl="0">
+              <a:lnSpc>
+                <a:spcPct val="100000"/>
+              </a:lnSpc>
+              <a:spcBef>
+                <a:spcPts val="0"/>
+              </a:spcBef>
+              <a:spcAft>
+                <a:spcPts val="0"/>
+              </a:spcAft>
+              <a:buClr>
+                <a:schemeClr val="lt1"/>
+              </a:buClr>
+              <a:buSzPts val="1600"/>
+              <a:buFont typeface="Lato"/>
+              <a:buNone/>
+              <a:defRPr sz="1600" b="0" i="0" u="none" strike="noStrike" cap="none">
+                <a:solidFill>
+                  <a:schemeClr val="lt1"/>
+                </a:solidFill>
+                <a:latin typeface="Lato"/>
+                <a:ea typeface="Lato"/>
+                <a:cs typeface="Lato"/>
+                <a:sym typeface="Lato"/>
+              </a:defRPr>
+            </a:lvl7pPr>
+            <a:lvl8pPr marL="3657600" marR="0" lvl="7" indent="-330200" algn="l" rtl="0">
+              <a:lnSpc>
+                <a:spcPct val="100000"/>
+              </a:lnSpc>
+              <a:spcBef>
+                <a:spcPts val="0"/>
+              </a:spcBef>
+              <a:spcAft>
+                <a:spcPts val="0"/>
+              </a:spcAft>
+              <a:buClr>
+                <a:schemeClr val="lt1"/>
+              </a:buClr>
+              <a:buSzPts val="1600"/>
+              <a:buFont typeface="Lato"/>
+              <a:buNone/>
+              <a:defRPr sz="1600" b="0" i="0" u="none" strike="noStrike" cap="none">
+                <a:solidFill>
+                  <a:schemeClr val="lt1"/>
+                </a:solidFill>
+                <a:latin typeface="Lato"/>
+                <a:ea typeface="Lato"/>
+                <a:cs typeface="Lato"/>
+                <a:sym typeface="Lato"/>
+              </a:defRPr>
+            </a:lvl8pPr>
+            <a:lvl9pPr marL="4114800" marR="0" lvl="8" indent="-330200" algn="l" rtl="0">
+              <a:lnSpc>
+                <a:spcPct val="100000"/>
+              </a:lnSpc>
+              <a:spcBef>
+                <a:spcPts val="0"/>
+              </a:spcBef>
+              <a:spcAft>
+                <a:spcPts val="0"/>
+              </a:spcAft>
+              <a:buClr>
+                <a:schemeClr val="lt1"/>
+              </a:buClr>
+              <a:buSzPts val="1600"/>
+              <a:buFont typeface="Lato"/>
+              <a:buNone/>
+              <a:defRPr sz="1600" b="0" i="0" u="none" strike="noStrike" cap="none">
+                <a:solidFill>
+                  <a:schemeClr val="lt1"/>
+                </a:solidFill>
+                <a:latin typeface="Lato"/>
+                <a:ea typeface="Lato"/>
+                <a:cs typeface="Lato"/>
+                <a:sym typeface="Lato"/>
+              </a:defRPr>
+            </a:lvl9pPr>
+          </a:lstStyle>
+          <a:p>
+            <a:pPr marL="285750" indent="-285750" algn="l">
+              <a:buFont typeface="Arial" panose="020B0604020202020204" pitchFamily="34" charset="0"/>
+              <a:buChar char="•"/>
+            </a:pPr>
+            <a:r>
+              <a:rPr lang="en-SG" sz="1200" dirty="0"/>
+              <a:t>Can enjoy more starting salary as a data scientist</a:t>
+            </a:r>
+          </a:p>
+          <a:p>
+            <a:pPr marL="285750" indent="-285750" algn="l">
+              <a:buFont typeface="Arial" panose="020B0604020202020204" pitchFamily="34" charset="0"/>
+              <a:buChar char="•"/>
+            </a:pPr>
+            <a:r>
+              <a:rPr lang="en-SG" sz="1200" dirty="0"/>
+              <a:t>However, there a small number of data scientist willing to get lower than most min salary to enter the job market</a:t>
+            </a:r>
+          </a:p>
+          <a:p>
+            <a:pPr marL="285750" indent="-285750" algn="l">
+              <a:buFont typeface="Arial" panose="020B0604020202020204" pitchFamily="34" charset="0"/>
+              <a:buChar char="•"/>
+            </a:pPr>
+            <a:r>
+              <a:rPr lang="en-SG" sz="1200" dirty="0"/>
+              <a:t>Senior roles can fetch much higher salary than average (more than 200K). These salaries are usually doled out by large tech firms</a:t>
+            </a:r>
+          </a:p>
+          <a:p>
+            <a:pPr marL="285750" indent="-285750" algn="l">
+              <a:buFont typeface="Arial" panose="020B0604020202020204" pitchFamily="34" charset="0"/>
+              <a:buChar char="•"/>
+            </a:pPr>
+            <a:r>
+              <a:rPr lang="en-SG" sz="1200" dirty="0"/>
+              <a:t>Some firms recognised the importance of data engineers and they are also willing to pay high minimum salary  </a:t>
+            </a:r>
+            <a:endParaRPr lang="en-US" sz="1200" dirty="0"/>
+          </a:p>
+        </p:txBody>
+      </p:sp>
+      <p:cxnSp>
+        <p:nvCxnSpPr>
+          <p:cNvPr id="5" name="Straight Connector 4">
+            <a:extLst>
+              <a:ext uri="{FF2B5EF4-FFF2-40B4-BE49-F238E27FC236}">
+                <a16:creationId xmlns:a16="http://schemas.microsoft.com/office/drawing/2014/main" id="{122D2845-F17A-434F-8080-20559238303C}"/>
+              </a:ext>
+            </a:extLst>
+          </p:cNvPr>
+          <p:cNvCxnSpPr>
+            <a:cxnSpLocks/>
+          </p:cNvCxnSpPr>
+          <p:nvPr/>
+        </p:nvCxnSpPr>
+        <p:spPr>
+          <a:xfrm>
+            <a:off x="3521121" y="1477475"/>
+            <a:ext cx="0" cy="2071945"/>
+          </a:xfrm>
+          <a:prstGeom prst="line">
+            <a:avLst/>
+          </a:prstGeom>
+          <a:ln w="31750"/>
+        </p:spPr>
+        <p:style>
+          <a:lnRef idx="1">
+            <a:schemeClr val="dk1"/>
+          </a:lnRef>
+          <a:fillRef idx="0">
+            <a:schemeClr val="dk1"/>
+          </a:fillRef>
+          <a:effectRef idx="0">
+            <a:schemeClr val="dk1"/>
+          </a:effectRef>
+          <a:fontRef idx="minor">
+            <a:schemeClr val="tx1"/>
+          </a:fontRef>
+        </p:style>
+      </p:cxnSp>
+      <p:cxnSp>
+        <p:nvCxnSpPr>
+          <p:cNvPr id="13" name="Straight Connector 12">
+            <a:extLst>
+              <a:ext uri="{FF2B5EF4-FFF2-40B4-BE49-F238E27FC236}">
+                <a16:creationId xmlns:a16="http://schemas.microsoft.com/office/drawing/2014/main" id="{5E231F3E-E670-5E4F-894A-DB0B344375C1}"/>
+              </a:ext>
+            </a:extLst>
+          </p:cNvPr>
+          <p:cNvCxnSpPr>
+            <a:cxnSpLocks/>
+          </p:cNvCxnSpPr>
+          <p:nvPr/>
+        </p:nvCxnSpPr>
+        <p:spPr>
+          <a:xfrm>
+            <a:off x="2895600" y="1477475"/>
+            <a:ext cx="0" cy="2055653"/>
+          </a:xfrm>
+          <a:prstGeom prst="line">
+            <a:avLst/>
+          </a:prstGeom>
+          <a:ln w="31750"/>
+        </p:spPr>
+        <p:style>
+          <a:lnRef idx="1">
+            <a:schemeClr val="dk1"/>
+          </a:lnRef>
+          <a:fillRef idx="0">
+            <a:schemeClr val="dk1"/>
+          </a:fillRef>
+          <a:effectRef idx="0">
+            <a:schemeClr val="dk1"/>
+          </a:effectRef>
+          <a:fontRef idx="minor">
+            <a:schemeClr val="tx1"/>
+          </a:fontRef>
+        </p:style>
+      </p:cxnSp>
+      <p:cxnSp>
+        <p:nvCxnSpPr>
+          <p:cNvPr id="14" name="Straight Connector 13">
+            <a:extLst>
+              <a:ext uri="{FF2B5EF4-FFF2-40B4-BE49-F238E27FC236}">
+                <a16:creationId xmlns:a16="http://schemas.microsoft.com/office/drawing/2014/main" id="{F22073AF-7731-FA4E-87A0-1DAF26DF1CF0}"/>
+              </a:ext>
+            </a:extLst>
+          </p:cNvPr>
+          <p:cNvCxnSpPr>
+            <a:cxnSpLocks/>
+          </p:cNvCxnSpPr>
+          <p:nvPr/>
+        </p:nvCxnSpPr>
+        <p:spPr>
+          <a:xfrm>
+            <a:off x="3007056" y="1477475"/>
+            <a:ext cx="0" cy="2071945"/>
+          </a:xfrm>
+          <a:prstGeom prst="line">
+            <a:avLst/>
+          </a:prstGeom>
+          <a:ln w="31750"/>
+        </p:spPr>
+        <p:style>
+          <a:lnRef idx="1">
+            <a:schemeClr val="dk1"/>
+          </a:lnRef>
+          <a:fillRef idx="0">
+            <a:schemeClr val="dk1"/>
+          </a:fillRef>
+          <a:effectRef idx="0">
+            <a:schemeClr val="dk1"/>
+          </a:effectRef>
+          <a:fontRef idx="minor">
+            <a:schemeClr val="tx1"/>
+          </a:fontRef>
+        </p:style>
+      </p:cxnSp>
+      <p:sp>
+        <p:nvSpPr>
+          <p:cNvPr id="7" name="Oval 6">
+            <a:extLst>
+              <a:ext uri="{FF2B5EF4-FFF2-40B4-BE49-F238E27FC236}">
+                <a16:creationId xmlns:a16="http://schemas.microsoft.com/office/drawing/2014/main" id="{6191031E-DD8E-794E-9A22-A51E0AB8ADC4}"/>
+              </a:ext>
+            </a:extLst>
+          </p:cNvPr>
+          <p:cNvSpPr/>
+          <p:nvPr/>
+        </p:nvSpPr>
+        <p:spPr>
+          <a:xfrm>
+            <a:off x="6045958" y="1664575"/>
+            <a:ext cx="272955" cy="287055"/>
+          </a:xfrm>
+          <a:prstGeom prst="ellipse">
+            <a:avLst/>
+          </a:prstGeom>
+          <a:noFill/>
+          <a:ln w="28575">
+            <a:solidFill>
+              <a:schemeClr val="tx2">
+                <a:lumMod val="50000"/>
+              </a:schemeClr>
+            </a:solidFill>
+          </a:ln>
+        </p:spPr>
+        <p:style>
+          <a:lnRef idx="2">
+            <a:schemeClr val="accent1">
+              <a:shade val="50000"/>
+            </a:schemeClr>
+          </a:lnRef>
+          <a:fillRef idx="1">
+            <a:schemeClr val="accent1"/>
+          </a:fillRef>
+          <a:effectRef idx="0">
+            <a:schemeClr val="accent1"/>
+          </a:effectRef>
+          <a:fontRef idx="minor">
+            <a:schemeClr val="lt1"/>
+          </a:fontRef>
+        </p:style>
+        <p:txBody>
+          <a:bodyPr rtlCol="0" anchor="ctr"/>
+          <a:lstStyle/>
+          <a:p>
+            <a:pPr algn="ctr"/>
+            <a:endParaRPr lang="en-US"/>
+          </a:p>
+        </p:txBody>
+      </p:sp>
+      <p:sp>
+        <p:nvSpPr>
+          <p:cNvPr id="16" name="Oval 15">
+            <a:extLst>
+              <a:ext uri="{FF2B5EF4-FFF2-40B4-BE49-F238E27FC236}">
+                <a16:creationId xmlns:a16="http://schemas.microsoft.com/office/drawing/2014/main" id="{C192D4C7-EE19-A246-8A61-2B9BC8B87CEE}"/>
+              </a:ext>
+            </a:extLst>
+          </p:cNvPr>
+          <p:cNvSpPr/>
+          <p:nvPr/>
+        </p:nvSpPr>
+        <p:spPr>
+          <a:xfrm>
+            <a:off x="6018661" y="2743670"/>
+            <a:ext cx="272955" cy="287055"/>
+          </a:xfrm>
+          <a:prstGeom prst="ellipse">
+            <a:avLst/>
+          </a:prstGeom>
+          <a:noFill/>
+          <a:ln w="28575">
+            <a:solidFill>
+              <a:schemeClr val="tx2">
+                <a:lumMod val="50000"/>
+              </a:schemeClr>
+            </a:solidFill>
+          </a:ln>
+        </p:spPr>
+        <p:style>
+          <a:lnRef idx="2">
+            <a:schemeClr val="accent1">
+              <a:shade val="50000"/>
+            </a:schemeClr>
+          </a:lnRef>
+          <a:fillRef idx="1">
+            <a:schemeClr val="accent1"/>
+          </a:fillRef>
+          <a:effectRef idx="0">
+            <a:schemeClr val="accent1"/>
+          </a:effectRef>
+          <a:fontRef idx="minor">
+            <a:schemeClr val="lt1"/>
+          </a:fontRef>
+        </p:style>
+        <p:txBody>
+          <a:bodyPr rtlCol="0" anchor="ctr"/>
+          <a:lstStyle/>
+          <a:p>
+            <a:pPr algn="ctr"/>
+            <a:endParaRPr lang="en-US"/>
+          </a:p>
+        </p:txBody>
+      </p:sp>
+      <p:sp>
+        <p:nvSpPr>
+          <p:cNvPr id="17" name="Oval 16">
+            <a:extLst>
+              <a:ext uri="{FF2B5EF4-FFF2-40B4-BE49-F238E27FC236}">
+                <a16:creationId xmlns:a16="http://schemas.microsoft.com/office/drawing/2014/main" id="{642E815B-EF64-B641-8991-74459BFA8D94}"/>
+              </a:ext>
+            </a:extLst>
+          </p:cNvPr>
+          <p:cNvSpPr/>
+          <p:nvPr/>
+        </p:nvSpPr>
+        <p:spPr>
+          <a:xfrm>
+            <a:off x="4585622" y="2784614"/>
+            <a:ext cx="586464" cy="287055"/>
+          </a:xfrm>
+          <a:prstGeom prst="ellipse">
+            <a:avLst/>
+          </a:prstGeom>
+          <a:noFill/>
+          <a:ln w="28575">
+            <a:solidFill>
+              <a:schemeClr val="tx2">
+                <a:lumMod val="50000"/>
+              </a:schemeClr>
+            </a:solidFill>
+          </a:ln>
+        </p:spPr>
+        <p:style>
+          <a:lnRef idx="2">
+            <a:schemeClr val="accent1">
+              <a:shade val="50000"/>
+            </a:schemeClr>
+          </a:lnRef>
+          <a:fillRef idx="1">
+            <a:schemeClr val="accent1"/>
+          </a:fillRef>
+          <a:effectRef idx="0">
+            <a:schemeClr val="accent1"/>
+          </a:effectRef>
+          <a:fontRef idx="minor">
+            <a:schemeClr val="lt1"/>
+          </a:fontRef>
+        </p:style>
+        <p:txBody>
+          <a:bodyPr rtlCol="0" anchor="ctr"/>
+          <a:lstStyle/>
+          <a:p>
+            <a:pPr algn="ctr"/>
+            <a:endParaRPr lang="en-US"/>
+          </a:p>
+        </p:txBody>
+      </p:sp>
+      <p:sp>
+        <p:nvSpPr>
+          <p:cNvPr id="18" name="Oval 17">
+            <a:extLst>
+              <a:ext uri="{FF2B5EF4-FFF2-40B4-BE49-F238E27FC236}">
+                <a16:creationId xmlns:a16="http://schemas.microsoft.com/office/drawing/2014/main" id="{D79925EA-7342-B745-8E5A-C46443A61EB8}"/>
+              </a:ext>
+            </a:extLst>
+          </p:cNvPr>
+          <p:cNvSpPr/>
+          <p:nvPr/>
+        </p:nvSpPr>
+        <p:spPr>
+          <a:xfrm>
+            <a:off x="4647062" y="2457297"/>
+            <a:ext cx="746076" cy="286373"/>
+          </a:xfrm>
+          <a:prstGeom prst="ellipse">
+            <a:avLst/>
+          </a:prstGeom>
+          <a:noFill/>
+          <a:ln w="28575">
+            <a:solidFill>
+              <a:schemeClr val="tx2">
+                <a:lumMod val="50000"/>
+              </a:schemeClr>
+            </a:solidFill>
+          </a:ln>
+        </p:spPr>
+        <p:style>
+          <a:lnRef idx="2">
+            <a:schemeClr val="accent1">
+              <a:shade val="50000"/>
+            </a:schemeClr>
+          </a:lnRef>
+          <a:fillRef idx="1">
+            <a:schemeClr val="accent1"/>
+          </a:fillRef>
+          <a:effectRef idx="0">
+            <a:schemeClr val="accent1"/>
+          </a:effectRef>
+          <a:fontRef idx="minor">
+            <a:schemeClr val="lt1"/>
+          </a:fontRef>
+        </p:style>
+        <p:txBody>
+          <a:bodyPr rtlCol="0" anchor="ctr"/>
+          <a:lstStyle/>
+          <a:p>
+            <a:pPr algn="ctr"/>
+            <a:endParaRPr lang="en-US"/>
+          </a:p>
+        </p:txBody>
+      </p:sp>
+      <p:sp>
+        <p:nvSpPr>
+          <p:cNvPr id="19" name="Oval 18">
+            <a:extLst>
+              <a:ext uri="{FF2B5EF4-FFF2-40B4-BE49-F238E27FC236}">
+                <a16:creationId xmlns:a16="http://schemas.microsoft.com/office/drawing/2014/main" id="{4F773621-30BF-0E46-9D76-A16A97B119DF}"/>
+              </a:ext>
+            </a:extLst>
+          </p:cNvPr>
+          <p:cNvSpPr/>
+          <p:nvPr/>
+        </p:nvSpPr>
+        <p:spPr>
+          <a:xfrm>
+            <a:off x="1876593" y="1774209"/>
+            <a:ext cx="448071" cy="151933"/>
+          </a:xfrm>
+          <a:prstGeom prst="ellipse">
+            <a:avLst/>
+          </a:prstGeom>
+          <a:noFill/>
+          <a:ln w="28575">
+            <a:solidFill>
+              <a:schemeClr val="tx2">
+                <a:lumMod val="50000"/>
+              </a:schemeClr>
+            </a:solidFill>
+          </a:ln>
+        </p:spPr>
+        <p:style>
+          <a:lnRef idx="2">
+            <a:schemeClr val="accent1">
+              <a:shade val="50000"/>
+            </a:schemeClr>
+          </a:lnRef>
+          <a:fillRef idx="1">
+            <a:schemeClr val="accent1"/>
+          </a:fillRef>
+          <a:effectRef idx="0">
+            <a:schemeClr val="accent1"/>
+          </a:effectRef>
+          <a:fontRef idx="minor">
+            <a:schemeClr val="lt1"/>
+          </a:fontRef>
+        </p:style>
+        <p:txBody>
+          <a:bodyPr rtlCol="0" anchor="ctr"/>
+          <a:lstStyle/>
+          <a:p>
+            <a:pPr algn="ctr"/>
+            <a:endParaRPr lang="en-US"/>
+          </a:p>
+        </p:txBody>
+      </p:sp>
+      <p:sp>
+        <p:nvSpPr>
+          <p:cNvPr id="20" name="Oval 19">
+            <a:extLst>
+              <a:ext uri="{FF2B5EF4-FFF2-40B4-BE49-F238E27FC236}">
+                <a16:creationId xmlns:a16="http://schemas.microsoft.com/office/drawing/2014/main" id="{FAA63016-F50A-1544-B616-72D9B38A3908}"/>
+              </a:ext>
+            </a:extLst>
+          </p:cNvPr>
+          <p:cNvSpPr/>
+          <p:nvPr/>
+        </p:nvSpPr>
+        <p:spPr>
+          <a:xfrm>
+            <a:off x="1878865" y="2022145"/>
+            <a:ext cx="448071" cy="151933"/>
+          </a:xfrm>
+          <a:prstGeom prst="ellipse">
+            <a:avLst/>
+          </a:prstGeom>
+          <a:noFill/>
+          <a:ln w="28575">
+            <a:solidFill>
+              <a:schemeClr val="tx2">
+                <a:lumMod val="50000"/>
+              </a:schemeClr>
+            </a:solidFill>
+          </a:ln>
+        </p:spPr>
+        <p:style>
+          <a:lnRef idx="2">
+            <a:schemeClr val="accent1">
+              <a:shade val="50000"/>
+            </a:schemeClr>
+          </a:lnRef>
+          <a:fillRef idx="1">
+            <a:schemeClr val="accent1"/>
+          </a:fillRef>
+          <a:effectRef idx="0">
+            <a:schemeClr val="accent1"/>
+          </a:effectRef>
+          <a:fontRef idx="minor">
+            <a:schemeClr val="lt1"/>
+          </a:fontRef>
+        </p:style>
+        <p:txBody>
+          <a:bodyPr rtlCol="0" anchor="ctr"/>
+          <a:lstStyle/>
+          <a:p>
+            <a:pPr algn="ctr"/>
+            <a:endParaRPr lang="en-US"/>
+          </a:p>
+        </p:txBody>
+      </p:sp>
+      <p:sp>
+        <p:nvSpPr>
+          <p:cNvPr id="21" name="Oval 20">
+            <a:extLst>
+              <a:ext uri="{FF2B5EF4-FFF2-40B4-BE49-F238E27FC236}">
+                <a16:creationId xmlns:a16="http://schemas.microsoft.com/office/drawing/2014/main" id="{7B771D17-BC75-5F4D-A612-59CDA9E03F9A}"/>
+              </a:ext>
+            </a:extLst>
+          </p:cNvPr>
+          <p:cNvSpPr/>
+          <p:nvPr/>
+        </p:nvSpPr>
+        <p:spPr>
+          <a:xfrm>
+            <a:off x="1908433" y="2638569"/>
+            <a:ext cx="448071" cy="151933"/>
+          </a:xfrm>
+          <a:prstGeom prst="ellipse">
+            <a:avLst/>
+          </a:prstGeom>
+          <a:noFill/>
+          <a:ln w="28575">
+            <a:solidFill>
+              <a:schemeClr val="tx2">
+                <a:lumMod val="50000"/>
+              </a:schemeClr>
+            </a:solidFill>
+          </a:ln>
+        </p:spPr>
+        <p:style>
+          <a:lnRef idx="2">
+            <a:schemeClr val="accent1">
+              <a:shade val="50000"/>
+            </a:schemeClr>
+          </a:lnRef>
+          <a:fillRef idx="1">
+            <a:schemeClr val="accent1"/>
+          </a:fillRef>
+          <a:effectRef idx="0">
+            <a:schemeClr val="accent1"/>
+          </a:effectRef>
+          <a:fontRef idx="minor">
+            <a:schemeClr val="lt1"/>
+          </a:fontRef>
+        </p:style>
+        <p:txBody>
+          <a:bodyPr rtlCol="0" anchor="ctr"/>
+          <a:lstStyle/>
+          <a:p>
+            <a:pPr algn="ctr"/>
+            <a:endParaRPr lang="en-US"/>
+          </a:p>
+        </p:txBody>
+      </p:sp>
+      <p:sp>
+        <p:nvSpPr>
+          <p:cNvPr id="22" name="Google Shape;363;p36">
+            <a:extLst>
+              <a:ext uri="{FF2B5EF4-FFF2-40B4-BE49-F238E27FC236}">
+                <a16:creationId xmlns:a16="http://schemas.microsoft.com/office/drawing/2014/main" id="{75ED8DBD-1A3D-2544-9FF4-22901C5DF5FD}"/>
+              </a:ext>
+            </a:extLst>
+          </p:cNvPr>
+          <p:cNvSpPr txBox="1">
+            <a:spLocks noGrp="1"/>
+          </p:cNvSpPr>
+          <p:nvPr>
+            <p:ph type="subTitle" idx="1"/>
+          </p:nvPr>
+        </p:nvSpPr>
+        <p:spPr>
+          <a:xfrm>
+            <a:off x="6694306" y="1201384"/>
+            <a:ext cx="2270666" cy="2548618"/>
+          </a:xfrm>
+          <a:prstGeom prst="rect">
+            <a:avLst/>
+          </a:prstGeom>
+        </p:spPr>
+        <p:txBody>
+          <a:bodyPr spcFirstLastPara="1" wrap="square" lIns="91425" tIns="91425" rIns="91425" bIns="91425" anchor="t" anchorCtr="0">
+            <a:noAutofit/>
+          </a:bodyPr>
+          <a:lstStyle/>
+          <a:p>
+            <a:pPr marL="285750" indent="-285750" algn="l">
+              <a:buFont typeface="Arial" panose="020B0604020202020204" pitchFamily="34" charset="0"/>
+              <a:buChar char="•"/>
+            </a:pPr>
+            <a:r>
+              <a:rPr lang="en-US" sz="1200" dirty="0"/>
+              <a:t>Start minimum range is higher for data scientist compared to data analyst or data engineer</a:t>
+            </a:r>
+          </a:p>
+          <a:p>
+            <a:pPr marL="285750" indent="-285750" algn="l">
+              <a:buFont typeface="Arial" panose="020B0604020202020204" pitchFamily="34" charset="0"/>
+              <a:buChar char="•"/>
+            </a:pPr>
+            <a:r>
+              <a:rPr lang="en-US" sz="1200" dirty="0"/>
+              <a:t>Low outlier range for senior data scientist, data scientist, machine learning engineer</a:t>
+            </a:r>
+          </a:p>
+          <a:p>
+            <a:pPr marL="285750" indent="-285750" algn="l">
+              <a:buFont typeface="Arial" panose="020B0604020202020204" pitchFamily="34" charset="0"/>
+              <a:buChar char="•"/>
+            </a:pPr>
+            <a:r>
+              <a:rPr lang="en-US" sz="1200" dirty="0"/>
+              <a:t>High outlier range for senior data scientist, senior data engineer, senior data analyst, big data engineer</a:t>
+            </a:r>
+          </a:p>
+        </p:txBody>
+      </p:sp>
+    </p:spTree>
+    <p:extLst>
+      <p:ext uri="{BB962C8B-B14F-4D97-AF65-F5344CB8AC3E}">
+        <p14:creationId xmlns:p14="http://schemas.microsoft.com/office/powerpoint/2010/main" val="4179721286"/>
+      </p:ext>
+    </p:extLst>
+  </p:cSld>
+  <p:clrMapOvr>
+    <a:masterClrMapping/>
+  </p:clrMapOvr>
+</p:sld>
+</file>
+
+<file path=ppt/slides/slide25.xml><?xml version="1.0" encoding="utf-8"?>
+<p:sld xmlns:a="http://schemas.openxmlformats.org/drawingml/2006/main" xmlns:r="http://schemas.openxmlformats.org/officeDocument/2006/relationships" xmlns:p="http://schemas.openxmlformats.org/presentationml/2006/main">
+  <p:cSld>
+    <p:spTree>
+      <p:nvGrpSpPr>
+        <p:cNvPr id="1" name="Shape 359"/>
+        <p:cNvGrpSpPr/>
+        <p:nvPr/>
+      </p:nvGrpSpPr>
+      <p:grpSpPr>
+        <a:xfrm>
+          <a:off x="0" y="0"/>
+          <a:ext cx="0" cy="0"/>
+          <a:chOff x="0" y="0"/>
+          <a:chExt cx="0" cy="0"/>
+        </a:xfrm>
+      </p:grpSpPr>
+      <p:sp>
+        <p:nvSpPr>
+          <p:cNvPr id="360" name="Google Shape;360;p36"/>
+          <p:cNvSpPr/>
+          <p:nvPr/>
+        </p:nvSpPr>
+        <p:spPr>
+          <a:xfrm rot="-147394" flipH="1">
+            <a:off x="-31478" y="-267592"/>
+            <a:ext cx="8602005" cy="1561434"/>
+          </a:xfrm>
+          <a:prstGeom prst="rect">
+            <a:avLst/>
+          </a:prstGeom>
+          <a:solidFill>
+            <a:schemeClr val="accent1"/>
+          </a:solidFill>
+          <a:ln>
+            <a:noFill/>
+          </a:ln>
+        </p:spPr>
+        <p:txBody>
+          <a:bodyPr spcFirstLastPara="1" wrap="square" lIns="91425" tIns="91425" rIns="91425" bIns="91425" anchor="ctr" anchorCtr="0">
+            <a:noAutofit/>
+          </a:bodyPr>
+          <a:lstStyle/>
+          <a:p>
+            <a:pPr marL="0" lvl="0" indent="0" algn="l" rtl="0">
+              <a:spcBef>
+                <a:spcPts val="0"/>
+              </a:spcBef>
+              <a:spcAft>
+                <a:spcPts val="0"/>
+              </a:spcAft>
+              <a:buNone/>
+            </a:pPr>
+            <a:endParaRPr/>
+          </a:p>
+        </p:txBody>
+      </p:sp>
+      <p:sp>
+        <p:nvSpPr>
+          <p:cNvPr id="361" name="Google Shape;361;p36"/>
+          <p:cNvSpPr txBox="1">
+            <a:spLocks noGrp="1"/>
+          </p:cNvSpPr>
+          <p:nvPr>
+            <p:ph type="title"/>
+          </p:nvPr>
+        </p:nvSpPr>
+        <p:spPr>
+          <a:xfrm>
+            <a:off x="713225" y="539500"/>
+            <a:ext cx="7717500" cy="572700"/>
+          </a:xfrm>
+          <a:prstGeom prst="rect">
+            <a:avLst/>
+          </a:prstGeom>
+        </p:spPr>
+        <p:txBody>
+          <a:bodyPr spcFirstLastPara="1" wrap="square" lIns="91425" tIns="91425" rIns="91425" bIns="91425" anchor="ctr" anchorCtr="0">
+            <a:noAutofit/>
+          </a:bodyPr>
+          <a:lstStyle/>
+          <a:p>
+            <a:pPr marL="0" lvl="0" indent="0" algn="l" rtl="0">
+              <a:spcBef>
+                <a:spcPts val="0"/>
+              </a:spcBef>
+              <a:spcAft>
+                <a:spcPts val="0"/>
+              </a:spcAft>
+              <a:buNone/>
+            </a:pPr>
+            <a:r>
+              <a:rPr lang="en" dirty="0"/>
+              <a:t>TOP 10 SALARIES MAXIMUM RANGE</a:t>
+            </a:r>
+            <a:endParaRPr dirty="0"/>
+          </a:p>
+        </p:txBody>
+      </p:sp>
+      <p:grpSp>
+        <p:nvGrpSpPr>
+          <p:cNvPr id="370" name="Google Shape;370;p36"/>
+          <p:cNvGrpSpPr/>
+          <p:nvPr/>
+        </p:nvGrpSpPr>
+        <p:grpSpPr>
+          <a:xfrm>
+            <a:off x="-145105" y="2610211"/>
+            <a:ext cx="934519" cy="1551265"/>
+            <a:chOff x="197288" y="2680499"/>
+            <a:chExt cx="1156726" cy="1920120"/>
+          </a:xfrm>
+        </p:grpSpPr>
+        <p:sp>
+          <p:nvSpPr>
+            <p:cNvPr id="371" name="Google Shape;371;p36"/>
+            <p:cNvSpPr/>
+            <p:nvPr/>
+          </p:nvSpPr>
+          <p:spPr>
+            <a:xfrm>
+              <a:off x="197288" y="3755754"/>
+              <a:ext cx="945928" cy="844864"/>
+            </a:xfrm>
+            <a:custGeom>
+              <a:avLst/>
+              <a:gdLst/>
+              <a:ahLst/>
+              <a:cxnLst/>
+              <a:rect l="l" t="t" r="r" b="b"/>
+              <a:pathLst>
+                <a:path w="8873" h="7925" fill="none" extrusionOk="0">
+                  <a:moveTo>
+                    <a:pt x="6411" y="7924"/>
+                  </a:moveTo>
+                  <a:lnTo>
+                    <a:pt x="1026" y="3873"/>
+                  </a:lnTo>
+                  <a:cubicBezTo>
+                    <a:pt x="180" y="3232"/>
+                    <a:pt x="0" y="2052"/>
+                    <a:pt x="641" y="1206"/>
+                  </a:cubicBezTo>
+                  <a:lnTo>
+                    <a:pt x="795" y="1001"/>
+                  </a:lnTo>
+                  <a:cubicBezTo>
+                    <a:pt x="1436" y="154"/>
+                    <a:pt x="2616" y="1"/>
+                    <a:pt x="3462" y="616"/>
+                  </a:cubicBezTo>
+                  <a:lnTo>
+                    <a:pt x="8872" y="4668"/>
+                  </a:lnTo>
+                  <a:lnTo>
+                    <a:pt x="8462" y="5206"/>
+                  </a:lnTo>
+                  <a:cubicBezTo>
+                    <a:pt x="7770" y="6129"/>
+                    <a:pt x="6462" y="6309"/>
+                    <a:pt x="5565" y="5616"/>
+                  </a:cubicBezTo>
+                  <a:lnTo>
+                    <a:pt x="2616" y="3411"/>
+                  </a:lnTo>
+                  <a:cubicBezTo>
+                    <a:pt x="2308" y="3180"/>
+                    <a:pt x="2257" y="2770"/>
+                    <a:pt x="2488" y="2488"/>
+                  </a:cubicBezTo>
+                  <a:lnTo>
+                    <a:pt x="2667" y="2231"/>
+                  </a:lnTo>
+                  <a:cubicBezTo>
+                    <a:pt x="2898" y="1924"/>
+                    <a:pt x="3308" y="1872"/>
+                    <a:pt x="3590" y="2078"/>
+                  </a:cubicBezTo>
+                  <a:lnTo>
+                    <a:pt x="5821" y="3770"/>
+                  </a:lnTo>
+                </a:path>
+              </a:pathLst>
+            </a:custGeom>
+            <a:noFill/>
+            <a:ln w="28575" cap="rnd" cmpd="sng">
+              <a:solidFill>
+                <a:schemeClr val="dk1"/>
+              </a:solidFill>
+              <a:prstDash val="solid"/>
+              <a:miter lim="25642"/>
+              <a:headEnd type="none" w="sm" len="sm"/>
+              <a:tailEnd type="none" w="sm" len="sm"/>
+            </a:ln>
+          </p:spPr>
+          <p:txBody>
+            <a:bodyPr spcFirstLastPara="1" wrap="square" lIns="91425" tIns="91425" rIns="91425" bIns="91425" anchor="ctr" anchorCtr="0">
+              <a:noAutofit/>
+            </a:bodyPr>
+            <a:lstStyle/>
+            <a:p>
+              <a:pPr marL="0" lvl="0" indent="0" algn="l" rtl="0">
+                <a:spcBef>
+                  <a:spcPts val="0"/>
+                </a:spcBef>
+                <a:spcAft>
+                  <a:spcPts val="0"/>
+                </a:spcAft>
+                <a:buNone/>
+              </a:pPr>
+              <a:endParaRPr/>
+            </a:p>
+          </p:txBody>
+        </p:sp>
+        <p:sp>
+          <p:nvSpPr>
+            <p:cNvPr id="372" name="Google Shape;372;p36"/>
+            <p:cNvSpPr/>
+            <p:nvPr/>
+          </p:nvSpPr>
+          <p:spPr>
+            <a:xfrm rot="4438647">
+              <a:off x="344493" y="2829254"/>
+              <a:ext cx="945918" cy="844855"/>
+            </a:xfrm>
+            <a:custGeom>
+              <a:avLst/>
+              <a:gdLst/>
+              <a:ahLst/>
+              <a:cxnLst/>
+              <a:rect l="l" t="t" r="r" b="b"/>
+              <a:pathLst>
+                <a:path w="8873" h="7925" fill="none" extrusionOk="0">
+                  <a:moveTo>
+                    <a:pt x="6411" y="7924"/>
+                  </a:moveTo>
+                  <a:lnTo>
+                    <a:pt x="1026" y="3873"/>
+                  </a:lnTo>
+                  <a:cubicBezTo>
+                    <a:pt x="180" y="3232"/>
+                    <a:pt x="0" y="2052"/>
+                    <a:pt x="641" y="1206"/>
+                  </a:cubicBezTo>
+                  <a:lnTo>
+                    <a:pt x="795" y="1001"/>
+                  </a:lnTo>
+                  <a:cubicBezTo>
+                    <a:pt x="1436" y="154"/>
+                    <a:pt x="2616" y="1"/>
+                    <a:pt x="3462" y="616"/>
+                  </a:cubicBezTo>
+                  <a:lnTo>
+                    <a:pt x="8872" y="4668"/>
+                  </a:lnTo>
+                  <a:lnTo>
+                    <a:pt x="8462" y="5206"/>
+                  </a:lnTo>
+                  <a:cubicBezTo>
+                    <a:pt x="7770" y="6129"/>
+                    <a:pt x="6462" y="6309"/>
+                    <a:pt x="5565" y="5616"/>
+                  </a:cubicBezTo>
+                  <a:lnTo>
+                    <a:pt x="2616" y="3411"/>
+                  </a:lnTo>
+                  <a:cubicBezTo>
+                    <a:pt x="2308" y="3180"/>
+                    <a:pt x="2257" y="2770"/>
+                    <a:pt x="2488" y="2488"/>
+                  </a:cubicBezTo>
+                  <a:lnTo>
+                    <a:pt x="2667" y="2231"/>
+                  </a:lnTo>
+                  <a:cubicBezTo>
+                    <a:pt x="2898" y="1924"/>
+                    <a:pt x="3308" y="1872"/>
+                    <a:pt x="3590" y="2078"/>
+                  </a:cubicBezTo>
+                  <a:lnTo>
+                    <a:pt x="5821" y="3770"/>
+                  </a:lnTo>
+                </a:path>
+              </a:pathLst>
+            </a:custGeom>
+            <a:noFill/>
+            <a:ln w="28575" cap="rnd" cmpd="sng">
+              <a:solidFill>
+                <a:schemeClr val="dk1"/>
+              </a:solidFill>
+              <a:prstDash val="solid"/>
+              <a:miter lim="25642"/>
+              <a:headEnd type="none" w="sm" len="sm"/>
+              <a:tailEnd type="none" w="sm" len="sm"/>
+            </a:ln>
+          </p:spPr>
+          <p:txBody>
+            <a:bodyPr spcFirstLastPara="1" wrap="square" lIns="91425" tIns="91425" rIns="91425" bIns="91425" anchor="ctr" anchorCtr="0">
+              <a:noAutofit/>
+            </a:bodyPr>
+            <a:lstStyle/>
+            <a:p>
+              <a:pPr marL="0" lvl="0" indent="0" algn="l" rtl="0">
+                <a:spcBef>
+                  <a:spcPts val="0"/>
+                </a:spcBef>
+                <a:spcAft>
+                  <a:spcPts val="0"/>
+                </a:spcAft>
+                <a:buNone/>
+              </a:pPr>
+              <a:endParaRPr/>
+            </a:p>
+          </p:txBody>
+        </p:sp>
+      </p:grpSp>
       <p:pic>
         <p:nvPicPr>
           <p:cNvPr id="4" name="Picture 3">
@@ -24676,14 +28253,14 @@
           <p:nvPr/>
         </p:nvPicPr>
         <p:blipFill>
-          <a:blip r:embed="rId4"/>
+          <a:blip r:embed="rId3"/>
           <a:stretch>
             <a:fillRect/>
           </a:stretch>
         </p:blipFill>
         <p:spPr>
           <a:xfrm>
-            <a:off x="1428750" y="3278826"/>
+            <a:off x="951075" y="1600146"/>
             <a:ext cx="6362700" cy="1765300"/>
           </a:xfrm>
           <a:prstGeom prst="rect">
@@ -24691,10 +28268,731 @@
           </a:prstGeom>
         </p:spPr>
       </p:pic>
+      <p:sp>
+        <p:nvSpPr>
+          <p:cNvPr id="9" name="Google Shape;363;p36">
+            <a:extLst>
+              <a:ext uri="{FF2B5EF4-FFF2-40B4-BE49-F238E27FC236}">
+                <a16:creationId xmlns:a16="http://schemas.microsoft.com/office/drawing/2014/main" id="{981D642A-2608-5C49-9E48-6C8854029AC3}"/>
+              </a:ext>
+            </a:extLst>
+          </p:cNvPr>
+          <p:cNvSpPr txBox="1">
+            <a:spLocks/>
+          </p:cNvSpPr>
+          <p:nvPr/>
+        </p:nvSpPr>
+        <p:spPr>
+          <a:xfrm>
+            <a:off x="816664" y="3549420"/>
+            <a:ext cx="7044446" cy="1173479"/>
+          </a:xfrm>
+          <a:prstGeom prst="rect">
+            <a:avLst/>
+          </a:prstGeom>
+          <a:noFill/>
+          <a:ln>
+            <a:noFill/>
+          </a:ln>
+        </p:spPr>
+        <p:txBody>
+          <a:bodyPr spcFirstLastPara="1" wrap="square" lIns="91425" tIns="91425" rIns="91425" bIns="91425" anchor="t" anchorCtr="0">
+            <a:noAutofit/>
+          </a:bodyPr>
+          <a:lstStyle>
+            <a:defPPr marR="0" lvl="0" algn="l" rtl="0">
+              <a:lnSpc>
+                <a:spcPct val="100000"/>
+              </a:lnSpc>
+              <a:spcBef>
+                <a:spcPts val="0"/>
+              </a:spcBef>
+              <a:spcAft>
+                <a:spcPts val="0"/>
+              </a:spcAft>
+            </a:defPPr>
+            <a:lvl1pPr marL="457200" marR="0" lvl="0" indent="-330200" algn="ctr" rtl="0">
+              <a:lnSpc>
+                <a:spcPct val="100000"/>
+              </a:lnSpc>
+              <a:spcBef>
+                <a:spcPts val="0"/>
+              </a:spcBef>
+              <a:spcAft>
+                <a:spcPts val="0"/>
+              </a:spcAft>
+              <a:buClr>
+                <a:schemeClr val="lt1"/>
+              </a:buClr>
+              <a:buSzPts val="1600"/>
+              <a:buFont typeface="Lato"/>
+              <a:buNone/>
+              <a:defRPr sz="1600" b="0" i="0" u="none" strike="noStrike" cap="none">
+                <a:solidFill>
+                  <a:schemeClr val="lt1"/>
+                </a:solidFill>
+                <a:latin typeface="Lato"/>
+                <a:ea typeface="Lato"/>
+                <a:cs typeface="Lato"/>
+                <a:sym typeface="Lato"/>
+              </a:defRPr>
+            </a:lvl1pPr>
+            <a:lvl2pPr marL="914400" marR="0" lvl="1" indent="-330200" algn="l" rtl="0">
+              <a:lnSpc>
+                <a:spcPct val="100000"/>
+              </a:lnSpc>
+              <a:spcBef>
+                <a:spcPts val="0"/>
+              </a:spcBef>
+              <a:spcAft>
+                <a:spcPts val="0"/>
+              </a:spcAft>
+              <a:buClr>
+                <a:schemeClr val="lt1"/>
+              </a:buClr>
+              <a:buSzPts val="1600"/>
+              <a:buFont typeface="Lato"/>
+              <a:buNone/>
+              <a:defRPr sz="1600" b="0" i="0" u="none" strike="noStrike" cap="none">
+                <a:solidFill>
+                  <a:schemeClr val="lt1"/>
+                </a:solidFill>
+                <a:latin typeface="Lato"/>
+                <a:ea typeface="Lato"/>
+                <a:cs typeface="Lato"/>
+                <a:sym typeface="Lato"/>
+              </a:defRPr>
+            </a:lvl2pPr>
+            <a:lvl3pPr marL="1371600" marR="0" lvl="2" indent="-330200" algn="l" rtl="0">
+              <a:lnSpc>
+                <a:spcPct val="100000"/>
+              </a:lnSpc>
+              <a:spcBef>
+                <a:spcPts val="0"/>
+              </a:spcBef>
+              <a:spcAft>
+                <a:spcPts val="0"/>
+              </a:spcAft>
+              <a:buClr>
+                <a:schemeClr val="lt1"/>
+              </a:buClr>
+              <a:buSzPts val="1600"/>
+              <a:buFont typeface="Lato"/>
+              <a:buNone/>
+              <a:defRPr sz="1600" b="0" i="0" u="none" strike="noStrike" cap="none">
+                <a:solidFill>
+                  <a:schemeClr val="lt1"/>
+                </a:solidFill>
+                <a:latin typeface="Lato"/>
+                <a:ea typeface="Lato"/>
+                <a:cs typeface="Lato"/>
+                <a:sym typeface="Lato"/>
+              </a:defRPr>
+            </a:lvl3pPr>
+            <a:lvl4pPr marL="1828800" marR="0" lvl="3" indent="-330200" algn="l" rtl="0">
+              <a:lnSpc>
+                <a:spcPct val="100000"/>
+              </a:lnSpc>
+              <a:spcBef>
+                <a:spcPts val="0"/>
+              </a:spcBef>
+              <a:spcAft>
+                <a:spcPts val="0"/>
+              </a:spcAft>
+              <a:buClr>
+                <a:schemeClr val="lt1"/>
+              </a:buClr>
+              <a:buSzPts val="1600"/>
+              <a:buFont typeface="Lato"/>
+              <a:buNone/>
+              <a:defRPr sz="1600" b="0" i="0" u="none" strike="noStrike" cap="none">
+                <a:solidFill>
+                  <a:schemeClr val="lt1"/>
+                </a:solidFill>
+                <a:latin typeface="Lato"/>
+                <a:ea typeface="Lato"/>
+                <a:cs typeface="Lato"/>
+                <a:sym typeface="Lato"/>
+              </a:defRPr>
+            </a:lvl4pPr>
+            <a:lvl5pPr marL="2286000" marR="0" lvl="4" indent="-330200" algn="l" rtl="0">
+              <a:lnSpc>
+                <a:spcPct val="100000"/>
+              </a:lnSpc>
+              <a:spcBef>
+                <a:spcPts val="0"/>
+              </a:spcBef>
+              <a:spcAft>
+                <a:spcPts val="0"/>
+              </a:spcAft>
+              <a:buClr>
+                <a:schemeClr val="lt1"/>
+              </a:buClr>
+              <a:buSzPts val="1600"/>
+              <a:buFont typeface="Lato"/>
+              <a:buNone/>
+              <a:defRPr sz="1600" b="0" i="0" u="none" strike="noStrike" cap="none">
+                <a:solidFill>
+                  <a:schemeClr val="lt1"/>
+                </a:solidFill>
+                <a:latin typeface="Lato"/>
+                <a:ea typeface="Lato"/>
+                <a:cs typeface="Lato"/>
+                <a:sym typeface="Lato"/>
+              </a:defRPr>
+            </a:lvl5pPr>
+            <a:lvl6pPr marL="2743200" marR="0" lvl="5" indent="-330200" algn="l" rtl="0">
+              <a:lnSpc>
+                <a:spcPct val="100000"/>
+              </a:lnSpc>
+              <a:spcBef>
+                <a:spcPts val="0"/>
+              </a:spcBef>
+              <a:spcAft>
+                <a:spcPts val="0"/>
+              </a:spcAft>
+              <a:buClr>
+                <a:schemeClr val="lt1"/>
+              </a:buClr>
+              <a:buSzPts val="1600"/>
+              <a:buFont typeface="Lato"/>
+              <a:buNone/>
+              <a:defRPr sz="1600" b="0" i="0" u="none" strike="noStrike" cap="none">
+                <a:solidFill>
+                  <a:schemeClr val="lt1"/>
+                </a:solidFill>
+                <a:latin typeface="Lato"/>
+                <a:ea typeface="Lato"/>
+                <a:cs typeface="Lato"/>
+                <a:sym typeface="Lato"/>
+              </a:defRPr>
+            </a:lvl6pPr>
+            <a:lvl7pPr marL="3200400" marR="0" lvl="6" indent="-330200" algn="l" rtl="0">
+              <a:lnSpc>
+                <a:spcPct val="100000"/>
+              </a:lnSpc>
+              <a:spcBef>
+                <a:spcPts val="0"/>
+              </a:spcBef>
+              <a:spcAft>
+                <a:spcPts val="0"/>
+              </a:spcAft>
+              <a:buClr>
+                <a:schemeClr val="lt1"/>
+              </a:buClr>
+              <a:buSzPts val="1600"/>
+              <a:buFont typeface="Lato"/>
+              <a:buNone/>
+              <a:defRPr sz="1600" b="0" i="0" u="none" strike="noStrike" cap="none">
+                <a:solidFill>
+                  <a:schemeClr val="lt1"/>
+                </a:solidFill>
+                <a:latin typeface="Lato"/>
+                <a:ea typeface="Lato"/>
+                <a:cs typeface="Lato"/>
+                <a:sym typeface="Lato"/>
+              </a:defRPr>
+            </a:lvl7pPr>
+            <a:lvl8pPr marL="3657600" marR="0" lvl="7" indent="-330200" algn="l" rtl="0">
+              <a:lnSpc>
+                <a:spcPct val="100000"/>
+              </a:lnSpc>
+              <a:spcBef>
+                <a:spcPts val="0"/>
+              </a:spcBef>
+              <a:spcAft>
+                <a:spcPts val="0"/>
+              </a:spcAft>
+              <a:buClr>
+                <a:schemeClr val="lt1"/>
+              </a:buClr>
+              <a:buSzPts val="1600"/>
+              <a:buFont typeface="Lato"/>
+              <a:buNone/>
+              <a:defRPr sz="1600" b="0" i="0" u="none" strike="noStrike" cap="none">
+                <a:solidFill>
+                  <a:schemeClr val="lt1"/>
+                </a:solidFill>
+                <a:latin typeface="Lato"/>
+                <a:ea typeface="Lato"/>
+                <a:cs typeface="Lato"/>
+                <a:sym typeface="Lato"/>
+              </a:defRPr>
+            </a:lvl8pPr>
+            <a:lvl9pPr marL="4114800" marR="0" lvl="8" indent="-330200" algn="l" rtl="0">
+              <a:lnSpc>
+                <a:spcPct val="100000"/>
+              </a:lnSpc>
+              <a:spcBef>
+                <a:spcPts val="0"/>
+              </a:spcBef>
+              <a:spcAft>
+                <a:spcPts val="0"/>
+              </a:spcAft>
+              <a:buClr>
+                <a:schemeClr val="lt1"/>
+              </a:buClr>
+              <a:buSzPts val="1600"/>
+              <a:buFont typeface="Lato"/>
+              <a:buNone/>
+              <a:defRPr sz="1600" b="0" i="0" u="none" strike="noStrike" cap="none">
+                <a:solidFill>
+                  <a:schemeClr val="lt1"/>
+                </a:solidFill>
+                <a:latin typeface="Lato"/>
+                <a:ea typeface="Lato"/>
+                <a:cs typeface="Lato"/>
+                <a:sym typeface="Lato"/>
+              </a:defRPr>
+            </a:lvl9pPr>
+          </a:lstStyle>
+          <a:p>
+            <a:pPr marL="285750" indent="-285750" algn="l">
+              <a:buFont typeface="Arial" panose="020B0604020202020204" pitchFamily="34" charset="0"/>
+              <a:buChar char="•"/>
+            </a:pPr>
+            <a:r>
+              <a:rPr lang="en-SG" sz="1200" dirty="0"/>
+              <a:t>Senior positions can earn as much as 250K or more. Possibility is more for senior data scientist or data analyst </a:t>
+            </a:r>
+          </a:p>
+          <a:p>
+            <a:pPr marL="285750" indent="-285750" algn="l">
+              <a:buFont typeface="Arial" panose="020B0604020202020204" pitchFamily="34" charset="0"/>
+              <a:buChar char="•"/>
+            </a:pPr>
+            <a:r>
+              <a:rPr lang="en-SG" sz="1200" dirty="0"/>
+              <a:t>As gain more experience and gain senior positions, salary variability is very similar among data scientist, data engineer, data analyst </a:t>
+            </a:r>
+            <a:endParaRPr lang="en-US" sz="1200" dirty="0"/>
+          </a:p>
+        </p:txBody>
+      </p:sp>
+      <p:sp>
+        <p:nvSpPr>
+          <p:cNvPr id="10" name="Oval 9">
+            <a:extLst>
+              <a:ext uri="{FF2B5EF4-FFF2-40B4-BE49-F238E27FC236}">
+                <a16:creationId xmlns:a16="http://schemas.microsoft.com/office/drawing/2014/main" id="{F6162B7B-A5ED-6743-A740-4A73E2223596}"/>
+              </a:ext>
+            </a:extLst>
+          </p:cNvPr>
+          <p:cNvSpPr/>
+          <p:nvPr/>
+        </p:nvSpPr>
+        <p:spPr>
+          <a:xfrm>
+            <a:off x="6567699" y="1988513"/>
+            <a:ext cx="746076" cy="1095881"/>
+          </a:xfrm>
+          <a:prstGeom prst="ellipse">
+            <a:avLst/>
+          </a:prstGeom>
+          <a:noFill/>
+          <a:ln w="28575">
+            <a:solidFill>
+              <a:schemeClr val="tx2">
+                <a:lumMod val="50000"/>
+              </a:schemeClr>
+            </a:solidFill>
+          </a:ln>
+        </p:spPr>
+        <p:style>
+          <a:lnRef idx="2">
+            <a:schemeClr val="accent1">
+              <a:shade val="50000"/>
+            </a:schemeClr>
+          </a:lnRef>
+          <a:fillRef idx="1">
+            <a:schemeClr val="accent1"/>
+          </a:fillRef>
+          <a:effectRef idx="0">
+            <a:schemeClr val="accent1"/>
+          </a:effectRef>
+          <a:fontRef idx="minor">
+            <a:schemeClr val="lt1"/>
+          </a:fontRef>
+        </p:style>
+        <p:txBody>
+          <a:bodyPr rtlCol="0" anchor="ctr"/>
+          <a:lstStyle/>
+          <a:p>
+            <a:pPr algn="ctr"/>
+            <a:endParaRPr lang="en-US"/>
+          </a:p>
+        </p:txBody>
+      </p:sp>
+      <p:sp>
+        <p:nvSpPr>
+          <p:cNvPr id="11" name="Oval 10">
+            <a:extLst>
+              <a:ext uri="{FF2B5EF4-FFF2-40B4-BE49-F238E27FC236}">
+                <a16:creationId xmlns:a16="http://schemas.microsoft.com/office/drawing/2014/main" id="{0BFC6463-5512-1147-BE8F-AF69C7CC25C7}"/>
+              </a:ext>
+            </a:extLst>
+          </p:cNvPr>
+          <p:cNvSpPr/>
+          <p:nvPr/>
+        </p:nvSpPr>
+        <p:spPr>
+          <a:xfrm>
+            <a:off x="5821623" y="2517158"/>
+            <a:ext cx="746076" cy="254594"/>
+          </a:xfrm>
+          <a:prstGeom prst="ellipse">
+            <a:avLst/>
+          </a:prstGeom>
+          <a:noFill/>
+          <a:ln w="28575">
+            <a:solidFill>
+              <a:schemeClr val="tx2">
+                <a:lumMod val="50000"/>
+              </a:schemeClr>
+            </a:solidFill>
+          </a:ln>
+        </p:spPr>
+        <p:style>
+          <a:lnRef idx="2">
+            <a:schemeClr val="accent1">
+              <a:shade val="50000"/>
+            </a:schemeClr>
+          </a:lnRef>
+          <a:fillRef idx="1">
+            <a:schemeClr val="accent1"/>
+          </a:fillRef>
+          <a:effectRef idx="0">
+            <a:schemeClr val="accent1"/>
+          </a:effectRef>
+          <a:fontRef idx="minor">
+            <a:schemeClr val="lt1"/>
+          </a:fontRef>
+        </p:style>
+        <p:txBody>
+          <a:bodyPr rtlCol="0" anchor="ctr"/>
+          <a:lstStyle/>
+          <a:p>
+            <a:pPr algn="ctr"/>
+            <a:endParaRPr lang="en-US"/>
+          </a:p>
+        </p:txBody>
+      </p:sp>
+      <p:cxnSp>
+        <p:nvCxnSpPr>
+          <p:cNvPr id="12" name="Straight Connector 11">
+            <a:extLst>
+              <a:ext uri="{FF2B5EF4-FFF2-40B4-BE49-F238E27FC236}">
+                <a16:creationId xmlns:a16="http://schemas.microsoft.com/office/drawing/2014/main" id="{993186A2-032C-8B43-8FFB-052D6B3712C0}"/>
+              </a:ext>
+            </a:extLst>
+          </p:cNvPr>
+          <p:cNvCxnSpPr>
+            <a:cxnSpLocks/>
+          </p:cNvCxnSpPr>
+          <p:nvPr/>
+        </p:nvCxnSpPr>
+        <p:spPr>
+          <a:xfrm>
+            <a:off x="3794079" y="1477475"/>
+            <a:ext cx="0" cy="2071945"/>
+          </a:xfrm>
+          <a:prstGeom prst="line">
+            <a:avLst/>
+          </a:prstGeom>
+          <a:ln w="31750"/>
+        </p:spPr>
+        <p:style>
+          <a:lnRef idx="1">
+            <a:schemeClr val="dk1"/>
+          </a:lnRef>
+          <a:fillRef idx="0">
+            <a:schemeClr val="dk1"/>
+          </a:fillRef>
+          <a:effectRef idx="0">
+            <a:schemeClr val="dk1"/>
+          </a:effectRef>
+          <a:fontRef idx="minor">
+            <a:schemeClr val="tx1"/>
+          </a:fontRef>
+        </p:style>
+      </p:cxnSp>
+      <p:cxnSp>
+        <p:nvCxnSpPr>
+          <p:cNvPr id="13" name="Straight Connector 12">
+            <a:extLst>
+              <a:ext uri="{FF2B5EF4-FFF2-40B4-BE49-F238E27FC236}">
+                <a16:creationId xmlns:a16="http://schemas.microsoft.com/office/drawing/2014/main" id="{90F321E1-10C7-CE42-ACCA-983A412832CA}"/>
+              </a:ext>
+            </a:extLst>
+          </p:cNvPr>
+          <p:cNvCxnSpPr>
+            <a:cxnSpLocks/>
+          </p:cNvCxnSpPr>
+          <p:nvPr/>
+        </p:nvCxnSpPr>
+        <p:spPr>
+          <a:xfrm>
+            <a:off x="3864591" y="1479747"/>
+            <a:ext cx="0" cy="2071945"/>
+          </a:xfrm>
+          <a:prstGeom prst="line">
+            <a:avLst/>
+          </a:prstGeom>
+          <a:ln w="31750"/>
+        </p:spPr>
+        <p:style>
+          <a:lnRef idx="1">
+            <a:schemeClr val="dk1"/>
+          </a:lnRef>
+          <a:fillRef idx="0">
+            <a:schemeClr val="dk1"/>
+          </a:fillRef>
+          <a:effectRef idx="0">
+            <a:schemeClr val="dk1"/>
+          </a:effectRef>
+          <a:fontRef idx="minor">
+            <a:schemeClr val="tx1"/>
+          </a:fontRef>
+        </p:style>
+      </p:cxnSp>
+      <p:cxnSp>
+        <p:nvCxnSpPr>
+          <p:cNvPr id="14" name="Straight Connector 13">
+            <a:extLst>
+              <a:ext uri="{FF2B5EF4-FFF2-40B4-BE49-F238E27FC236}">
+                <a16:creationId xmlns:a16="http://schemas.microsoft.com/office/drawing/2014/main" id="{2E3AE392-2FDD-6F42-ABE2-AEEBD0956945}"/>
+              </a:ext>
+            </a:extLst>
+          </p:cNvPr>
+          <p:cNvCxnSpPr>
+            <a:cxnSpLocks/>
+          </p:cNvCxnSpPr>
+          <p:nvPr/>
+        </p:nvCxnSpPr>
+        <p:spPr>
+          <a:xfrm>
+            <a:off x="5177050" y="1461557"/>
+            <a:ext cx="0" cy="2071945"/>
+          </a:xfrm>
+          <a:prstGeom prst="line">
+            <a:avLst/>
+          </a:prstGeom>
+          <a:ln w="31750"/>
+        </p:spPr>
+        <p:style>
+          <a:lnRef idx="1">
+            <a:schemeClr val="dk1"/>
+          </a:lnRef>
+          <a:fillRef idx="0">
+            <a:schemeClr val="dk1"/>
+          </a:fillRef>
+          <a:effectRef idx="0">
+            <a:schemeClr val="dk1"/>
+          </a:effectRef>
+          <a:fontRef idx="minor">
+            <a:schemeClr val="tx1"/>
+          </a:fontRef>
+        </p:style>
+      </p:cxnSp>
+      <p:cxnSp>
+        <p:nvCxnSpPr>
+          <p:cNvPr id="15" name="Straight Connector 14">
+            <a:extLst>
+              <a:ext uri="{FF2B5EF4-FFF2-40B4-BE49-F238E27FC236}">
+                <a16:creationId xmlns:a16="http://schemas.microsoft.com/office/drawing/2014/main" id="{0CE2DDA4-7F65-9C43-8E1E-2D02836127F6}"/>
+              </a:ext>
+            </a:extLst>
+          </p:cNvPr>
+          <p:cNvCxnSpPr>
+            <a:cxnSpLocks/>
+          </p:cNvCxnSpPr>
+          <p:nvPr/>
+        </p:nvCxnSpPr>
+        <p:spPr>
+          <a:xfrm>
+            <a:off x="5070142" y="1461557"/>
+            <a:ext cx="0" cy="2071945"/>
+          </a:xfrm>
+          <a:prstGeom prst="line">
+            <a:avLst/>
+          </a:prstGeom>
+          <a:ln w="31750"/>
+        </p:spPr>
+        <p:style>
+          <a:lnRef idx="1">
+            <a:schemeClr val="dk1"/>
+          </a:lnRef>
+          <a:fillRef idx="0">
+            <a:schemeClr val="dk1"/>
+          </a:fillRef>
+          <a:effectRef idx="0">
+            <a:schemeClr val="dk1"/>
+          </a:effectRef>
+          <a:fontRef idx="minor">
+            <a:schemeClr val="tx1"/>
+          </a:fontRef>
+        </p:style>
+      </p:cxnSp>
+      <p:sp>
+        <p:nvSpPr>
+          <p:cNvPr id="16" name="Google Shape;363;p36">
+            <a:extLst>
+              <a:ext uri="{FF2B5EF4-FFF2-40B4-BE49-F238E27FC236}">
+                <a16:creationId xmlns:a16="http://schemas.microsoft.com/office/drawing/2014/main" id="{6C01B563-CC47-2248-84D2-74C89BADD660}"/>
+              </a:ext>
+            </a:extLst>
+          </p:cNvPr>
+          <p:cNvSpPr txBox="1">
+            <a:spLocks noGrp="1"/>
+          </p:cNvSpPr>
+          <p:nvPr>
+            <p:ph type="subTitle" idx="1"/>
+          </p:nvPr>
+        </p:nvSpPr>
+        <p:spPr>
+          <a:xfrm>
+            <a:off x="7420683" y="1094151"/>
+            <a:ext cx="1723318" cy="3300427"/>
+          </a:xfrm>
+          <a:prstGeom prst="rect">
+            <a:avLst/>
+          </a:prstGeom>
+        </p:spPr>
+        <p:txBody>
+          <a:bodyPr spcFirstLastPara="1" wrap="square" lIns="91425" tIns="91425" rIns="91425" bIns="91425" anchor="t" anchorCtr="0">
+            <a:noAutofit/>
+          </a:bodyPr>
+          <a:lstStyle/>
+          <a:p>
+            <a:pPr marL="285750" indent="-285750" algn="l">
+              <a:buFont typeface="Arial" panose="020B0604020202020204" pitchFamily="34" charset="0"/>
+              <a:buChar char="•"/>
+            </a:pPr>
+            <a:r>
+              <a:rPr lang="en-US" sz="1200" dirty="0"/>
+              <a:t>Possible to get more salary as a data scientist or as much as a senior data scientist</a:t>
+            </a:r>
+          </a:p>
+          <a:p>
+            <a:pPr marL="285750" indent="-285750" algn="l">
+              <a:buFont typeface="Arial" panose="020B0604020202020204" pitchFamily="34" charset="0"/>
+              <a:buChar char="•"/>
+            </a:pPr>
+            <a:r>
+              <a:rPr lang="en-US" sz="1200" dirty="0"/>
+              <a:t>High outlier range for </a:t>
+            </a:r>
+          </a:p>
+          <a:p>
+            <a:pPr marL="742950" lvl="1" indent="-285750">
+              <a:buFont typeface="Arial" panose="020B0604020202020204" pitchFamily="34" charset="0"/>
+              <a:buChar char="•"/>
+            </a:pPr>
+            <a:r>
+              <a:rPr lang="en-US" sz="1200" dirty="0"/>
+              <a:t>data scientist</a:t>
+            </a:r>
+          </a:p>
+          <a:p>
+            <a:pPr marL="742950" lvl="1" indent="-285750">
+              <a:buFont typeface="Arial" panose="020B0604020202020204" pitchFamily="34" charset="0"/>
+              <a:buChar char="•"/>
+            </a:pPr>
+            <a:r>
+              <a:rPr lang="en-US" sz="1200" dirty="0"/>
+              <a:t>BI analyst</a:t>
+            </a:r>
+          </a:p>
+          <a:p>
+            <a:pPr marL="742950" lvl="1" indent="-285750">
+              <a:buFont typeface="Arial" panose="020B0604020202020204" pitchFamily="34" charset="0"/>
+              <a:buChar char="•"/>
+            </a:pPr>
+            <a:r>
+              <a:rPr lang="en-US" sz="1200" dirty="0"/>
+              <a:t>Senior data scientist</a:t>
+            </a:r>
+          </a:p>
+          <a:p>
+            <a:pPr marL="742950" lvl="1" indent="-285750">
+              <a:buFont typeface="Arial" panose="020B0604020202020204" pitchFamily="34" charset="0"/>
+              <a:buChar char="•"/>
+            </a:pPr>
+            <a:r>
+              <a:rPr lang="en-US" sz="1200" dirty="0"/>
+              <a:t>Senior data engineer</a:t>
+            </a:r>
+          </a:p>
+          <a:p>
+            <a:pPr marL="742950" lvl="1" indent="-285750">
+              <a:buFont typeface="Arial" panose="020B0604020202020204" pitchFamily="34" charset="0"/>
+              <a:buChar char="•"/>
+            </a:pPr>
+            <a:r>
+              <a:rPr lang="en-US" sz="1200" dirty="0"/>
+              <a:t>Senior data analyst</a:t>
+            </a:r>
+          </a:p>
+        </p:txBody>
+      </p:sp>
+      <p:sp>
+        <p:nvSpPr>
+          <p:cNvPr id="17" name="Oval 16">
+            <a:extLst>
+              <a:ext uri="{FF2B5EF4-FFF2-40B4-BE49-F238E27FC236}">
+                <a16:creationId xmlns:a16="http://schemas.microsoft.com/office/drawing/2014/main" id="{278801EF-30BE-1947-A5CE-E5FEDF4058DF}"/>
+              </a:ext>
+            </a:extLst>
+          </p:cNvPr>
+          <p:cNvSpPr/>
+          <p:nvPr/>
+        </p:nvSpPr>
+        <p:spPr>
+          <a:xfrm>
+            <a:off x="6675678" y="1640253"/>
+            <a:ext cx="332659" cy="367406"/>
+          </a:xfrm>
+          <a:prstGeom prst="ellipse">
+            <a:avLst/>
+          </a:prstGeom>
+          <a:noFill/>
+          <a:ln w="28575">
+            <a:solidFill>
+              <a:schemeClr val="tx2">
+                <a:lumMod val="50000"/>
+              </a:schemeClr>
+            </a:solidFill>
+          </a:ln>
+        </p:spPr>
+        <p:style>
+          <a:lnRef idx="2">
+            <a:schemeClr val="accent1">
+              <a:shade val="50000"/>
+            </a:schemeClr>
+          </a:lnRef>
+          <a:fillRef idx="1">
+            <a:schemeClr val="accent1"/>
+          </a:fillRef>
+          <a:effectRef idx="0">
+            <a:schemeClr val="accent1"/>
+          </a:effectRef>
+          <a:fontRef idx="minor">
+            <a:schemeClr val="lt1"/>
+          </a:fontRef>
+        </p:style>
+        <p:txBody>
+          <a:bodyPr rtlCol="0" anchor="ctr"/>
+          <a:lstStyle/>
+          <a:p>
+            <a:pPr algn="ctr"/>
+            <a:endParaRPr lang="en-US"/>
+          </a:p>
+        </p:txBody>
+      </p:sp>
     </p:spTree>
     <p:extLst>
       <p:ext uri="{BB962C8B-B14F-4D97-AF65-F5344CB8AC3E}">
-        <p14:creationId xmlns:p14="http://schemas.microsoft.com/office/powerpoint/2010/main" val="4179721286"/>
+        <p14:creationId xmlns:p14="http://schemas.microsoft.com/office/powerpoint/2010/main" val="2995772337"/>
       </p:ext>
     </p:extLst>
   </p:cSld>
@@ -24704,7 +29002,7 @@
 </p:sld>
 </file>
 
-<file path=ppt/slides/slide24.xml><?xml version="1.0" encoding="utf-8"?>
+<file path=ppt/slides/slide26.xml><?xml version="1.0" encoding="utf-8"?>
 <p:sld xmlns:a="http://schemas.openxmlformats.org/drawingml/2006/main" xmlns:r="http://schemas.openxmlformats.org/officeDocument/2006/relationships" xmlns:p="http://schemas.openxmlformats.org/presentationml/2006/main">
   <p:cSld>
     <p:spTree>
@@ -25751,7 +30049,7 @@
 </p:sld>
 </file>
 
-<file path=ppt/slides/slide25.xml><?xml version="1.0" encoding="utf-8"?>
+<file path=ppt/slides/slide27.xml><?xml version="1.0" encoding="utf-8"?>
 <p:sld xmlns:a="http://schemas.openxmlformats.org/drawingml/2006/main" xmlns:r="http://schemas.openxmlformats.org/officeDocument/2006/relationships" xmlns:p="http://schemas.openxmlformats.org/presentationml/2006/main">
   <p:cSld>
     <p:spTree>
@@ -26116,7 +30414,7 @@
 </p:sld>
 </file>
 
-<file path=ppt/slides/slide26.xml><?xml version="1.0" encoding="utf-8"?>
+<file path=ppt/slides/slide28.xml><?xml version="1.0" encoding="utf-8"?>
 <p:sld xmlns:a="http://schemas.openxmlformats.org/drawingml/2006/main" xmlns:r="http://schemas.openxmlformats.org/officeDocument/2006/relationships" xmlns:p="http://schemas.openxmlformats.org/presentationml/2006/main">
   <p:cSld>
     <p:spTree>
@@ -27159,7 +31457,7 @@
 </p:sld>
 </file>
 
-<file path=ppt/slides/slide27.xml><?xml version="1.0" encoding="utf-8"?>
+<file path=ppt/slides/slide29.xml><?xml version="1.0" encoding="utf-8"?>
 <p:sld xmlns:a="http://schemas.openxmlformats.org/drawingml/2006/main" xmlns:r="http://schemas.openxmlformats.org/officeDocument/2006/relationships" xmlns:p="http://schemas.openxmlformats.org/presentationml/2006/main">
   <p:cSld>
     <p:spTree>
@@ -27342,6 +31640,21 @@
               <a:t>Require time to clean data into a suitable format before EDA and topic modelling</a:t>
             </a:r>
           </a:p>
+          <a:p>
+            <a:pPr marL="285750" lvl="0" indent="-285750" algn="l">
+              <a:buFont typeface="Arial" panose="020B0604020202020204" pitchFamily="34" charset="0"/>
+              <a:buChar char="•"/>
+            </a:pPr>
+            <a:r>
+              <a:rPr lang="en-SG" dirty="0"/>
+              <a:t>Require time to keep training the dataset until satisfy. Then still require manual checking unlike other </a:t>
+            </a:r>
+            <a:r>
+              <a:rPr lang="en-SG"/>
+              <a:t>ML solutions</a:t>
+            </a:r>
+            <a:endParaRPr lang="en-SG" dirty="0"/>
+          </a:p>
         </p:txBody>
       </p:sp>
       <p:grpSp>
@@ -27574,7 +31887,1050 @@
 </p:sld>
 </file>
 
-<file path=ppt/slides/slide28.xml><?xml version="1.0" encoding="utf-8"?>
+<file path=ppt/slides/slide3.xml><?xml version="1.0" encoding="utf-8"?>
+<p:sld xmlns:a="http://schemas.openxmlformats.org/drawingml/2006/main" xmlns:r="http://schemas.openxmlformats.org/officeDocument/2006/relationships" xmlns:p="http://schemas.openxmlformats.org/presentationml/2006/main">
+  <p:cSld>
+    <p:spTree>
+      <p:nvGrpSpPr>
+        <p:cNvPr id="1" name="Shape 330"/>
+        <p:cNvGrpSpPr/>
+        <p:nvPr/>
+      </p:nvGrpSpPr>
+      <p:grpSpPr>
+        <a:xfrm>
+          <a:off x="0" y="0"/>
+          <a:ext cx="0" cy="0"/>
+          <a:chOff x="0" y="0"/>
+          <a:chExt cx="0" cy="0"/>
+        </a:xfrm>
+      </p:grpSpPr>
+      <p:sp>
+        <p:nvSpPr>
+          <p:cNvPr id="331" name="Google Shape;331;p34"/>
+          <p:cNvSpPr/>
+          <p:nvPr/>
+        </p:nvSpPr>
+        <p:spPr>
+          <a:xfrm rot="213351" flipH="1">
+            <a:off x="1667358" y="978954"/>
+            <a:ext cx="5809284" cy="3185840"/>
+          </a:xfrm>
+          <a:prstGeom prst="rect">
+            <a:avLst/>
+          </a:prstGeom>
+          <a:solidFill>
+            <a:schemeClr val="accent1"/>
+          </a:solidFill>
+          <a:ln>
+            <a:noFill/>
+          </a:ln>
+        </p:spPr>
+        <p:txBody>
+          <a:bodyPr spcFirstLastPara="1" wrap="square" lIns="91425" tIns="91425" rIns="91425" bIns="91425" anchor="ctr" anchorCtr="0">
+            <a:noAutofit/>
+          </a:bodyPr>
+          <a:lstStyle/>
+          <a:p>
+            <a:pPr marL="0" lvl="0" indent="0" algn="l" rtl="0">
+              <a:spcBef>
+                <a:spcPts val="0"/>
+              </a:spcBef>
+              <a:spcAft>
+                <a:spcPts val="0"/>
+              </a:spcAft>
+              <a:buNone/>
+            </a:pPr>
+            <a:endParaRPr/>
+          </a:p>
+        </p:txBody>
+      </p:sp>
+      <p:sp>
+        <p:nvSpPr>
+          <p:cNvPr id="332" name="Google Shape;332;p34"/>
+          <p:cNvSpPr txBox="1">
+            <a:spLocks noGrp="1"/>
+          </p:cNvSpPr>
+          <p:nvPr>
+            <p:ph type="title"/>
+          </p:nvPr>
+        </p:nvSpPr>
+        <p:spPr>
+          <a:xfrm>
+            <a:off x="2374800" y="2517700"/>
+            <a:ext cx="4394400" cy="841800"/>
+          </a:xfrm>
+          <a:prstGeom prst="rect">
+            <a:avLst/>
+          </a:prstGeom>
+        </p:spPr>
+        <p:txBody>
+          <a:bodyPr spcFirstLastPara="1" wrap="square" lIns="91425" tIns="91425" rIns="91425" bIns="91425" anchor="ctr" anchorCtr="0">
+            <a:noAutofit/>
+          </a:bodyPr>
+          <a:lstStyle/>
+          <a:p>
+            <a:pPr marL="0" lvl="0" indent="0" algn="ctr" rtl="0">
+              <a:spcBef>
+                <a:spcPts val="0"/>
+              </a:spcBef>
+              <a:spcAft>
+                <a:spcPts val="0"/>
+              </a:spcAft>
+              <a:buNone/>
+            </a:pPr>
+            <a:r>
+              <a:rPr lang="en" sz="3200" dirty="0"/>
+              <a:t>GOAL &amp; PROBLEM STATEMENT</a:t>
+            </a:r>
+            <a:endParaRPr sz="3200" dirty="0"/>
+          </a:p>
+        </p:txBody>
+      </p:sp>
+      <p:sp>
+        <p:nvSpPr>
+          <p:cNvPr id="333" name="Google Shape;333;p34"/>
+          <p:cNvSpPr txBox="1">
+            <a:spLocks noGrp="1"/>
+          </p:cNvSpPr>
+          <p:nvPr>
+            <p:ph type="title" idx="2"/>
+          </p:nvPr>
+        </p:nvSpPr>
+        <p:spPr>
+          <a:xfrm>
+            <a:off x="2374800" y="1340150"/>
+            <a:ext cx="4394400" cy="1310100"/>
+          </a:xfrm>
+          <a:prstGeom prst="rect">
+            <a:avLst/>
+          </a:prstGeom>
+        </p:spPr>
+        <p:txBody>
+          <a:bodyPr spcFirstLastPara="1" wrap="square" lIns="91425" tIns="91425" rIns="91425" bIns="91425" anchor="ctr" anchorCtr="0">
+            <a:noAutofit/>
+          </a:bodyPr>
+          <a:lstStyle/>
+          <a:p>
+            <a:pPr marL="0" lvl="0" indent="0" algn="ctr" rtl="0">
+              <a:spcBef>
+                <a:spcPts val="0"/>
+              </a:spcBef>
+              <a:spcAft>
+                <a:spcPts val="0"/>
+              </a:spcAft>
+              <a:buNone/>
+            </a:pPr>
+            <a:r>
+              <a:rPr lang="en" dirty="0"/>
+              <a:t>01</a:t>
+            </a:r>
+            <a:endParaRPr dirty="0"/>
+          </a:p>
+        </p:txBody>
+      </p:sp>
+      <p:sp>
+        <p:nvSpPr>
+          <p:cNvPr id="334" name="Google Shape;334;p34"/>
+          <p:cNvSpPr txBox="1">
+            <a:spLocks noGrp="1"/>
+          </p:cNvSpPr>
+          <p:nvPr>
+            <p:ph type="subTitle" idx="1"/>
+          </p:nvPr>
+        </p:nvSpPr>
+        <p:spPr>
+          <a:xfrm>
+            <a:off x="2374800" y="3408475"/>
+            <a:ext cx="4394400" cy="442800"/>
+          </a:xfrm>
+          <a:prstGeom prst="rect">
+            <a:avLst/>
+          </a:prstGeom>
+        </p:spPr>
+        <p:txBody>
+          <a:bodyPr spcFirstLastPara="1" wrap="square" lIns="91425" tIns="91425" rIns="91425" bIns="91425" anchor="t" anchorCtr="0">
+            <a:noAutofit/>
+          </a:bodyPr>
+          <a:lstStyle/>
+          <a:p>
+            <a:pPr marL="0" lvl="0" indent="0" algn="ctr" rtl="0">
+              <a:spcBef>
+                <a:spcPts val="0"/>
+              </a:spcBef>
+              <a:spcAft>
+                <a:spcPts val="0"/>
+              </a:spcAft>
+              <a:buNone/>
+            </a:pPr>
+            <a:r>
+              <a:rPr lang="en" dirty="0"/>
+              <a:t>What to achieve for this project</a:t>
+            </a:r>
+            <a:endParaRPr dirty="0"/>
+          </a:p>
+        </p:txBody>
+      </p:sp>
+      <p:grpSp>
+        <p:nvGrpSpPr>
+          <p:cNvPr id="335" name="Google Shape;335;p34"/>
+          <p:cNvGrpSpPr/>
+          <p:nvPr/>
+        </p:nvGrpSpPr>
+        <p:grpSpPr>
+          <a:xfrm rot="-2026318">
+            <a:off x="6264543" y="-8947"/>
+            <a:ext cx="2674335" cy="2862666"/>
+            <a:chOff x="6201089" y="32925"/>
+            <a:chExt cx="699625" cy="748894"/>
+          </a:xfrm>
+        </p:grpSpPr>
+        <p:sp>
+          <p:nvSpPr>
+            <p:cNvPr id="336" name="Google Shape;336;p34"/>
+            <p:cNvSpPr/>
+            <p:nvPr/>
+          </p:nvSpPr>
+          <p:spPr>
+            <a:xfrm>
+              <a:off x="6201089" y="32925"/>
+              <a:ext cx="699625" cy="748894"/>
+            </a:xfrm>
+            <a:custGeom>
+              <a:avLst/>
+              <a:gdLst/>
+              <a:ahLst/>
+              <a:cxnLst/>
+              <a:rect l="l" t="t" r="r" b="b"/>
+              <a:pathLst>
+                <a:path w="19156" h="20505" extrusionOk="0">
+                  <a:moveTo>
+                    <a:pt x="5667" y="0"/>
+                  </a:moveTo>
+                  <a:lnTo>
+                    <a:pt x="0" y="15796"/>
+                  </a:lnTo>
+                  <a:lnTo>
+                    <a:pt x="12950" y="20463"/>
+                  </a:lnTo>
+                  <a:cubicBezTo>
+                    <a:pt x="13029" y="20491"/>
+                    <a:pt x="13108" y="20505"/>
+                    <a:pt x="13185" y="20505"/>
+                  </a:cubicBezTo>
+                  <a:cubicBezTo>
+                    <a:pt x="13456" y="20505"/>
+                    <a:pt x="13696" y="20338"/>
+                    <a:pt x="13796" y="20078"/>
+                  </a:cubicBezTo>
+                  <a:lnTo>
+                    <a:pt x="19053" y="5539"/>
+                  </a:lnTo>
+                  <a:cubicBezTo>
+                    <a:pt x="19155" y="5180"/>
+                    <a:pt x="18976" y="4795"/>
+                    <a:pt x="18642" y="4693"/>
+                  </a:cubicBezTo>
+                  <a:lnTo>
+                    <a:pt x="5667" y="0"/>
+                  </a:lnTo>
+                  <a:close/>
+                </a:path>
+              </a:pathLst>
+            </a:custGeom>
+            <a:solidFill>
+              <a:schemeClr val="dk2"/>
+            </a:solidFill>
+            <a:ln>
+              <a:noFill/>
+            </a:ln>
+          </p:spPr>
+          <p:txBody>
+            <a:bodyPr spcFirstLastPara="1" wrap="square" lIns="91425" tIns="91425" rIns="91425" bIns="91425" anchor="ctr" anchorCtr="0">
+              <a:noAutofit/>
+            </a:bodyPr>
+            <a:lstStyle/>
+            <a:p>
+              <a:pPr marL="0" lvl="0" indent="0" algn="l" rtl="0">
+                <a:spcBef>
+                  <a:spcPts val="0"/>
+                </a:spcBef>
+                <a:spcAft>
+                  <a:spcPts val="0"/>
+                </a:spcAft>
+                <a:buNone/>
+              </a:pPr>
+              <a:endParaRPr/>
+            </a:p>
+          </p:txBody>
+        </p:sp>
+        <p:sp>
+          <p:nvSpPr>
+            <p:cNvPr id="337" name="Google Shape;337;p34"/>
+            <p:cNvSpPr/>
+            <p:nvPr/>
+          </p:nvSpPr>
+          <p:spPr>
+            <a:xfrm>
+              <a:off x="6301309" y="69448"/>
+              <a:ext cx="221984" cy="581621"/>
+            </a:xfrm>
+            <a:custGeom>
+              <a:avLst/>
+              <a:gdLst/>
+              <a:ahLst/>
+              <a:cxnLst/>
+              <a:rect l="l" t="t" r="r" b="b"/>
+              <a:pathLst>
+                <a:path w="6078" h="15925" extrusionOk="0">
+                  <a:moveTo>
+                    <a:pt x="5693" y="0"/>
+                  </a:moveTo>
+                  <a:lnTo>
+                    <a:pt x="0" y="15796"/>
+                  </a:lnTo>
+                  <a:lnTo>
+                    <a:pt x="385" y="15924"/>
+                  </a:lnTo>
+                  <a:lnTo>
+                    <a:pt x="6077" y="129"/>
+                  </a:lnTo>
+                  <a:lnTo>
+                    <a:pt x="5693" y="0"/>
+                  </a:lnTo>
+                  <a:close/>
+                </a:path>
+              </a:pathLst>
+            </a:custGeom>
+            <a:solidFill>
+              <a:schemeClr val="dk1"/>
+            </a:solidFill>
+            <a:ln>
+              <a:noFill/>
+            </a:ln>
+          </p:spPr>
+          <p:txBody>
+            <a:bodyPr spcFirstLastPara="1" wrap="square" lIns="91425" tIns="91425" rIns="91425" bIns="91425" anchor="ctr" anchorCtr="0">
+              <a:noAutofit/>
+            </a:bodyPr>
+            <a:lstStyle/>
+            <a:p>
+              <a:pPr marL="0" lvl="0" indent="0" algn="l" rtl="0">
+                <a:spcBef>
+                  <a:spcPts val="0"/>
+                </a:spcBef>
+                <a:spcAft>
+                  <a:spcPts val="0"/>
+                </a:spcAft>
+                <a:buNone/>
+              </a:pPr>
+              <a:endParaRPr/>
+            </a:p>
+          </p:txBody>
+        </p:sp>
+        <p:sp>
+          <p:nvSpPr>
+            <p:cNvPr id="338" name="Google Shape;338;p34"/>
+            <p:cNvSpPr/>
+            <p:nvPr/>
+          </p:nvSpPr>
+          <p:spPr>
+            <a:xfrm>
+              <a:off x="6467052" y="311088"/>
+              <a:ext cx="293166" cy="199486"/>
+            </a:xfrm>
+            <a:custGeom>
+              <a:avLst/>
+              <a:gdLst/>
+              <a:ahLst/>
+              <a:cxnLst/>
+              <a:rect l="l" t="t" r="r" b="b"/>
+              <a:pathLst>
+                <a:path w="8027" h="5462" extrusionOk="0">
+                  <a:moveTo>
+                    <a:pt x="1052" y="0"/>
+                  </a:moveTo>
+                  <a:lnTo>
+                    <a:pt x="1" y="2949"/>
+                  </a:lnTo>
+                  <a:lnTo>
+                    <a:pt x="6975" y="5462"/>
+                  </a:lnTo>
+                  <a:lnTo>
+                    <a:pt x="8027" y="2513"/>
+                  </a:lnTo>
+                  <a:lnTo>
+                    <a:pt x="1052" y="0"/>
+                  </a:lnTo>
+                  <a:close/>
+                </a:path>
+              </a:pathLst>
+            </a:custGeom>
+            <a:solidFill>
+              <a:schemeClr val="lt1"/>
+            </a:solidFill>
+            <a:ln>
+              <a:noFill/>
+            </a:ln>
+          </p:spPr>
+          <p:txBody>
+            <a:bodyPr spcFirstLastPara="1" wrap="square" lIns="91425" tIns="91425" rIns="91425" bIns="91425" anchor="ctr" anchorCtr="0">
+              <a:noAutofit/>
+            </a:bodyPr>
+            <a:lstStyle/>
+            <a:p>
+              <a:pPr marL="0" lvl="0" indent="0" algn="l" rtl="0">
+                <a:spcBef>
+                  <a:spcPts val="0"/>
+                </a:spcBef>
+                <a:spcAft>
+                  <a:spcPts val="0"/>
+                </a:spcAft>
+                <a:buNone/>
+              </a:pPr>
+              <a:endParaRPr/>
+            </a:p>
+          </p:txBody>
+        </p:sp>
+        <p:sp>
+          <p:nvSpPr>
+            <p:cNvPr id="339" name="Google Shape;339;p34"/>
+            <p:cNvSpPr/>
+            <p:nvPr/>
+          </p:nvSpPr>
+          <p:spPr>
+            <a:xfrm>
+              <a:off x="6354670" y="100347"/>
+              <a:ext cx="91598" cy="91014"/>
+            </a:xfrm>
+            <a:custGeom>
+              <a:avLst/>
+              <a:gdLst/>
+              <a:ahLst/>
+              <a:cxnLst/>
+              <a:rect l="l" t="t" r="r" b="b"/>
+              <a:pathLst>
+                <a:path w="2508" h="2492" extrusionOk="0">
+                  <a:moveTo>
+                    <a:pt x="821" y="1"/>
+                  </a:moveTo>
+                  <a:lnTo>
+                    <a:pt x="693" y="334"/>
+                  </a:lnTo>
+                  <a:cubicBezTo>
+                    <a:pt x="796" y="334"/>
+                    <a:pt x="898" y="360"/>
+                    <a:pt x="1001" y="385"/>
+                  </a:cubicBezTo>
+                  <a:cubicBezTo>
+                    <a:pt x="2015" y="754"/>
+                    <a:pt x="1620" y="2160"/>
+                    <a:pt x="710" y="2160"/>
+                  </a:cubicBezTo>
+                  <a:cubicBezTo>
+                    <a:pt x="608" y="2160"/>
+                    <a:pt x="499" y="2142"/>
+                    <a:pt x="385" y="2103"/>
+                  </a:cubicBezTo>
+                  <a:cubicBezTo>
+                    <a:pt x="283" y="2052"/>
+                    <a:pt x="206" y="2001"/>
+                    <a:pt x="129" y="1949"/>
+                  </a:cubicBezTo>
+                  <a:lnTo>
+                    <a:pt x="1" y="2257"/>
+                  </a:lnTo>
+                  <a:cubicBezTo>
+                    <a:pt x="78" y="2308"/>
+                    <a:pt x="180" y="2360"/>
+                    <a:pt x="257" y="2411"/>
+                  </a:cubicBezTo>
+                  <a:cubicBezTo>
+                    <a:pt x="417" y="2466"/>
+                    <a:pt x="569" y="2491"/>
+                    <a:pt x="713" y="2491"/>
+                  </a:cubicBezTo>
+                  <a:cubicBezTo>
+                    <a:pt x="1969" y="2491"/>
+                    <a:pt x="2508" y="561"/>
+                    <a:pt x="1103" y="78"/>
+                  </a:cubicBezTo>
+                  <a:cubicBezTo>
+                    <a:pt x="1001" y="52"/>
+                    <a:pt x="924" y="26"/>
+                    <a:pt x="821" y="1"/>
+                  </a:cubicBezTo>
+                  <a:close/>
+                </a:path>
+              </a:pathLst>
+            </a:custGeom>
+            <a:solidFill>
+              <a:schemeClr val="accent1"/>
+            </a:solidFill>
+            <a:ln>
+              <a:noFill/>
+            </a:ln>
+          </p:spPr>
+          <p:txBody>
+            <a:bodyPr spcFirstLastPara="1" wrap="square" lIns="91425" tIns="91425" rIns="91425" bIns="91425" anchor="ctr" anchorCtr="0">
+              <a:noAutofit/>
+            </a:bodyPr>
+            <a:lstStyle/>
+            <a:p>
+              <a:pPr marL="0" lvl="0" indent="0" algn="l" rtl="0">
+                <a:spcBef>
+                  <a:spcPts val="0"/>
+                </a:spcBef>
+                <a:spcAft>
+                  <a:spcPts val="0"/>
+                </a:spcAft>
+                <a:buNone/>
+              </a:pPr>
+              <a:endParaRPr/>
+            </a:p>
+          </p:txBody>
+        </p:sp>
+        <p:sp>
+          <p:nvSpPr>
+            <p:cNvPr id="340" name="Google Shape;340;p34"/>
+            <p:cNvSpPr/>
+            <p:nvPr/>
+          </p:nvSpPr>
+          <p:spPr>
+            <a:xfrm>
+              <a:off x="6309709" y="225842"/>
+              <a:ext cx="91379" cy="90320"/>
+            </a:xfrm>
+            <a:custGeom>
+              <a:avLst/>
+              <a:gdLst/>
+              <a:ahLst/>
+              <a:cxnLst/>
+              <a:rect l="l" t="t" r="r" b="b"/>
+              <a:pathLst>
+                <a:path w="2502" h="2473" extrusionOk="0">
+                  <a:moveTo>
+                    <a:pt x="821" y="1"/>
+                  </a:moveTo>
+                  <a:lnTo>
+                    <a:pt x="693" y="308"/>
+                  </a:lnTo>
+                  <a:cubicBezTo>
+                    <a:pt x="796" y="308"/>
+                    <a:pt x="898" y="334"/>
+                    <a:pt x="1001" y="360"/>
+                  </a:cubicBezTo>
+                  <a:cubicBezTo>
+                    <a:pt x="2010" y="727"/>
+                    <a:pt x="1624" y="2141"/>
+                    <a:pt x="724" y="2141"/>
+                  </a:cubicBezTo>
+                  <a:cubicBezTo>
+                    <a:pt x="618" y="2141"/>
+                    <a:pt x="504" y="2121"/>
+                    <a:pt x="386" y="2078"/>
+                  </a:cubicBezTo>
+                  <a:cubicBezTo>
+                    <a:pt x="283" y="2026"/>
+                    <a:pt x="206" y="1975"/>
+                    <a:pt x="129" y="1924"/>
+                  </a:cubicBezTo>
+                  <a:lnTo>
+                    <a:pt x="1" y="2257"/>
+                  </a:lnTo>
+                  <a:cubicBezTo>
+                    <a:pt x="78" y="2309"/>
+                    <a:pt x="180" y="2334"/>
+                    <a:pt x="257" y="2385"/>
+                  </a:cubicBezTo>
+                  <a:cubicBezTo>
+                    <a:pt x="424" y="2446"/>
+                    <a:pt x="582" y="2473"/>
+                    <a:pt x="730" y="2473"/>
+                  </a:cubicBezTo>
+                  <a:cubicBezTo>
+                    <a:pt x="1974" y="2473"/>
+                    <a:pt x="2501" y="556"/>
+                    <a:pt x="1103" y="52"/>
+                  </a:cubicBezTo>
+                  <a:cubicBezTo>
+                    <a:pt x="1001" y="26"/>
+                    <a:pt x="924" y="1"/>
+                    <a:pt x="821" y="1"/>
+                  </a:cubicBezTo>
+                  <a:close/>
+                </a:path>
+              </a:pathLst>
+            </a:custGeom>
+            <a:solidFill>
+              <a:schemeClr val="accent1"/>
+            </a:solidFill>
+            <a:ln>
+              <a:noFill/>
+            </a:ln>
+          </p:spPr>
+          <p:txBody>
+            <a:bodyPr spcFirstLastPara="1" wrap="square" lIns="91425" tIns="91425" rIns="91425" bIns="91425" anchor="ctr" anchorCtr="0">
+              <a:noAutofit/>
+            </a:bodyPr>
+            <a:lstStyle/>
+            <a:p>
+              <a:pPr marL="0" lvl="0" indent="0" algn="l" rtl="0">
+                <a:spcBef>
+                  <a:spcPts val="0"/>
+                </a:spcBef>
+                <a:spcAft>
+                  <a:spcPts val="0"/>
+                </a:spcAft>
+                <a:buNone/>
+              </a:pPr>
+              <a:endParaRPr/>
+            </a:p>
+          </p:txBody>
+        </p:sp>
+        <p:sp>
+          <p:nvSpPr>
+            <p:cNvPr id="341" name="Google Shape;341;p34"/>
+            <p:cNvSpPr/>
+            <p:nvPr/>
+          </p:nvSpPr>
+          <p:spPr>
+            <a:xfrm>
+              <a:off x="6264786" y="350423"/>
+              <a:ext cx="91343" cy="90320"/>
+            </a:xfrm>
+            <a:custGeom>
+              <a:avLst/>
+              <a:gdLst/>
+              <a:ahLst/>
+              <a:cxnLst/>
+              <a:rect l="l" t="t" r="r" b="b"/>
+              <a:pathLst>
+                <a:path w="2501" h="2473" extrusionOk="0">
+                  <a:moveTo>
+                    <a:pt x="821" y="0"/>
+                  </a:moveTo>
+                  <a:lnTo>
+                    <a:pt x="692" y="333"/>
+                  </a:lnTo>
+                  <a:cubicBezTo>
+                    <a:pt x="795" y="333"/>
+                    <a:pt x="898" y="333"/>
+                    <a:pt x="1000" y="385"/>
+                  </a:cubicBezTo>
+                  <a:cubicBezTo>
+                    <a:pt x="2009" y="729"/>
+                    <a:pt x="1623" y="2140"/>
+                    <a:pt x="723" y="2140"/>
+                  </a:cubicBezTo>
+                  <a:cubicBezTo>
+                    <a:pt x="617" y="2140"/>
+                    <a:pt x="504" y="2120"/>
+                    <a:pt x="385" y="2077"/>
+                  </a:cubicBezTo>
+                  <a:cubicBezTo>
+                    <a:pt x="282" y="2052"/>
+                    <a:pt x="205" y="2000"/>
+                    <a:pt x="128" y="1923"/>
+                  </a:cubicBezTo>
+                  <a:lnTo>
+                    <a:pt x="0" y="2257"/>
+                  </a:lnTo>
+                  <a:cubicBezTo>
+                    <a:pt x="77" y="2308"/>
+                    <a:pt x="180" y="2359"/>
+                    <a:pt x="256" y="2385"/>
+                  </a:cubicBezTo>
+                  <a:cubicBezTo>
+                    <a:pt x="423" y="2445"/>
+                    <a:pt x="581" y="2472"/>
+                    <a:pt x="730" y="2472"/>
+                  </a:cubicBezTo>
+                  <a:cubicBezTo>
+                    <a:pt x="1974" y="2472"/>
+                    <a:pt x="2500" y="555"/>
+                    <a:pt x="1103" y="51"/>
+                  </a:cubicBezTo>
+                  <a:cubicBezTo>
+                    <a:pt x="1000" y="26"/>
+                    <a:pt x="923" y="0"/>
+                    <a:pt x="821" y="0"/>
+                  </a:cubicBezTo>
+                  <a:close/>
+                </a:path>
+              </a:pathLst>
+            </a:custGeom>
+            <a:solidFill>
+              <a:schemeClr val="accent1"/>
+            </a:solidFill>
+            <a:ln>
+              <a:noFill/>
+            </a:ln>
+          </p:spPr>
+          <p:txBody>
+            <a:bodyPr spcFirstLastPara="1" wrap="square" lIns="91425" tIns="91425" rIns="91425" bIns="91425" anchor="ctr" anchorCtr="0">
+              <a:noAutofit/>
+            </a:bodyPr>
+            <a:lstStyle/>
+            <a:p>
+              <a:pPr marL="0" lvl="0" indent="0" algn="l" rtl="0">
+                <a:spcBef>
+                  <a:spcPts val="0"/>
+                </a:spcBef>
+                <a:spcAft>
+                  <a:spcPts val="0"/>
+                </a:spcAft>
+                <a:buNone/>
+              </a:pPr>
+              <a:endParaRPr/>
+            </a:p>
+          </p:txBody>
+        </p:sp>
+        <p:sp>
+          <p:nvSpPr>
+            <p:cNvPr id="342" name="Google Shape;342;p34"/>
+            <p:cNvSpPr/>
+            <p:nvPr/>
+          </p:nvSpPr>
+          <p:spPr>
+            <a:xfrm>
+              <a:off x="6219825" y="474969"/>
+              <a:ext cx="91343" cy="90320"/>
+            </a:xfrm>
+            <a:custGeom>
+              <a:avLst/>
+              <a:gdLst/>
+              <a:ahLst/>
+              <a:cxnLst/>
+              <a:rect l="l" t="t" r="r" b="b"/>
+              <a:pathLst>
+                <a:path w="2501" h="2473" extrusionOk="0">
+                  <a:moveTo>
+                    <a:pt x="821" y="1"/>
+                  </a:moveTo>
+                  <a:lnTo>
+                    <a:pt x="693" y="334"/>
+                  </a:lnTo>
+                  <a:cubicBezTo>
+                    <a:pt x="795" y="334"/>
+                    <a:pt x="898" y="334"/>
+                    <a:pt x="1000" y="385"/>
+                  </a:cubicBezTo>
+                  <a:cubicBezTo>
+                    <a:pt x="2008" y="752"/>
+                    <a:pt x="1625" y="2141"/>
+                    <a:pt x="727" y="2141"/>
+                  </a:cubicBezTo>
+                  <a:cubicBezTo>
+                    <a:pt x="620" y="2141"/>
+                    <a:pt x="505" y="2121"/>
+                    <a:pt x="385" y="2078"/>
+                  </a:cubicBezTo>
+                  <a:cubicBezTo>
+                    <a:pt x="282" y="2052"/>
+                    <a:pt x="205" y="2001"/>
+                    <a:pt x="128" y="1949"/>
+                  </a:cubicBezTo>
+                  <a:lnTo>
+                    <a:pt x="0" y="2257"/>
+                  </a:lnTo>
+                  <a:cubicBezTo>
+                    <a:pt x="77" y="2308"/>
+                    <a:pt x="180" y="2360"/>
+                    <a:pt x="257" y="2385"/>
+                  </a:cubicBezTo>
+                  <a:cubicBezTo>
+                    <a:pt x="423" y="2445"/>
+                    <a:pt x="582" y="2473"/>
+                    <a:pt x="730" y="2473"/>
+                  </a:cubicBezTo>
+                  <a:cubicBezTo>
+                    <a:pt x="1974" y="2473"/>
+                    <a:pt x="2500" y="556"/>
+                    <a:pt x="1103" y="52"/>
+                  </a:cubicBezTo>
+                  <a:lnTo>
+                    <a:pt x="1103" y="52"/>
+                  </a:lnTo>
+                  <a:lnTo>
+                    <a:pt x="1103" y="78"/>
+                  </a:lnTo>
+                  <a:cubicBezTo>
+                    <a:pt x="1000" y="26"/>
+                    <a:pt x="923" y="26"/>
+                    <a:pt x="821" y="1"/>
+                  </a:cubicBezTo>
+                  <a:close/>
+                </a:path>
+              </a:pathLst>
+            </a:custGeom>
+            <a:solidFill>
+              <a:schemeClr val="accent1"/>
+            </a:solidFill>
+            <a:ln>
+              <a:noFill/>
+            </a:ln>
+          </p:spPr>
+          <p:txBody>
+            <a:bodyPr spcFirstLastPara="1" wrap="square" lIns="91425" tIns="91425" rIns="91425" bIns="91425" anchor="ctr" anchorCtr="0">
+              <a:noAutofit/>
+            </a:bodyPr>
+            <a:lstStyle/>
+            <a:p>
+              <a:pPr marL="0" lvl="0" indent="0" algn="l" rtl="0">
+                <a:spcBef>
+                  <a:spcPts val="0"/>
+                </a:spcBef>
+                <a:spcAft>
+                  <a:spcPts val="0"/>
+                </a:spcAft>
+                <a:buNone/>
+              </a:pPr>
+              <a:endParaRPr/>
+            </a:p>
+          </p:txBody>
+        </p:sp>
+        <p:sp>
+          <p:nvSpPr>
+            <p:cNvPr id="343" name="Google Shape;343;p34"/>
+            <p:cNvSpPr/>
+            <p:nvPr/>
+          </p:nvSpPr>
+          <p:spPr>
+            <a:xfrm>
+              <a:off x="6363107" y="137820"/>
+              <a:ext cx="19686" cy="7524"/>
+            </a:xfrm>
+            <a:custGeom>
+              <a:avLst/>
+              <a:gdLst/>
+              <a:ahLst/>
+              <a:cxnLst/>
+              <a:rect l="l" t="t" r="r" b="b"/>
+              <a:pathLst>
+                <a:path w="539" h="206" fill="none" extrusionOk="0">
+                  <a:moveTo>
+                    <a:pt x="0" y="0"/>
+                  </a:moveTo>
+                  <a:lnTo>
+                    <a:pt x="539" y="205"/>
+                  </a:lnTo>
+                </a:path>
+              </a:pathLst>
+            </a:custGeom>
+            <a:noFill/>
+            <a:ln w="9625" cap="rnd" cmpd="sng">
+              <a:solidFill>
+                <a:schemeClr val="lt1"/>
+              </a:solidFill>
+              <a:prstDash val="solid"/>
+              <a:miter lim="25642"/>
+              <a:headEnd type="none" w="sm" len="sm"/>
+              <a:tailEnd type="none" w="sm" len="sm"/>
+            </a:ln>
+          </p:spPr>
+          <p:txBody>
+            <a:bodyPr spcFirstLastPara="1" wrap="square" lIns="91425" tIns="91425" rIns="91425" bIns="91425" anchor="ctr" anchorCtr="0">
+              <a:noAutofit/>
+            </a:bodyPr>
+            <a:lstStyle/>
+            <a:p>
+              <a:pPr marL="0" lvl="0" indent="0" algn="l" rtl="0">
+                <a:spcBef>
+                  <a:spcPts val="0"/>
+                </a:spcBef>
+                <a:spcAft>
+                  <a:spcPts val="0"/>
+                </a:spcAft>
+                <a:buNone/>
+              </a:pPr>
+              <a:endParaRPr/>
+            </a:p>
+          </p:txBody>
+        </p:sp>
+        <p:sp>
+          <p:nvSpPr>
+            <p:cNvPr id="344" name="Google Shape;344;p34"/>
+            <p:cNvSpPr/>
+            <p:nvPr/>
+          </p:nvSpPr>
+          <p:spPr>
+            <a:xfrm>
+              <a:off x="6318146" y="264265"/>
+              <a:ext cx="18773" cy="6574"/>
+            </a:xfrm>
+            <a:custGeom>
+              <a:avLst/>
+              <a:gdLst/>
+              <a:ahLst/>
+              <a:cxnLst/>
+              <a:rect l="l" t="t" r="r" b="b"/>
+              <a:pathLst>
+                <a:path w="514" h="180" fill="none" extrusionOk="0">
+                  <a:moveTo>
+                    <a:pt x="1" y="0"/>
+                  </a:moveTo>
+                  <a:lnTo>
+                    <a:pt x="513" y="180"/>
+                  </a:lnTo>
+                </a:path>
+              </a:pathLst>
+            </a:custGeom>
+            <a:noFill/>
+            <a:ln w="9625" cap="rnd" cmpd="sng">
+              <a:solidFill>
+                <a:schemeClr val="lt1"/>
+              </a:solidFill>
+              <a:prstDash val="solid"/>
+              <a:miter lim="25642"/>
+              <a:headEnd type="none" w="sm" len="sm"/>
+              <a:tailEnd type="none" w="sm" len="sm"/>
+            </a:ln>
+          </p:spPr>
+          <p:txBody>
+            <a:bodyPr spcFirstLastPara="1" wrap="square" lIns="91425" tIns="91425" rIns="91425" bIns="91425" anchor="ctr" anchorCtr="0">
+              <a:noAutofit/>
+            </a:bodyPr>
+            <a:lstStyle/>
+            <a:p>
+              <a:pPr marL="0" lvl="0" indent="0" algn="l" rtl="0">
+                <a:spcBef>
+                  <a:spcPts val="0"/>
+                </a:spcBef>
+                <a:spcAft>
+                  <a:spcPts val="0"/>
+                </a:spcAft>
+                <a:buNone/>
+              </a:pPr>
+              <a:endParaRPr/>
+            </a:p>
+          </p:txBody>
+        </p:sp>
+        <p:sp>
+          <p:nvSpPr>
+            <p:cNvPr id="345" name="Google Shape;345;p34"/>
+            <p:cNvSpPr/>
+            <p:nvPr/>
+          </p:nvSpPr>
+          <p:spPr>
+            <a:xfrm>
+              <a:off x="6272273" y="389759"/>
+              <a:ext cx="19686" cy="7524"/>
+            </a:xfrm>
+            <a:custGeom>
+              <a:avLst/>
+              <a:gdLst/>
+              <a:ahLst/>
+              <a:cxnLst/>
+              <a:rect l="l" t="t" r="r" b="b"/>
+              <a:pathLst>
+                <a:path w="539" h="206" fill="none" extrusionOk="0">
+                  <a:moveTo>
+                    <a:pt x="0" y="0"/>
+                  </a:moveTo>
+                  <a:lnTo>
+                    <a:pt x="539" y="205"/>
+                  </a:lnTo>
+                </a:path>
+              </a:pathLst>
+            </a:custGeom>
+            <a:noFill/>
+            <a:ln w="9625" cap="rnd" cmpd="sng">
+              <a:solidFill>
+                <a:schemeClr val="lt1"/>
+              </a:solidFill>
+              <a:prstDash val="solid"/>
+              <a:miter lim="25642"/>
+              <a:headEnd type="none" w="sm" len="sm"/>
+              <a:tailEnd type="none" w="sm" len="sm"/>
+            </a:ln>
+          </p:spPr>
+          <p:txBody>
+            <a:bodyPr spcFirstLastPara="1" wrap="square" lIns="91425" tIns="91425" rIns="91425" bIns="91425" anchor="ctr" anchorCtr="0">
+              <a:noAutofit/>
+            </a:bodyPr>
+            <a:lstStyle/>
+            <a:p>
+              <a:pPr marL="0" lvl="0" indent="0" algn="l" rtl="0">
+                <a:spcBef>
+                  <a:spcPts val="0"/>
+                </a:spcBef>
+                <a:spcAft>
+                  <a:spcPts val="0"/>
+                </a:spcAft>
+                <a:buNone/>
+              </a:pPr>
+              <a:endParaRPr/>
+            </a:p>
+          </p:txBody>
+        </p:sp>
+        <p:sp>
+          <p:nvSpPr>
+            <p:cNvPr id="346" name="Google Shape;346;p34"/>
+            <p:cNvSpPr/>
+            <p:nvPr/>
+          </p:nvSpPr>
+          <p:spPr>
+            <a:xfrm>
+              <a:off x="6227313" y="516167"/>
+              <a:ext cx="18773" cy="6611"/>
+            </a:xfrm>
+            <a:custGeom>
+              <a:avLst/>
+              <a:gdLst/>
+              <a:ahLst/>
+              <a:cxnLst/>
+              <a:rect l="l" t="t" r="r" b="b"/>
+              <a:pathLst>
+                <a:path w="514" h="181" fill="none" extrusionOk="0">
+                  <a:moveTo>
+                    <a:pt x="0" y="1"/>
+                  </a:moveTo>
+                  <a:lnTo>
+                    <a:pt x="513" y="180"/>
+                  </a:lnTo>
+                </a:path>
+              </a:pathLst>
+            </a:custGeom>
+            <a:noFill/>
+            <a:ln w="9625" cap="rnd" cmpd="sng">
+              <a:solidFill>
+                <a:schemeClr val="lt1"/>
+              </a:solidFill>
+              <a:prstDash val="solid"/>
+              <a:miter lim="25642"/>
+              <a:headEnd type="none" w="sm" len="sm"/>
+              <a:tailEnd type="none" w="sm" len="sm"/>
+            </a:ln>
+          </p:spPr>
+          <p:txBody>
+            <a:bodyPr spcFirstLastPara="1" wrap="square" lIns="91425" tIns="91425" rIns="91425" bIns="91425" anchor="ctr" anchorCtr="0">
+              <a:noAutofit/>
+            </a:bodyPr>
+            <a:lstStyle/>
+            <a:p>
+              <a:pPr marL="0" lvl="0" indent="0" algn="l" rtl="0">
+                <a:spcBef>
+                  <a:spcPts val="0"/>
+                </a:spcBef>
+                <a:spcAft>
+                  <a:spcPts val="0"/>
+                </a:spcAft>
+                <a:buNone/>
+              </a:pPr>
+              <a:endParaRPr/>
+            </a:p>
+          </p:txBody>
+        </p:sp>
+      </p:grpSp>
+    </p:spTree>
+  </p:cSld>
+  <p:clrMapOvr>
+    <a:masterClrMapping/>
+  </p:clrMapOvr>
+</p:sld>
+</file>
+
+<file path=ppt/slides/slide30.xml><?xml version="1.0" encoding="utf-8"?>
 <p:sld xmlns:a="http://schemas.openxmlformats.org/drawingml/2006/main" xmlns:r="http://schemas.openxmlformats.org/officeDocument/2006/relationships" xmlns:p="http://schemas.openxmlformats.org/presentationml/2006/main">
   <p:cSld>
     <p:spTree>
@@ -28617,7 +33973,7 @@
 </p:sld>
 </file>
 
-<file path=ppt/slides/slide29.xml><?xml version="1.0" encoding="utf-8"?>
+<file path=ppt/slides/slide31.xml><?xml version="1.0" encoding="utf-8"?>
 <p:sld xmlns:a="http://schemas.openxmlformats.org/drawingml/2006/main" xmlns:r="http://schemas.openxmlformats.org/officeDocument/2006/relationships" xmlns:p="http://schemas.openxmlformats.org/presentationml/2006/main">
   <p:cSld>
     <p:spTree>
@@ -28797,7 +34153,7 @@
             </a:pPr>
             <a:r>
               <a:rPr lang="en-SG" dirty="0"/>
-              <a:t>Topic Modelling using BERT (Transformer base ML), Top2Vec</a:t>
+              <a:t>Topic Modelling using word embedding such as BERT, Top2Vec</a:t>
             </a:r>
           </a:p>
           <a:p>
@@ -29042,1050 +34398,7 @@
 </p:sld>
 </file>
 
-<file path=ppt/slides/slide3.xml><?xml version="1.0" encoding="utf-8"?>
-<p:sld xmlns:a="http://schemas.openxmlformats.org/drawingml/2006/main" xmlns:r="http://schemas.openxmlformats.org/officeDocument/2006/relationships" xmlns:p="http://schemas.openxmlformats.org/presentationml/2006/main">
-  <p:cSld>
-    <p:spTree>
-      <p:nvGrpSpPr>
-        <p:cNvPr id="1" name="Shape 330"/>
-        <p:cNvGrpSpPr/>
-        <p:nvPr/>
-      </p:nvGrpSpPr>
-      <p:grpSpPr>
-        <a:xfrm>
-          <a:off x="0" y="0"/>
-          <a:ext cx="0" cy="0"/>
-          <a:chOff x="0" y="0"/>
-          <a:chExt cx="0" cy="0"/>
-        </a:xfrm>
-      </p:grpSpPr>
-      <p:sp>
-        <p:nvSpPr>
-          <p:cNvPr id="331" name="Google Shape;331;p34"/>
-          <p:cNvSpPr/>
-          <p:nvPr/>
-        </p:nvSpPr>
-        <p:spPr>
-          <a:xfrm rot="213351" flipH="1">
-            <a:off x="1667358" y="978954"/>
-            <a:ext cx="5809284" cy="3185840"/>
-          </a:xfrm>
-          <a:prstGeom prst="rect">
-            <a:avLst/>
-          </a:prstGeom>
-          <a:solidFill>
-            <a:schemeClr val="accent1"/>
-          </a:solidFill>
-          <a:ln>
-            <a:noFill/>
-          </a:ln>
-        </p:spPr>
-        <p:txBody>
-          <a:bodyPr spcFirstLastPara="1" wrap="square" lIns="91425" tIns="91425" rIns="91425" bIns="91425" anchor="ctr" anchorCtr="0">
-            <a:noAutofit/>
-          </a:bodyPr>
-          <a:lstStyle/>
-          <a:p>
-            <a:pPr marL="0" lvl="0" indent="0" algn="l" rtl="0">
-              <a:spcBef>
-                <a:spcPts val="0"/>
-              </a:spcBef>
-              <a:spcAft>
-                <a:spcPts val="0"/>
-              </a:spcAft>
-              <a:buNone/>
-            </a:pPr>
-            <a:endParaRPr/>
-          </a:p>
-        </p:txBody>
-      </p:sp>
-      <p:sp>
-        <p:nvSpPr>
-          <p:cNvPr id="332" name="Google Shape;332;p34"/>
-          <p:cNvSpPr txBox="1">
-            <a:spLocks noGrp="1"/>
-          </p:cNvSpPr>
-          <p:nvPr>
-            <p:ph type="title"/>
-          </p:nvPr>
-        </p:nvSpPr>
-        <p:spPr>
-          <a:xfrm>
-            <a:off x="2374800" y="2517700"/>
-            <a:ext cx="4394400" cy="841800"/>
-          </a:xfrm>
-          <a:prstGeom prst="rect">
-            <a:avLst/>
-          </a:prstGeom>
-        </p:spPr>
-        <p:txBody>
-          <a:bodyPr spcFirstLastPara="1" wrap="square" lIns="91425" tIns="91425" rIns="91425" bIns="91425" anchor="ctr" anchorCtr="0">
-            <a:noAutofit/>
-          </a:bodyPr>
-          <a:lstStyle/>
-          <a:p>
-            <a:pPr marL="0" lvl="0" indent="0" algn="ctr" rtl="0">
-              <a:spcBef>
-                <a:spcPts val="0"/>
-              </a:spcBef>
-              <a:spcAft>
-                <a:spcPts val="0"/>
-              </a:spcAft>
-              <a:buNone/>
-            </a:pPr>
-            <a:r>
-              <a:rPr lang="en" sz="3200" dirty="0"/>
-              <a:t>GOAL &amp; PROBLEM STATEMENT</a:t>
-            </a:r>
-            <a:endParaRPr sz="3200" dirty="0"/>
-          </a:p>
-        </p:txBody>
-      </p:sp>
-      <p:sp>
-        <p:nvSpPr>
-          <p:cNvPr id="333" name="Google Shape;333;p34"/>
-          <p:cNvSpPr txBox="1">
-            <a:spLocks noGrp="1"/>
-          </p:cNvSpPr>
-          <p:nvPr>
-            <p:ph type="title" idx="2"/>
-          </p:nvPr>
-        </p:nvSpPr>
-        <p:spPr>
-          <a:xfrm>
-            <a:off x="2374800" y="1340150"/>
-            <a:ext cx="4394400" cy="1310100"/>
-          </a:xfrm>
-          <a:prstGeom prst="rect">
-            <a:avLst/>
-          </a:prstGeom>
-        </p:spPr>
-        <p:txBody>
-          <a:bodyPr spcFirstLastPara="1" wrap="square" lIns="91425" tIns="91425" rIns="91425" bIns="91425" anchor="ctr" anchorCtr="0">
-            <a:noAutofit/>
-          </a:bodyPr>
-          <a:lstStyle/>
-          <a:p>
-            <a:pPr marL="0" lvl="0" indent="0" algn="ctr" rtl="0">
-              <a:spcBef>
-                <a:spcPts val="0"/>
-              </a:spcBef>
-              <a:spcAft>
-                <a:spcPts val="0"/>
-              </a:spcAft>
-              <a:buNone/>
-            </a:pPr>
-            <a:r>
-              <a:rPr lang="en" dirty="0"/>
-              <a:t>01</a:t>
-            </a:r>
-            <a:endParaRPr dirty="0"/>
-          </a:p>
-        </p:txBody>
-      </p:sp>
-      <p:sp>
-        <p:nvSpPr>
-          <p:cNvPr id="334" name="Google Shape;334;p34"/>
-          <p:cNvSpPr txBox="1">
-            <a:spLocks noGrp="1"/>
-          </p:cNvSpPr>
-          <p:nvPr>
-            <p:ph type="subTitle" idx="1"/>
-          </p:nvPr>
-        </p:nvSpPr>
-        <p:spPr>
-          <a:xfrm>
-            <a:off x="2374800" y="3408475"/>
-            <a:ext cx="4394400" cy="442800"/>
-          </a:xfrm>
-          <a:prstGeom prst="rect">
-            <a:avLst/>
-          </a:prstGeom>
-        </p:spPr>
-        <p:txBody>
-          <a:bodyPr spcFirstLastPara="1" wrap="square" lIns="91425" tIns="91425" rIns="91425" bIns="91425" anchor="t" anchorCtr="0">
-            <a:noAutofit/>
-          </a:bodyPr>
-          <a:lstStyle/>
-          <a:p>
-            <a:pPr marL="0" lvl="0" indent="0" algn="ctr" rtl="0">
-              <a:spcBef>
-                <a:spcPts val="0"/>
-              </a:spcBef>
-              <a:spcAft>
-                <a:spcPts val="0"/>
-              </a:spcAft>
-              <a:buNone/>
-            </a:pPr>
-            <a:r>
-              <a:rPr lang="en" dirty="0"/>
-              <a:t>What to achieve for this project</a:t>
-            </a:r>
-            <a:endParaRPr dirty="0"/>
-          </a:p>
-        </p:txBody>
-      </p:sp>
-      <p:grpSp>
-        <p:nvGrpSpPr>
-          <p:cNvPr id="335" name="Google Shape;335;p34"/>
-          <p:cNvGrpSpPr/>
-          <p:nvPr/>
-        </p:nvGrpSpPr>
-        <p:grpSpPr>
-          <a:xfrm rot="-2026318">
-            <a:off x="6264543" y="-8947"/>
-            <a:ext cx="2674335" cy="2862666"/>
-            <a:chOff x="6201089" y="32925"/>
-            <a:chExt cx="699625" cy="748894"/>
-          </a:xfrm>
-        </p:grpSpPr>
-        <p:sp>
-          <p:nvSpPr>
-            <p:cNvPr id="336" name="Google Shape;336;p34"/>
-            <p:cNvSpPr/>
-            <p:nvPr/>
-          </p:nvSpPr>
-          <p:spPr>
-            <a:xfrm>
-              <a:off x="6201089" y="32925"/>
-              <a:ext cx="699625" cy="748894"/>
-            </a:xfrm>
-            <a:custGeom>
-              <a:avLst/>
-              <a:gdLst/>
-              <a:ahLst/>
-              <a:cxnLst/>
-              <a:rect l="l" t="t" r="r" b="b"/>
-              <a:pathLst>
-                <a:path w="19156" h="20505" extrusionOk="0">
-                  <a:moveTo>
-                    <a:pt x="5667" y="0"/>
-                  </a:moveTo>
-                  <a:lnTo>
-                    <a:pt x="0" y="15796"/>
-                  </a:lnTo>
-                  <a:lnTo>
-                    <a:pt x="12950" y="20463"/>
-                  </a:lnTo>
-                  <a:cubicBezTo>
-                    <a:pt x="13029" y="20491"/>
-                    <a:pt x="13108" y="20505"/>
-                    <a:pt x="13185" y="20505"/>
-                  </a:cubicBezTo>
-                  <a:cubicBezTo>
-                    <a:pt x="13456" y="20505"/>
-                    <a:pt x="13696" y="20338"/>
-                    <a:pt x="13796" y="20078"/>
-                  </a:cubicBezTo>
-                  <a:lnTo>
-                    <a:pt x="19053" y="5539"/>
-                  </a:lnTo>
-                  <a:cubicBezTo>
-                    <a:pt x="19155" y="5180"/>
-                    <a:pt x="18976" y="4795"/>
-                    <a:pt x="18642" y="4693"/>
-                  </a:cubicBezTo>
-                  <a:lnTo>
-                    <a:pt x="5667" y="0"/>
-                  </a:lnTo>
-                  <a:close/>
-                </a:path>
-              </a:pathLst>
-            </a:custGeom>
-            <a:solidFill>
-              <a:schemeClr val="dk2"/>
-            </a:solidFill>
-            <a:ln>
-              <a:noFill/>
-            </a:ln>
-          </p:spPr>
-          <p:txBody>
-            <a:bodyPr spcFirstLastPara="1" wrap="square" lIns="91425" tIns="91425" rIns="91425" bIns="91425" anchor="ctr" anchorCtr="0">
-              <a:noAutofit/>
-            </a:bodyPr>
-            <a:lstStyle/>
-            <a:p>
-              <a:pPr marL="0" lvl="0" indent="0" algn="l" rtl="0">
-                <a:spcBef>
-                  <a:spcPts val="0"/>
-                </a:spcBef>
-                <a:spcAft>
-                  <a:spcPts val="0"/>
-                </a:spcAft>
-                <a:buNone/>
-              </a:pPr>
-              <a:endParaRPr/>
-            </a:p>
-          </p:txBody>
-        </p:sp>
-        <p:sp>
-          <p:nvSpPr>
-            <p:cNvPr id="337" name="Google Shape;337;p34"/>
-            <p:cNvSpPr/>
-            <p:nvPr/>
-          </p:nvSpPr>
-          <p:spPr>
-            <a:xfrm>
-              <a:off x="6301309" y="69448"/>
-              <a:ext cx="221984" cy="581621"/>
-            </a:xfrm>
-            <a:custGeom>
-              <a:avLst/>
-              <a:gdLst/>
-              <a:ahLst/>
-              <a:cxnLst/>
-              <a:rect l="l" t="t" r="r" b="b"/>
-              <a:pathLst>
-                <a:path w="6078" h="15925" extrusionOk="0">
-                  <a:moveTo>
-                    <a:pt x="5693" y="0"/>
-                  </a:moveTo>
-                  <a:lnTo>
-                    <a:pt x="0" y="15796"/>
-                  </a:lnTo>
-                  <a:lnTo>
-                    <a:pt x="385" y="15924"/>
-                  </a:lnTo>
-                  <a:lnTo>
-                    <a:pt x="6077" y="129"/>
-                  </a:lnTo>
-                  <a:lnTo>
-                    <a:pt x="5693" y="0"/>
-                  </a:lnTo>
-                  <a:close/>
-                </a:path>
-              </a:pathLst>
-            </a:custGeom>
-            <a:solidFill>
-              <a:schemeClr val="dk1"/>
-            </a:solidFill>
-            <a:ln>
-              <a:noFill/>
-            </a:ln>
-          </p:spPr>
-          <p:txBody>
-            <a:bodyPr spcFirstLastPara="1" wrap="square" lIns="91425" tIns="91425" rIns="91425" bIns="91425" anchor="ctr" anchorCtr="0">
-              <a:noAutofit/>
-            </a:bodyPr>
-            <a:lstStyle/>
-            <a:p>
-              <a:pPr marL="0" lvl="0" indent="0" algn="l" rtl="0">
-                <a:spcBef>
-                  <a:spcPts val="0"/>
-                </a:spcBef>
-                <a:spcAft>
-                  <a:spcPts val="0"/>
-                </a:spcAft>
-                <a:buNone/>
-              </a:pPr>
-              <a:endParaRPr/>
-            </a:p>
-          </p:txBody>
-        </p:sp>
-        <p:sp>
-          <p:nvSpPr>
-            <p:cNvPr id="338" name="Google Shape;338;p34"/>
-            <p:cNvSpPr/>
-            <p:nvPr/>
-          </p:nvSpPr>
-          <p:spPr>
-            <a:xfrm>
-              <a:off x="6467052" y="311088"/>
-              <a:ext cx="293166" cy="199486"/>
-            </a:xfrm>
-            <a:custGeom>
-              <a:avLst/>
-              <a:gdLst/>
-              <a:ahLst/>
-              <a:cxnLst/>
-              <a:rect l="l" t="t" r="r" b="b"/>
-              <a:pathLst>
-                <a:path w="8027" h="5462" extrusionOk="0">
-                  <a:moveTo>
-                    <a:pt x="1052" y="0"/>
-                  </a:moveTo>
-                  <a:lnTo>
-                    <a:pt x="1" y="2949"/>
-                  </a:lnTo>
-                  <a:lnTo>
-                    <a:pt x="6975" y="5462"/>
-                  </a:lnTo>
-                  <a:lnTo>
-                    <a:pt x="8027" y="2513"/>
-                  </a:lnTo>
-                  <a:lnTo>
-                    <a:pt x="1052" y="0"/>
-                  </a:lnTo>
-                  <a:close/>
-                </a:path>
-              </a:pathLst>
-            </a:custGeom>
-            <a:solidFill>
-              <a:schemeClr val="lt1"/>
-            </a:solidFill>
-            <a:ln>
-              <a:noFill/>
-            </a:ln>
-          </p:spPr>
-          <p:txBody>
-            <a:bodyPr spcFirstLastPara="1" wrap="square" lIns="91425" tIns="91425" rIns="91425" bIns="91425" anchor="ctr" anchorCtr="0">
-              <a:noAutofit/>
-            </a:bodyPr>
-            <a:lstStyle/>
-            <a:p>
-              <a:pPr marL="0" lvl="0" indent="0" algn="l" rtl="0">
-                <a:spcBef>
-                  <a:spcPts val="0"/>
-                </a:spcBef>
-                <a:spcAft>
-                  <a:spcPts val="0"/>
-                </a:spcAft>
-                <a:buNone/>
-              </a:pPr>
-              <a:endParaRPr/>
-            </a:p>
-          </p:txBody>
-        </p:sp>
-        <p:sp>
-          <p:nvSpPr>
-            <p:cNvPr id="339" name="Google Shape;339;p34"/>
-            <p:cNvSpPr/>
-            <p:nvPr/>
-          </p:nvSpPr>
-          <p:spPr>
-            <a:xfrm>
-              <a:off x="6354670" y="100347"/>
-              <a:ext cx="91598" cy="91014"/>
-            </a:xfrm>
-            <a:custGeom>
-              <a:avLst/>
-              <a:gdLst/>
-              <a:ahLst/>
-              <a:cxnLst/>
-              <a:rect l="l" t="t" r="r" b="b"/>
-              <a:pathLst>
-                <a:path w="2508" h="2492" extrusionOk="0">
-                  <a:moveTo>
-                    <a:pt x="821" y="1"/>
-                  </a:moveTo>
-                  <a:lnTo>
-                    <a:pt x="693" y="334"/>
-                  </a:lnTo>
-                  <a:cubicBezTo>
-                    <a:pt x="796" y="334"/>
-                    <a:pt x="898" y="360"/>
-                    <a:pt x="1001" y="385"/>
-                  </a:cubicBezTo>
-                  <a:cubicBezTo>
-                    <a:pt x="2015" y="754"/>
-                    <a:pt x="1620" y="2160"/>
-                    <a:pt x="710" y="2160"/>
-                  </a:cubicBezTo>
-                  <a:cubicBezTo>
-                    <a:pt x="608" y="2160"/>
-                    <a:pt x="499" y="2142"/>
-                    <a:pt x="385" y="2103"/>
-                  </a:cubicBezTo>
-                  <a:cubicBezTo>
-                    <a:pt x="283" y="2052"/>
-                    <a:pt x="206" y="2001"/>
-                    <a:pt x="129" y="1949"/>
-                  </a:cubicBezTo>
-                  <a:lnTo>
-                    <a:pt x="1" y="2257"/>
-                  </a:lnTo>
-                  <a:cubicBezTo>
-                    <a:pt x="78" y="2308"/>
-                    <a:pt x="180" y="2360"/>
-                    <a:pt x="257" y="2411"/>
-                  </a:cubicBezTo>
-                  <a:cubicBezTo>
-                    <a:pt x="417" y="2466"/>
-                    <a:pt x="569" y="2491"/>
-                    <a:pt x="713" y="2491"/>
-                  </a:cubicBezTo>
-                  <a:cubicBezTo>
-                    <a:pt x="1969" y="2491"/>
-                    <a:pt x="2508" y="561"/>
-                    <a:pt x="1103" y="78"/>
-                  </a:cubicBezTo>
-                  <a:cubicBezTo>
-                    <a:pt x="1001" y="52"/>
-                    <a:pt x="924" y="26"/>
-                    <a:pt x="821" y="1"/>
-                  </a:cubicBezTo>
-                  <a:close/>
-                </a:path>
-              </a:pathLst>
-            </a:custGeom>
-            <a:solidFill>
-              <a:schemeClr val="accent1"/>
-            </a:solidFill>
-            <a:ln>
-              <a:noFill/>
-            </a:ln>
-          </p:spPr>
-          <p:txBody>
-            <a:bodyPr spcFirstLastPara="1" wrap="square" lIns="91425" tIns="91425" rIns="91425" bIns="91425" anchor="ctr" anchorCtr="0">
-              <a:noAutofit/>
-            </a:bodyPr>
-            <a:lstStyle/>
-            <a:p>
-              <a:pPr marL="0" lvl="0" indent="0" algn="l" rtl="0">
-                <a:spcBef>
-                  <a:spcPts val="0"/>
-                </a:spcBef>
-                <a:spcAft>
-                  <a:spcPts val="0"/>
-                </a:spcAft>
-                <a:buNone/>
-              </a:pPr>
-              <a:endParaRPr/>
-            </a:p>
-          </p:txBody>
-        </p:sp>
-        <p:sp>
-          <p:nvSpPr>
-            <p:cNvPr id="340" name="Google Shape;340;p34"/>
-            <p:cNvSpPr/>
-            <p:nvPr/>
-          </p:nvSpPr>
-          <p:spPr>
-            <a:xfrm>
-              <a:off x="6309709" y="225842"/>
-              <a:ext cx="91379" cy="90320"/>
-            </a:xfrm>
-            <a:custGeom>
-              <a:avLst/>
-              <a:gdLst/>
-              <a:ahLst/>
-              <a:cxnLst/>
-              <a:rect l="l" t="t" r="r" b="b"/>
-              <a:pathLst>
-                <a:path w="2502" h="2473" extrusionOk="0">
-                  <a:moveTo>
-                    <a:pt x="821" y="1"/>
-                  </a:moveTo>
-                  <a:lnTo>
-                    <a:pt x="693" y="308"/>
-                  </a:lnTo>
-                  <a:cubicBezTo>
-                    <a:pt x="796" y="308"/>
-                    <a:pt x="898" y="334"/>
-                    <a:pt x="1001" y="360"/>
-                  </a:cubicBezTo>
-                  <a:cubicBezTo>
-                    <a:pt x="2010" y="727"/>
-                    <a:pt x="1624" y="2141"/>
-                    <a:pt x="724" y="2141"/>
-                  </a:cubicBezTo>
-                  <a:cubicBezTo>
-                    <a:pt x="618" y="2141"/>
-                    <a:pt x="504" y="2121"/>
-                    <a:pt x="386" y="2078"/>
-                  </a:cubicBezTo>
-                  <a:cubicBezTo>
-                    <a:pt x="283" y="2026"/>
-                    <a:pt x="206" y="1975"/>
-                    <a:pt x="129" y="1924"/>
-                  </a:cubicBezTo>
-                  <a:lnTo>
-                    <a:pt x="1" y="2257"/>
-                  </a:lnTo>
-                  <a:cubicBezTo>
-                    <a:pt x="78" y="2309"/>
-                    <a:pt x="180" y="2334"/>
-                    <a:pt x="257" y="2385"/>
-                  </a:cubicBezTo>
-                  <a:cubicBezTo>
-                    <a:pt x="424" y="2446"/>
-                    <a:pt x="582" y="2473"/>
-                    <a:pt x="730" y="2473"/>
-                  </a:cubicBezTo>
-                  <a:cubicBezTo>
-                    <a:pt x="1974" y="2473"/>
-                    <a:pt x="2501" y="556"/>
-                    <a:pt x="1103" y="52"/>
-                  </a:cubicBezTo>
-                  <a:cubicBezTo>
-                    <a:pt x="1001" y="26"/>
-                    <a:pt x="924" y="1"/>
-                    <a:pt x="821" y="1"/>
-                  </a:cubicBezTo>
-                  <a:close/>
-                </a:path>
-              </a:pathLst>
-            </a:custGeom>
-            <a:solidFill>
-              <a:schemeClr val="accent1"/>
-            </a:solidFill>
-            <a:ln>
-              <a:noFill/>
-            </a:ln>
-          </p:spPr>
-          <p:txBody>
-            <a:bodyPr spcFirstLastPara="1" wrap="square" lIns="91425" tIns="91425" rIns="91425" bIns="91425" anchor="ctr" anchorCtr="0">
-              <a:noAutofit/>
-            </a:bodyPr>
-            <a:lstStyle/>
-            <a:p>
-              <a:pPr marL="0" lvl="0" indent="0" algn="l" rtl="0">
-                <a:spcBef>
-                  <a:spcPts val="0"/>
-                </a:spcBef>
-                <a:spcAft>
-                  <a:spcPts val="0"/>
-                </a:spcAft>
-                <a:buNone/>
-              </a:pPr>
-              <a:endParaRPr/>
-            </a:p>
-          </p:txBody>
-        </p:sp>
-        <p:sp>
-          <p:nvSpPr>
-            <p:cNvPr id="341" name="Google Shape;341;p34"/>
-            <p:cNvSpPr/>
-            <p:nvPr/>
-          </p:nvSpPr>
-          <p:spPr>
-            <a:xfrm>
-              <a:off x="6264786" y="350423"/>
-              <a:ext cx="91343" cy="90320"/>
-            </a:xfrm>
-            <a:custGeom>
-              <a:avLst/>
-              <a:gdLst/>
-              <a:ahLst/>
-              <a:cxnLst/>
-              <a:rect l="l" t="t" r="r" b="b"/>
-              <a:pathLst>
-                <a:path w="2501" h="2473" extrusionOk="0">
-                  <a:moveTo>
-                    <a:pt x="821" y="0"/>
-                  </a:moveTo>
-                  <a:lnTo>
-                    <a:pt x="692" y="333"/>
-                  </a:lnTo>
-                  <a:cubicBezTo>
-                    <a:pt x="795" y="333"/>
-                    <a:pt x="898" y="333"/>
-                    <a:pt x="1000" y="385"/>
-                  </a:cubicBezTo>
-                  <a:cubicBezTo>
-                    <a:pt x="2009" y="729"/>
-                    <a:pt x="1623" y="2140"/>
-                    <a:pt x="723" y="2140"/>
-                  </a:cubicBezTo>
-                  <a:cubicBezTo>
-                    <a:pt x="617" y="2140"/>
-                    <a:pt x="504" y="2120"/>
-                    <a:pt x="385" y="2077"/>
-                  </a:cubicBezTo>
-                  <a:cubicBezTo>
-                    <a:pt x="282" y="2052"/>
-                    <a:pt x="205" y="2000"/>
-                    <a:pt x="128" y="1923"/>
-                  </a:cubicBezTo>
-                  <a:lnTo>
-                    <a:pt x="0" y="2257"/>
-                  </a:lnTo>
-                  <a:cubicBezTo>
-                    <a:pt x="77" y="2308"/>
-                    <a:pt x="180" y="2359"/>
-                    <a:pt x="256" y="2385"/>
-                  </a:cubicBezTo>
-                  <a:cubicBezTo>
-                    <a:pt x="423" y="2445"/>
-                    <a:pt x="581" y="2472"/>
-                    <a:pt x="730" y="2472"/>
-                  </a:cubicBezTo>
-                  <a:cubicBezTo>
-                    <a:pt x="1974" y="2472"/>
-                    <a:pt x="2500" y="555"/>
-                    <a:pt x="1103" y="51"/>
-                  </a:cubicBezTo>
-                  <a:cubicBezTo>
-                    <a:pt x="1000" y="26"/>
-                    <a:pt x="923" y="0"/>
-                    <a:pt x="821" y="0"/>
-                  </a:cubicBezTo>
-                  <a:close/>
-                </a:path>
-              </a:pathLst>
-            </a:custGeom>
-            <a:solidFill>
-              <a:schemeClr val="accent1"/>
-            </a:solidFill>
-            <a:ln>
-              <a:noFill/>
-            </a:ln>
-          </p:spPr>
-          <p:txBody>
-            <a:bodyPr spcFirstLastPara="1" wrap="square" lIns="91425" tIns="91425" rIns="91425" bIns="91425" anchor="ctr" anchorCtr="0">
-              <a:noAutofit/>
-            </a:bodyPr>
-            <a:lstStyle/>
-            <a:p>
-              <a:pPr marL="0" lvl="0" indent="0" algn="l" rtl="0">
-                <a:spcBef>
-                  <a:spcPts val="0"/>
-                </a:spcBef>
-                <a:spcAft>
-                  <a:spcPts val="0"/>
-                </a:spcAft>
-                <a:buNone/>
-              </a:pPr>
-              <a:endParaRPr/>
-            </a:p>
-          </p:txBody>
-        </p:sp>
-        <p:sp>
-          <p:nvSpPr>
-            <p:cNvPr id="342" name="Google Shape;342;p34"/>
-            <p:cNvSpPr/>
-            <p:nvPr/>
-          </p:nvSpPr>
-          <p:spPr>
-            <a:xfrm>
-              <a:off x="6219825" y="474969"/>
-              <a:ext cx="91343" cy="90320"/>
-            </a:xfrm>
-            <a:custGeom>
-              <a:avLst/>
-              <a:gdLst/>
-              <a:ahLst/>
-              <a:cxnLst/>
-              <a:rect l="l" t="t" r="r" b="b"/>
-              <a:pathLst>
-                <a:path w="2501" h="2473" extrusionOk="0">
-                  <a:moveTo>
-                    <a:pt x="821" y="1"/>
-                  </a:moveTo>
-                  <a:lnTo>
-                    <a:pt x="693" y="334"/>
-                  </a:lnTo>
-                  <a:cubicBezTo>
-                    <a:pt x="795" y="334"/>
-                    <a:pt x="898" y="334"/>
-                    <a:pt x="1000" y="385"/>
-                  </a:cubicBezTo>
-                  <a:cubicBezTo>
-                    <a:pt x="2008" y="752"/>
-                    <a:pt x="1625" y="2141"/>
-                    <a:pt x="727" y="2141"/>
-                  </a:cubicBezTo>
-                  <a:cubicBezTo>
-                    <a:pt x="620" y="2141"/>
-                    <a:pt x="505" y="2121"/>
-                    <a:pt x="385" y="2078"/>
-                  </a:cubicBezTo>
-                  <a:cubicBezTo>
-                    <a:pt x="282" y="2052"/>
-                    <a:pt x="205" y="2001"/>
-                    <a:pt x="128" y="1949"/>
-                  </a:cubicBezTo>
-                  <a:lnTo>
-                    <a:pt x="0" y="2257"/>
-                  </a:lnTo>
-                  <a:cubicBezTo>
-                    <a:pt x="77" y="2308"/>
-                    <a:pt x="180" y="2360"/>
-                    <a:pt x="257" y="2385"/>
-                  </a:cubicBezTo>
-                  <a:cubicBezTo>
-                    <a:pt x="423" y="2445"/>
-                    <a:pt x="582" y="2473"/>
-                    <a:pt x="730" y="2473"/>
-                  </a:cubicBezTo>
-                  <a:cubicBezTo>
-                    <a:pt x="1974" y="2473"/>
-                    <a:pt x="2500" y="556"/>
-                    <a:pt x="1103" y="52"/>
-                  </a:cubicBezTo>
-                  <a:lnTo>
-                    <a:pt x="1103" y="52"/>
-                  </a:lnTo>
-                  <a:lnTo>
-                    <a:pt x="1103" y="78"/>
-                  </a:lnTo>
-                  <a:cubicBezTo>
-                    <a:pt x="1000" y="26"/>
-                    <a:pt x="923" y="26"/>
-                    <a:pt x="821" y="1"/>
-                  </a:cubicBezTo>
-                  <a:close/>
-                </a:path>
-              </a:pathLst>
-            </a:custGeom>
-            <a:solidFill>
-              <a:schemeClr val="accent1"/>
-            </a:solidFill>
-            <a:ln>
-              <a:noFill/>
-            </a:ln>
-          </p:spPr>
-          <p:txBody>
-            <a:bodyPr spcFirstLastPara="1" wrap="square" lIns="91425" tIns="91425" rIns="91425" bIns="91425" anchor="ctr" anchorCtr="0">
-              <a:noAutofit/>
-            </a:bodyPr>
-            <a:lstStyle/>
-            <a:p>
-              <a:pPr marL="0" lvl="0" indent="0" algn="l" rtl="0">
-                <a:spcBef>
-                  <a:spcPts val="0"/>
-                </a:spcBef>
-                <a:spcAft>
-                  <a:spcPts val="0"/>
-                </a:spcAft>
-                <a:buNone/>
-              </a:pPr>
-              <a:endParaRPr/>
-            </a:p>
-          </p:txBody>
-        </p:sp>
-        <p:sp>
-          <p:nvSpPr>
-            <p:cNvPr id="343" name="Google Shape;343;p34"/>
-            <p:cNvSpPr/>
-            <p:nvPr/>
-          </p:nvSpPr>
-          <p:spPr>
-            <a:xfrm>
-              <a:off x="6363107" y="137820"/>
-              <a:ext cx="19686" cy="7524"/>
-            </a:xfrm>
-            <a:custGeom>
-              <a:avLst/>
-              <a:gdLst/>
-              <a:ahLst/>
-              <a:cxnLst/>
-              <a:rect l="l" t="t" r="r" b="b"/>
-              <a:pathLst>
-                <a:path w="539" h="206" fill="none" extrusionOk="0">
-                  <a:moveTo>
-                    <a:pt x="0" y="0"/>
-                  </a:moveTo>
-                  <a:lnTo>
-                    <a:pt x="539" y="205"/>
-                  </a:lnTo>
-                </a:path>
-              </a:pathLst>
-            </a:custGeom>
-            <a:noFill/>
-            <a:ln w="9625" cap="rnd" cmpd="sng">
-              <a:solidFill>
-                <a:schemeClr val="lt1"/>
-              </a:solidFill>
-              <a:prstDash val="solid"/>
-              <a:miter lim="25642"/>
-              <a:headEnd type="none" w="sm" len="sm"/>
-              <a:tailEnd type="none" w="sm" len="sm"/>
-            </a:ln>
-          </p:spPr>
-          <p:txBody>
-            <a:bodyPr spcFirstLastPara="1" wrap="square" lIns="91425" tIns="91425" rIns="91425" bIns="91425" anchor="ctr" anchorCtr="0">
-              <a:noAutofit/>
-            </a:bodyPr>
-            <a:lstStyle/>
-            <a:p>
-              <a:pPr marL="0" lvl="0" indent="0" algn="l" rtl="0">
-                <a:spcBef>
-                  <a:spcPts val="0"/>
-                </a:spcBef>
-                <a:spcAft>
-                  <a:spcPts val="0"/>
-                </a:spcAft>
-                <a:buNone/>
-              </a:pPr>
-              <a:endParaRPr/>
-            </a:p>
-          </p:txBody>
-        </p:sp>
-        <p:sp>
-          <p:nvSpPr>
-            <p:cNvPr id="344" name="Google Shape;344;p34"/>
-            <p:cNvSpPr/>
-            <p:nvPr/>
-          </p:nvSpPr>
-          <p:spPr>
-            <a:xfrm>
-              <a:off x="6318146" y="264265"/>
-              <a:ext cx="18773" cy="6574"/>
-            </a:xfrm>
-            <a:custGeom>
-              <a:avLst/>
-              <a:gdLst/>
-              <a:ahLst/>
-              <a:cxnLst/>
-              <a:rect l="l" t="t" r="r" b="b"/>
-              <a:pathLst>
-                <a:path w="514" h="180" fill="none" extrusionOk="0">
-                  <a:moveTo>
-                    <a:pt x="1" y="0"/>
-                  </a:moveTo>
-                  <a:lnTo>
-                    <a:pt x="513" y="180"/>
-                  </a:lnTo>
-                </a:path>
-              </a:pathLst>
-            </a:custGeom>
-            <a:noFill/>
-            <a:ln w="9625" cap="rnd" cmpd="sng">
-              <a:solidFill>
-                <a:schemeClr val="lt1"/>
-              </a:solidFill>
-              <a:prstDash val="solid"/>
-              <a:miter lim="25642"/>
-              <a:headEnd type="none" w="sm" len="sm"/>
-              <a:tailEnd type="none" w="sm" len="sm"/>
-            </a:ln>
-          </p:spPr>
-          <p:txBody>
-            <a:bodyPr spcFirstLastPara="1" wrap="square" lIns="91425" tIns="91425" rIns="91425" bIns="91425" anchor="ctr" anchorCtr="0">
-              <a:noAutofit/>
-            </a:bodyPr>
-            <a:lstStyle/>
-            <a:p>
-              <a:pPr marL="0" lvl="0" indent="0" algn="l" rtl="0">
-                <a:spcBef>
-                  <a:spcPts val="0"/>
-                </a:spcBef>
-                <a:spcAft>
-                  <a:spcPts val="0"/>
-                </a:spcAft>
-                <a:buNone/>
-              </a:pPr>
-              <a:endParaRPr/>
-            </a:p>
-          </p:txBody>
-        </p:sp>
-        <p:sp>
-          <p:nvSpPr>
-            <p:cNvPr id="345" name="Google Shape;345;p34"/>
-            <p:cNvSpPr/>
-            <p:nvPr/>
-          </p:nvSpPr>
-          <p:spPr>
-            <a:xfrm>
-              <a:off x="6272273" y="389759"/>
-              <a:ext cx="19686" cy="7524"/>
-            </a:xfrm>
-            <a:custGeom>
-              <a:avLst/>
-              <a:gdLst/>
-              <a:ahLst/>
-              <a:cxnLst/>
-              <a:rect l="l" t="t" r="r" b="b"/>
-              <a:pathLst>
-                <a:path w="539" h="206" fill="none" extrusionOk="0">
-                  <a:moveTo>
-                    <a:pt x="0" y="0"/>
-                  </a:moveTo>
-                  <a:lnTo>
-                    <a:pt x="539" y="205"/>
-                  </a:lnTo>
-                </a:path>
-              </a:pathLst>
-            </a:custGeom>
-            <a:noFill/>
-            <a:ln w="9625" cap="rnd" cmpd="sng">
-              <a:solidFill>
-                <a:schemeClr val="lt1"/>
-              </a:solidFill>
-              <a:prstDash val="solid"/>
-              <a:miter lim="25642"/>
-              <a:headEnd type="none" w="sm" len="sm"/>
-              <a:tailEnd type="none" w="sm" len="sm"/>
-            </a:ln>
-          </p:spPr>
-          <p:txBody>
-            <a:bodyPr spcFirstLastPara="1" wrap="square" lIns="91425" tIns="91425" rIns="91425" bIns="91425" anchor="ctr" anchorCtr="0">
-              <a:noAutofit/>
-            </a:bodyPr>
-            <a:lstStyle/>
-            <a:p>
-              <a:pPr marL="0" lvl="0" indent="0" algn="l" rtl="0">
-                <a:spcBef>
-                  <a:spcPts val="0"/>
-                </a:spcBef>
-                <a:spcAft>
-                  <a:spcPts val="0"/>
-                </a:spcAft>
-                <a:buNone/>
-              </a:pPr>
-              <a:endParaRPr/>
-            </a:p>
-          </p:txBody>
-        </p:sp>
-        <p:sp>
-          <p:nvSpPr>
-            <p:cNvPr id="346" name="Google Shape;346;p34"/>
-            <p:cNvSpPr/>
-            <p:nvPr/>
-          </p:nvSpPr>
-          <p:spPr>
-            <a:xfrm>
-              <a:off x="6227313" y="516167"/>
-              <a:ext cx="18773" cy="6611"/>
-            </a:xfrm>
-            <a:custGeom>
-              <a:avLst/>
-              <a:gdLst/>
-              <a:ahLst/>
-              <a:cxnLst/>
-              <a:rect l="l" t="t" r="r" b="b"/>
-              <a:pathLst>
-                <a:path w="514" h="181" fill="none" extrusionOk="0">
-                  <a:moveTo>
-                    <a:pt x="0" y="1"/>
-                  </a:moveTo>
-                  <a:lnTo>
-                    <a:pt x="513" y="180"/>
-                  </a:lnTo>
-                </a:path>
-              </a:pathLst>
-            </a:custGeom>
-            <a:noFill/>
-            <a:ln w="9625" cap="rnd" cmpd="sng">
-              <a:solidFill>
-                <a:schemeClr val="lt1"/>
-              </a:solidFill>
-              <a:prstDash val="solid"/>
-              <a:miter lim="25642"/>
-              <a:headEnd type="none" w="sm" len="sm"/>
-              <a:tailEnd type="none" w="sm" len="sm"/>
-            </a:ln>
-          </p:spPr>
-          <p:txBody>
-            <a:bodyPr spcFirstLastPara="1" wrap="square" lIns="91425" tIns="91425" rIns="91425" bIns="91425" anchor="ctr" anchorCtr="0">
-              <a:noAutofit/>
-            </a:bodyPr>
-            <a:lstStyle/>
-            <a:p>
-              <a:pPr marL="0" lvl="0" indent="0" algn="l" rtl="0">
-                <a:spcBef>
-                  <a:spcPts val="0"/>
-                </a:spcBef>
-                <a:spcAft>
-                  <a:spcPts val="0"/>
-                </a:spcAft>
-                <a:buNone/>
-              </a:pPr>
-              <a:endParaRPr/>
-            </a:p>
-          </p:txBody>
-        </p:sp>
-      </p:grpSp>
-    </p:spTree>
-  </p:cSld>
-  <p:clrMapOvr>
-    <a:masterClrMapping/>
-  </p:clrMapOvr>
-</p:sld>
-</file>
-
-<file path=ppt/slides/slide30.xml><?xml version="1.0" encoding="utf-8"?>
+<file path=ppt/slides/slide32.xml><?xml version="1.0" encoding="utf-8"?>
 <p:sld xmlns:a="http://schemas.openxmlformats.org/drawingml/2006/main" xmlns:r="http://schemas.openxmlformats.org/officeDocument/2006/relationships" xmlns:p="http://schemas.openxmlformats.org/presentationml/2006/main">
   <p:cSld>
     <p:spTree>
@@ -31951,6 +36264,53 @@
           </a:p>
         </p:txBody>
       </p:sp>
+      <p:pic>
+        <p:nvPicPr>
+          <p:cNvPr id="3074" name="Picture 2">
+            <a:extLst>
+              <a:ext uri="{FF2B5EF4-FFF2-40B4-BE49-F238E27FC236}">
+                <a16:creationId xmlns:a16="http://schemas.microsoft.com/office/drawing/2014/main" id="{7158A33E-8D56-4942-B3BE-77E7194E460F}"/>
+              </a:ext>
+            </a:extLst>
+          </p:cNvPr>
+          <p:cNvPicPr>
+            <a:picLocks noChangeAspect="1" noChangeArrowheads="1"/>
+          </p:cNvPicPr>
+          <p:nvPr/>
+        </p:nvPicPr>
+        <p:blipFill>
+          <a:blip r:embed="rId3">
+            <a:extLst>
+              <a:ext uri="{28A0092B-C50C-407E-A947-70E740481C1C}">
+                <a14:useLocalDpi xmlns:a14="http://schemas.microsoft.com/office/drawing/2010/main" val="0"/>
+              </a:ext>
+            </a:extLst>
+          </a:blip>
+          <a:srcRect/>
+          <a:stretch>
+            <a:fillRect/>
+          </a:stretch>
+        </p:blipFill>
+        <p:spPr bwMode="auto">
+          <a:xfrm>
+            <a:off x="7517556" y="1679573"/>
+            <a:ext cx="1376254" cy="3337621"/>
+          </a:xfrm>
+          <a:prstGeom prst="rect">
+            <a:avLst/>
+          </a:prstGeom>
+          <a:noFill/>
+          <a:extLst>
+            <a:ext uri="{909E8E84-426E-40DD-AFC4-6F175D3DCCD1}">
+              <a14:hiddenFill xmlns:a14="http://schemas.microsoft.com/office/drawing/2010/main">
+                <a:solidFill>
+                  <a:srgbClr val="FFFFFF"/>
+                </a:solidFill>
+              </a14:hiddenFill>
+            </a:ext>
+          </a:extLst>
+        </p:spPr>
+      </p:pic>
     </p:spTree>
   </p:cSld>
   <p:clrMapOvr>
@@ -33142,7 +37502,7 @@
               <a:buChar char="•"/>
             </a:pPr>
             <a:r>
-              <a:rPr lang="en" dirty="0"/>
+              <a:rPr lang="en" sz="1400" dirty="0"/>
               <a:t>2 different datasets:</a:t>
             </a:r>
           </a:p>
@@ -33152,18 +37512,18 @@
               <a:buChar char="•"/>
             </a:pPr>
             <a:r>
-              <a:rPr lang="en-SG" dirty="0"/>
+              <a:rPr lang="en-SG" sz="1400" dirty="0"/>
               <a:t>B</a:t>
             </a:r>
             <a:r>
-              <a:rPr lang="en" dirty="0"/>
+              <a:rPr lang="en" sz="1400" dirty="0"/>
               <a:t>log articles data from </a:t>
             </a:r>
             <a:r>
-              <a:rPr lang="en" dirty="0" err="1"/>
+              <a:rPr lang="en" sz="1400" dirty="0" err="1"/>
               <a:t>towardsdatascience.com</a:t>
             </a:r>
-            <a:endParaRPr lang="en" dirty="0"/>
+            <a:endParaRPr lang="en" sz="1400" dirty="0"/>
           </a:p>
           <a:p>
             <a:pPr marL="742950" lvl="1" indent="-285750">
@@ -33171,14 +37531,14 @@
               <a:buChar char="•"/>
             </a:pPr>
             <a:r>
-              <a:rPr lang="en" dirty="0"/>
+              <a:rPr lang="en" sz="1400" dirty="0"/>
               <a:t>Job listings from </a:t>
             </a:r>
             <a:r>
-              <a:rPr lang="en" dirty="0" err="1"/>
+              <a:rPr lang="en" sz="1400" dirty="0" err="1"/>
               <a:t>glassdoor.com</a:t>
             </a:r>
-            <a:endParaRPr lang="en" dirty="0"/>
+            <a:endParaRPr lang="en" sz="1400" dirty="0"/>
           </a:p>
           <a:p>
             <a:pPr marL="285750" lvl="0" indent="-285750" algn="l" rtl="0">
@@ -33192,15 +37552,15 @@
               <a:buChar char="•"/>
             </a:pPr>
             <a:r>
-              <a:rPr lang="en-SG" dirty="0"/>
+              <a:rPr lang="en-SG" sz="1400" dirty="0"/>
               <a:t>t</a:t>
             </a:r>
             <a:r>
-              <a:rPr lang="en" dirty="0" err="1"/>
+              <a:rPr lang="en" sz="1400" dirty="0" err="1"/>
               <a:t>owardsdatascience.com</a:t>
             </a:r>
             <a:r>
-              <a:rPr lang="en" dirty="0"/>
+              <a:rPr lang="en" sz="1400" dirty="0"/>
               <a:t> contains articles on work done in practical industry applications as well as research work in the academic field. </a:t>
             </a:r>
           </a:p>
@@ -33216,16 +37576,52 @@
               <a:buChar char="•"/>
             </a:pPr>
             <a:r>
-              <a:rPr lang="en-SG" dirty="0"/>
+              <a:rPr lang="en-SG" sz="1400" dirty="0"/>
               <a:t>g</a:t>
             </a:r>
             <a:r>
-              <a:rPr lang="en" dirty="0" err="1"/>
+              <a:rPr lang="en" sz="1400" dirty="0" err="1"/>
               <a:t>lassdoor.com</a:t>
             </a:r>
             <a:r>
-              <a:rPr lang="en" dirty="0"/>
-              <a:t> contains job listings drawn up by employers that highlight the desired skillset and knowledge that the ideal candidate should have. This represent the first hurdle/entry to Data Science(DS) industry and could give a sense of what kind of DS skills that are more sought after. However, as DS job market is still quite new, it might not represent the actual important skillsets but rather just the employer’s assumption</a:t>
+              <a:rPr lang="en" sz="1400" dirty="0"/>
+              <a:t> contains job listings drawn up by employers that highlight the desired skillset and knowledge that the ideal candidate should have. </a:t>
+            </a:r>
+          </a:p>
+          <a:p>
+            <a:pPr marL="742950" lvl="1" indent="-285750">
+              <a:buFont typeface="Arial" panose="020B0604020202020204" pitchFamily="34" charset="0"/>
+              <a:buChar char="•"/>
+            </a:pPr>
+            <a:r>
+              <a:rPr lang="en" sz="1400" dirty="0"/>
+              <a:t>represent the entry to Data Science(DS) industry and could give a sense of what kind of DS skills that are more sought after. However, as DS job market is still quite new, it might not represent the actual important skillsets but rather just the employer’s assumption</a:t>
+            </a:r>
+          </a:p>
+          <a:p>
+            <a:pPr marL="742950" lvl="1" indent="-285750">
+              <a:buFont typeface="Arial" panose="020B0604020202020204" pitchFamily="34" charset="0"/>
+              <a:buChar char="•"/>
+            </a:pPr>
+            <a:r>
+              <a:rPr lang="en-SG" sz="1400" dirty="0"/>
+              <a:t>D</a:t>
+            </a:r>
+            <a:r>
+              <a:rPr lang="en" sz="1400" dirty="0" err="1"/>
+              <a:t>ataset</a:t>
+            </a:r>
+            <a:r>
+              <a:rPr lang="en" sz="1400" dirty="0"/>
+              <a:t> is collected on July 10, 2020 from </a:t>
+            </a:r>
+            <a:r>
+              <a:rPr lang="en" sz="1400" dirty="0" err="1"/>
+              <a:t>glassdoor</a:t>
+            </a:r>
+            <a:r>
+              <a:rPr lang="en" sz="1400" dirty="0"/>
+              <a:t> US</a:t>
             </a:r>
           </a:p>
           <a:p>
@@ -33240,23 +37636,23 @@
               <a:buChar char="•"/>
             </a:pPr>
             <a:r>
-              <a:rPr lang="en-SG" dirty="0"/>
+              <a:rPr lang="en-SG" sz="1400" dirty="0"/>
               <a:t>Analyse and c</a:t>
             </a:r>
             <a:r>
-              <a:rPr lang="en" dirty="0" err="1"/>
+              <a:rPr lang="en" sz="1400" dirty="0" err="1"/>
               <a:t>ompare</a:t>
             </a:r>
             <a:r>
-              <a:rPr lang="en" dirty="0"/>
+              <a:rPr lang="en" sz="1400" dirty="0"/>
               <a:t> these 2 different </a:t>
             </a:r>
             <a:r>
-              <a:rPr lang="en" dirty="0" err="1"/>
+              <a:rPr lang="en" sz="1400" dirty="0" err="1"/>
               <a:t>datasets’</a:t>
             </a:r>
             <a:r>
-              <a:rPr lang="en" dirty="0"/>
+              <a:rPr lang="en" sz="1400" dirty="0"/>
               <a:t> keywords to gain a better understanding of the DS industry.</a:t>
             </a:r>
           </a:p>
@@ -33479,6 +37875,53 @@
           </p:txBody>
         </p:sp>
       </p:grpSp>
+      <p:pic>
+        <p:nvPicPr>
+          <p:cNvPr id="1026" name="Picture 2" descr="dataset Icon 2200230">
+            <a:extLst>
+              <a:ext uri="{FF2B5EF4-FFF2-40B4-BE49-F238E27FC236}">
+                <a16:creationId xmlns:a16="http://schemas.microsoft.com/office/drawing/2014/main" id="{582A4B49-184B-F742-890B-4D8BF46A2DE9}"/>
+              </a:ext>
+            </a:extLst>
+          </p:cNvPr>
+          <p:cNvPicPr>
+            <a:picLocks noChangeAspect="1" noChangeArrowheads="1"/>
+          </p:cNvPicPr>
+          <p:nvPr/>
+        </p:nvPicPr>
+        <p:blipFill>
+          <a:blip r:embed="rId3">
+            <a:extLst>
+              <a:ext uri="{28A0092B-C50C-407E-A947-70E740481C1C}">
+                <a14:useLocalDpi xmlns:a14="http://schemas.microsoft.com/office/drawing/2010/main" val="0"/>
+              </a:ext>
+            </a:extLst>
+          </a:blip>
+          <a:srcRect/>
+          <a:stretch>
+            <a:fillRect/>
+          </a:stretch>
+        </p:blipFill>
+        <p:spPr bwMode="auto">
+          <a:xfrm>
+            <a:off x="8105726" y="478539"/>
+            <a:ext cx="937975" cy="937975"/>
+          </a:xfrm>
+          <a:prstGeom prst="rect">
+            <a:avLst/>
+          </a:prstGeom>
+          <a:noFill/>
+          <a:extLst>
+            <a:ext uri="{909E8E84-426E-40DD-AFC4-6F175D3DCCD1}">
+              <a14:hiddenFill xmlns:a14="http://schemas.microsoft.com/office/drawing/2010/main">
+                <a:solidFill>
+                  <a:srgbClr val="FFFFFF"/>
+                </a:solidFill>
+              </a14:hiddenFill>
+            </a:ext>
+          </a:extLst>
+        </p:spPr>
+      </p:pic>
     </p:spTree>
   </p:cSld>
   <p:clrMapOvr>
@@ -33580,7 +38023,7 @@
             </a:pPr>
             <a:r>
               <a:rPr lang="en" dirty="0"/>
-              <a:t>DATASET OVERVIEW</a:t>
+              <a:t>ARTICLE DATASET OVERVIEW</a:t>
             </a:r>
             <a:endParaRPr dirty="0"/>
           </a:p>
@@ -33656,31 +38099,7 @@
             </a:pPr>
             <a:r>
               <a:rPr lang="en" dirty="0"/>
-              <a:t>Initial: 42,660 rows of data, Final: </a:t>
-            </a:r>
-          </a:p>
-          <a:p>
-            <a:pPr marL="285750" lvl="0" indent="-285750" algn="l" rtl="0">
-              <a:spcBef>
-                <a:spcPts val="0"/>
-              </a:spcBef>
-              <a:spcAft>
-                <a:spcPts val="0"/>
-              </a:spcAft>
-              <a:buFont typeface="Arial" panose="020B0604020202020204" pitchFamily="34" charset="0"/>
-              <a:buChar char="•"/>
-            </a:pPr>
-            <a:r>
-              <a:rPr lang="en" dirty="0"/>
-              <a:t>key categories: </a:t>
-            </a:r>
-            <a:r>
-              <a:rPr lang="en" dirty="0" err="1"/>
-              <a:t>url</a:t>
-            </a:r>
-            <a:r>
-              <a:rPr lang="en" dirty="0"/>
-              <a:t>, claps, responses</a:t>
+              <a:t>Initial: 42,660 rows of data</a:t>
             </a:r>
           </a:p>
           <a:p>
@@ -33968,7 +38387,7 @@
         </p:blipFill>
         <p:spPr>
           <a:xfrm>
-            <a:off x="856956" y="3426225"/>
+            <a:off x="856956" y="3314465"/>
             <a:ext cx="7600842" cy="1733526"/>
           </a:xfrm>
           <a:prstGeom prst="rect">
@@ -33990,8 +38409,8 @@
         </p:nvSpPr>
         <p:spPr>
           <a:xfrm>
-            <a:off x="4263081" y="3245711"/>
-            <a:ext cx="3534033" cy="2095500"/>
+            <a:off x="4582160" y="3204590"/>
+            <a:ext cx="2255520" cy="1862301"/>
           </a:xfrm>
           <a:prstGeom prst="ellipse">
             <a:avLst/>
@@ -34030,6 +38449,53 @@
           </a:p>
         </p:txBody>
       </p:sp>
+      <p:pic>
+        <p:nvPicPr>
+          <p:cNvPr id="10" name="Picture 2" descr="dataset Icon 2200230">
+            <a:extLst>
+              <a:ext uri="{FF2B5EF4-FFF2-40B4-BE49-F238E27FC236}">
+                <a16:creationId xmlns:a16="http://schemas.microsoft.com/office/drawing/2014/main" id="{83348BC0-13DF-8940-91CC-B67CA1F74FB2}"/>
+              </a:ext>
+            </a:extLst>
+          </p:cNvPr>
+          <p:cNvPicPr>
+            <a:picLocks noChangeAspect="1" noChangeArrowheads="1"/>
+          </p:cNvPicPr>
+          <p:nvPr/>
+        </p:nvPicPr>
+        <p:blipFill>
+          <a:blip r:embed="rId5">
+            <a:extLst>
+              <a:ext uri="{28A0092B-C50C-407E-A947-70E740481C1C}">
+                <a14:useLocalDpi xmlns:a14="http://schemas.microsoft.com/office/drawing/2010/main" val="0"/>
+              </a:ext>
+            </a:extLst>
+          </a:blip>
+          <a:srcRect/>
+          <a:stretch>
+            <a:fillRect/>
+          </a:stretch>
+        </p:blipFill>
+        <p:spPr bwMode="auto">
+          <a:xfrm>
+            <a:off x="8105726" y="478539"/>
+            <a:ext cx="937975" cy="937975"/>
+          </a:xfrm>
+          <a:prstGeom prst="rect">
+            <a:avLst/>
+          </a:prstGeom>
+          <a:noFill/>
+          <a:extLst>
+            <a:ext uri="{909E8E84-426E-40DD-AFC4-6F175D3DCCD1}">
+              <a14:hiddenFill xmlns:a14="http://schemas.microsoft.com/office/drawing/2010/main">
+                <a:solidFill>
+                  <a:srgbClr val="FFFFFF"/>
+                </a:solidFill>
+              </a14:hiddenFill>
+            </a:ext>
+          </a:extLst>
+        </p:spPr>
+      </p:pic>
     </p:spTree>
     <p:extLst>
       <p:ext uri="{BB962C8B-B14F-4D97-AF65-F5344CB8AC3E}">
@@ -34136,7 +38602,7 @@
             </a:pPr>
             <a:r>
               <a:rPr lang="en" dirty="0"/>
-              <a:t>DATASET OVERVIEW</a:t>
+              <a:t>JOB ARTICLE DATASET OVERVIEW</a:t>
             </a:r>
             <a:endParaRPr dirty="0"/>
           </a:p>
@@ -34232,16 +38698,6 @@
               <a:buFont typeface="Arial" panose="020B0604020202020204" pitchFamily="34" charset="0"/>
               <a:buChar char="•"/>
             </a:pPr>
-            <a:r>
-              <a:rPr lang="en-SG" dirty="0"/>
-              <a:t>Key category: Job Description</a:t>
-            </a:r>
-          </a:p>
-          <a:p>
-            <a:pPr marL="285750" lvl="0" indent="-285750" algn="l">
-              <a:buFont typeface="Arial" panose="020B0604020202020204" pitchFamily="34" charset="0"/>
-              <a:buChar char="•"/>
-            </a:pPr>
             <a:endParaRPr lang="en-SG" dirty="0"/>
           </a:p>
         </p:txBody>
@@ -34491,6 +38947,53 @@
           <a:prstGeom prst="rect">
             <a:avLst/>
           </a:prstGeom>
+        </p:spPr>
+      </p:pic>
+      <p:pic>
+        <p:nvPicPr>
+          <p:cNvPr id="9" name="Picture 2" descr="dataset Icon 2200230">
+            <a:extLst>
+              <a:ext uri="{FF2B5EF4-FFF2-40B4-BE49-F238E27FC236}">
+                <a16:creationId xmlns:a16="http://schemas.microsoft.com/office/drawing/2014/main" id="{CE4BE094-C024-DD44-99E2-10DFAE2AB626}"/>
+              </a:ext>
+            </a:extLst>
+          </p:cNvPr>
+          <p:cNvPicPr>
+            <a:picLocks noChangeAspect="1" noChangeArrowheads="1"/>
+          </p:cNvPicPr>
+          <p:nvPr/>
+        </p:nvPicPr>
+        <p:blipFill>
+          <a:blip r:embed="rId5">
+            <a:extLst>
+              <a:ext uri="{28A0092B-C50C-407E-A947-70E740481C1C}">
+                <a14:useLocalDpi xmlns:a14="http://schemas.microsoft.com/office/drawing/2010/main" val="0"/>
+              </a:ext>
+            </a:extLst>
+          </a:blip>
+          <a:srcRect/>
+          <a:stretch>
+            <a:fillRect/>
+          </a:stretch>
+        </p:blipFill>
+        <p:spPr bwMode="auto">
+          <a:xfrm>
+            <a:off x="8105726" y="478539"/>
+            <a:ext cx="937975" cy="937975"/>
+          </a:xfrm>
+          <a:prstGeom prst="rect">
+            <a:avLst/>
+          </a:prstGeom>
+          <a:noFill/>
+          <a:extLst>
+            <a:ext uri="{909E8E84-426E-40DD-AFC4-6F175D3DCCD1}">
+              <a14:hiddenFill xmlns:a14="http://schemas.microsoft.com/office/drawing/2010/main">
+                <a:solidFill>
+                  <a:srgbClr val="FFFFFF"/>
+                </a:solidFill>
+              </a14:hiddenFill>
+            </a:ext>
+          </a:extLst>
         </p:spPr>
       </p:pic>
     </p:spTree>
